--- a/2.项目PPT/十七周-项目总结.pptx
+++ b/2.项目PPT/十七周-项目总结.pptx
@@ -4,6 +4,9 @@
   <p:sldMasterIdLst>
     <p:sldMasterId id="2147483648" r:id="rId1"/>
   </p:sldMasterIdLst>
+  <p:notesMasterIdLst>
+    <p:notesMasterId r:id="rId13"/>
+  </p:notesMasterIdLst>
   <p:sldIdLst>
     <p:sldId id="256" r:id="rId2"/>
     <p:sldId id="257" r:id="rId3"/>
@@ -114,7 +117,514 @@
       </a:defRPr>
     </a:lvl9pPr>
   </p:defaultTextStyle>
+  <p:extLst>
+    <p:ext uri="{EFAFB233-063F-42B5-8137-9DF3F51BA10A}">
+      <p15:sldGuideLst xmlns:p15="http://schemas.microsoft.com/office/powerpoint/2012/main">
+        <p15:guide id="1" orient="horz" pos="2160">
+          <p15:clr>
+            <a:srgbClr val="A4A3A4"/>
+          </p15:clr>
+        </p15:guide>
+        <p15:guide id="2" pos="2880">
+          <p15:clr>
+            <a:srgbClr val="A4A3A4"/>
+          </p15:clr>
+        </p15:guide>
+      </p15:sldGuideLst>
+    </p:ext>
+  </p:extLst>
 </p:presentation>
+</file>
+
+<file path=ppt/notesMasters/notesMaster1.xml><?xml version="1.0" encoding="utf-8"?>
+<p:notesMaster xmlns:a="http://schemas.openxmlformats.org/drawingml/2006/main" xmlns:r="http://schemas.openxmlformats.org/officeDocument/2006/relationships" xmlns:p="http://schemas.openxmlformats.org/presentationml/2006/main">
+  <p:cSld>
+    <p:bg>
+      <p:bgRef idx="1001">
+        <a:schemeClr val="bg1"/>
+      </p:bgRef>
+    </p:bg>
+    <p:spTree>
+      <p:nvGrpSpPr>
+        <p:cNvPr id="1" name=""/>
+        <p:cNvGrpSpPr/>
+        <p:nvPr/>
+      </p:nvGrpSpPr>
+      <p:grpSpPr>
+        <a:xfrm>
+          <a:off x="0" y="0"/>
+          <a:ext cx="0" cy="0"/>
+          <a:chOff x="0" y="0"/>
+          <a:chExt cx="0" cy="0"/>
+        </a:xfrm>
+      </p:grpSpPr>
+      <p:sp>
+        <p:nvSpPr>
+          <p:cNvPr id="2" name="页眉占位符 1"/>
+          <p:cNvSpPr>
+            <a:spLocks noGrp="1"/>
+          </p:cNvSpPr>
+          <p:nvPr>
+            <p:ph type="hdr" sz="quarter"/>
+          </p:nvPr>
+        </p:nvSpPr>
+        <p:spPr>
+          <a:xfrm>
+            <a:off x="0" y="0"/>
+            <a:ext cx="2971800" cy="458788"/>
+          </a:xfrm>
+          <a:prstGeom prst="rect">
+            <a:avLst/>
+          </a:prstGeom>
+        </p:spPr>
+        <p:txBody>
+          <a:bodyPr vert="horz" lIns="91440" tIns="45720" rIns="91440" bIns="45720" rtlCol="0"/>
+          <a:lstStyle>
+            <a:lvl1pPr algn="l">
+              <a:defRPr sz="1200"/>
+            </a:lvl1pPr>
+          </a:lstStyle>
+          <a:p>
+            <a:endParaRPr lang="zh-CN" altLang="en-US"/>
+          </a:p>
+        </p:txBody>
+      </p:sp>
+      <p:sp>
+        <p:nvSpPr>
+          <p:cNvPr id="3" name="日期占位符 2"/>
+          <p:cNvSpPr>
+            <a:spLocks noGrp="1"/>
+          </p:cNvSpPr>
+          <p:nvPr>
+            <p:ph type="dt" idx="1"/>
+          </p:nvPr>
+        </p:nvSpPr>
+        <p:spPr>
+          <a:xfrm>
+            <a:off x="3884613" y="0"/>
+            <a:ext cx="2971800" cy="458788"/>
+          </a:xfrm>
+          <a:prstGeom prst="rect">
+            <a:avLst/>
+          </a:prstGeom>
+        </p:spPr>
+        <p:txBody>
+          <a:bodyPr vert="horz" lIns="91440" tIns="45720" rIns="91440" bIns="45720" rtlCol="0"/>
+          <a:lstStyle>
+            <a:lvl1pPr algn="r">
+              <a:defRPr sz="1200"/>
+            </a:lvl1pPr>
+          </a:lstStyle>
+          <a:p>
+            <a:fld id="{8F6F6E25-9D37-4D99-9DCD-164F752BFE5F}" type="datetimeFigureOut">
+              <a:rPr lang="zh-CN" altLang="en-US" smtClean="0"/>
+              <a:t>2016/6/24</a:t>
+            </a:fld>
+            <a:endParaRPr lang="zh-CN" altLang="en-US"/>
+          </a:p>
+        </p:txBody>
+      </p:sp>
+      <p:sp>
+        <p:nvSpPr>
+          <p:cNvPr id="4" name="幻灯片图像占位符 3"/>
+          <p:cNvSpPr>
+            <a:spLocks noGrp="1" noRot="1" noChangeAspect="1"/>
+          </p:cNvSpPr>
+          <p:nvPr>
+            <p:ph type="sldImg" idx="2"/>
+          </p:nvPr>
+        </p:nvSpPr>
+        <p:spPr>
+          <a:xfrm>
+            <a:off x="1371600" y="1143000"/>
+            <a:ext cx="4114800" cy="3086100"/>
+          </a:xfrm>
+          <a:prstGeom prst="rect">
+            <a:avLst/>
+          </a:prstGeom>
+          <a:noFill/>
+          <a:ln w="12700">
+            <a:solidFill>
+              <a:prstClr val="black"/>
+            </a:solidFill>
+          </a:ln>
+        </p:spPr>
+        <p:txBody>
+          <a:bodyPr vert="horz" lIns="91440" tIns="45720" rIns="91440" bIns="45720" rtlCol="0" anchor="ctr"/>
+          <a:lstStyle/>
+          <a:p>
+            <a:endParaRPr lang="zh-CN" altLang="en-US"/>
+          </a:p>
+        </p:txBody>
+      </p:sp>
+      <p:sp>
+        <p:nvSpPr>
+          <p:cNvPr id="5" name="备注占位符 4"/>
+          <p:cNvSpPr>
+            <a:spLocks noGrp="1"/>
+          </p:cNvSpPr>
+          <p:nvPr>
+            <p:ph type="body" sz="quarter" idx="3"/>
+          </p:nvPr>
+        </p:nvSpPr>
+        <p:spPr>
+          <a:xfrm>
+            <a:off x="685800" y="4400550"/>
+            <a:ext cx="5486400" cy="3600450"/>
+          </a:xfrm>
+          <a:prstGeom prst="rect">
+            <a:avLst/>
+          </a:prstGeom>
+        </p:spPr>
+        <p:txBody>
+          <a:bodyPr vert="horz" lIns="91440" tIns="45720" rIns="91440" bIns="45720" rtlCol="0"/>
+          <a:lstStyle/>
+          <a:p>
+            <a:pPr lvl="0"/>
+            <a:r>
+              <a:rPr lang="zh-CN" altLang="en-US" smtClean="0"/>
+              <a:t>编辑母版文本样式</a:t>
+            </a:r>
+          </a:p>
+          <a:p>
+            <a:pPr lvl="1"/>
+            <a:r>
+              <a:rPr lang="zh-CN" altLang="en-US" smtClean="0"/>
+              <a:t>第二级</a:t>
+            </a:r>
+          </a:p>
+          <a:p>
+            <a:pPr lvl="2"/>
+            <a:r>
+              <a:rPr lang="zh-CN" altLang="en-US" smtClean="0"/>
+              <a:t>第三级</a:t>
+            </a:r>
+          </a:p>
+          <a:p>
+            <a:pPr lvl="3"/>
+            <a:r>
+              <a:rPr lang="zh-CN" altLang="en-US" smtClean="0"/>
+              <a:t>第四级</a:t>
+            </a:r>
+          </a:p>
+          <a:p>
+            <a:pPr lvl="4"/>
+            <a:r>
+              <a:rPr lang="zh-CN" altLang="en-US" smtClean="0"/>
+              <a:t>第五级</a:t>
+            </a:r>
+            <a:endParaRPr lang="zh-CN" altLang="en-US"/>
+          </a:p>
+        </p:txBody>
+      </p:sp>
+      <p:sp>
+        <p:nvSpPr>
+          <p:cNvPr id="6" name="页脚占位符 5"/>
+          <p:cNvSpPr>
+            <a:spLocks noGrp="1"/>
+          </p:cNvSpPr>
+          <p:nvPr>
+            <p:ph type="ftr" sz="quarter" idx="4"/>
+          </p:nvPr>
+        </p:nvSpPr>
+        <p:spPr>
+          <a:xfrm>
+            <a:off x="0" y="8685213"/>
+            <a:ext cx="2971800" cy="458787"/>
+          </a:xfrm>
+          <a:prstGeom prst="rect">
+            <a:avLst/>
+          </a:prstGeom>
+        </p:spPr>
+        <p:txBody>
+          <a:bodyPr vert="horz" lIns="91440" tIns="45720" rIns="91440" bIns="45720" rtlCol="0" anchor="b"/>
+          <a:lstStyle>
+            <a:lvl1pPr algn="l">
+              <a:defRPr sz="1200"/>
+            </a:lvl1pPr>
+          </a:lstStyle>
+          <a:p>
+            <a:endParaRPr lang="zh-CN" altLang="en-US"/>
+          </a:p>
+        </p:txBody>
+      </p:sp>
+      <p:sp>
+        <p:nvSpPr>
+          <p:cNvPr id="7" name="灯片编号占位符 6"/>
+          <p:cNvSpPr>
+            <a:spLocks noGrp="1"/>
+          </p:cNvSpPr>
+          <p:nvPr>
+            <p:ph type="sldNum" sz="quarter" idx="5"/>
+          </p:nvPr>
+        </p:nvSpPr>
+        <p:spPr>
+          <a:xfrm>
+            <a:off x="3884613" y="8685213"/>
+            <a:ext cx="2971800" cy="458787"/>
+          </a:xfrm>
+          <a:prstGeom prst="rect">
+            <a:avLst/>
+          </a:prstGeom>
+        </p:spPr>
+        <p:txBody>
+          <a:bodyPr vert="horz" lIns="91440" tIns="45720" rIns="91440" bIns="45720" rtlCol="0" anchor="b"/>
+          <a:lstStyle>
+            <a:lvl1pPr algn="r">
+              <a:defRPr sz="1200"/>
+            </a:lvl1pPr>
+          </a:lstStyle>
+          <a:p>
+            <a:fld id="{D133E825-9181-4BFA-B6BF-DDEE82E5F87C}" type="slidenum">
+              <a:rPr lang="zh-CN" altLang="en-US" smtClean="0"/>
+              <a:t>‹#›</a:t>
+            </a:fld>
+            <a:endParaRPr lang="zh-CN" altLang="en-US"/>
+          </a:p>
+        </p:txBody>
+      </p:sp>
+    </p:spTree>
+    <p:extLst>
+      <p:ext uri="{BB962C8B-B14F-4D97-AF65-F5344CB8AC3E}">
+        <p14:creationId xmlns:p14="http://schemas.microsoft.com/office/powerpoint/2010/main" val="3390525498"/>
+      </p:ext>
+    </p:extLst>
+  </p:cSld>
+  <p:clrMap bg1="lt1" tx1="dk1" bg2="lt2" tx2="dk2" accent1="accent1" accent2="accent2" accent3="accent3" accent4="accent4" accent5="accent5" accent6="accent6" hlink="hlink" folHlink="folHlink"/>
+  <p:notesStyle>
+    <a:lvl1pPr marL="0" algn="l" defTabSz="914400" rtl="0" eaLnBrk="1" latinLnBrk="0" hangingPunct="1">
+      <a:defRPr sz="1200" kern="1200">
+        <a:solidFill>
+          <a:schemeClr val="tx1"/>
+        </a:solidFill>
+        <a:latin typeface="+mn-lt"/>
+        <a:ea typeface="+mn-ea"/>
+        <a:cs typeface="+mn-cs"/>
+      </a:defRPr>
+    </a:lvl1pPr>
+    <a:lvl2pPr marL="457200" algn="l" defTabSz="914400" rtl="0" eaLnBrk="1" latinLnBrk="0" hangingPunct="1">
+      <a:defRPr sz="1200" kern="1200">
+        <a:solidFill>
+          <a:schemeClr val="tx1"/>
+        </a:solidFill>
+        <a:latin typeface="+mn-lt"/>
+        <a:ea typeface="+mn-ea"/>
+        <a:cs typeface="+mn-cs"/>
+      </a:defRPr>
+    </a:lvl2pPr>
+    <a:lvl3pPr marL="914400" algn="l" defTabSz="914400" rtl="0" eaLnBrk="1" latinLnBrk="0" hangingPunct="1">
+      <a:defRPr sz="1200" kern="1200">
+        <a:solidFill>
+          <a:schemeClr val="tx1"/>
+        </a:solidFill>
+        <a:latin typeface="+mn-lt"/>
+        <a:ea typeface="+mn-ea"/>
+        <a:cs typeface="+mn-cs"/>
+      </a:defRPr>
+    </a:lvl3pPr>
+    <a:lvl4pPr marL="1371600" algn="l" defTabSz="914400" rtl="0" eaLnBrk="1" latinLnBrk="0" hangingPunct="1">
+      <a:defRPr sz="1200" kern="1200">
+        <a:solidFill>
+          <a:schemeClr val="tx1"/>
+        </a:solidFill>
+        <a:latin typeface="+mn-lt"/>
+        <a:ea typeface="+mn-ea"/>
+        <a:cs typeface="+mn-cs"/>
+      </a:defRPr>
+    </a:lvl4pPr>
+    <a:lvl5pPr marL="1828800" algn="l" defTabSz="914400" rtl="0" eaLnBrk="1" latinLnBrk="0" hangingPunct="1">
+      <a:defRPr sz="1200" kern="1200">
+        <a:solidFill>
+          <a:schemeClr val="tx1"/>
+        </a:solidFill>
+        <a:latin typeface="+mn-lt"/>
+        <a:ea typeface="+mn-ea"/>
+        <a:cs typeface="+mn-cs"/>
+      </a:defRPr>
+    </a:lvl5pPr>
+    <a:lvl6pPr marL="2286000" algn="l" defTabSz="914400" rtl="0" eaLnBrk="1" latinLnBrk="0" hangingPunct="1">
+      <a:defRPr sz="1200" kern="1200">
+        <a:solidFill>
+          <a:schemeClr val="tx1"/>
+        </a:solidFill>
+        <a:latin typeface="+mn-lt"/>
+        <a:ea typeface="+mn-ea"/>
+        <a:cs typeface="+mn-cs"/>
+      </a:defRPr>
+    </a:lvl6pPr>
+    <a:lvl7pPr marL="2743200" algn="l" defTabSz="914400" rtl="0" eaLnBrk="1" latinLnBrk="0" hangingPunct="1">
+      <a:defRPr sz="1200" kern="1200">
+        <a:solidFill>
+          <a:schemeClr val="tx1"/>
+        </a:solidFill>
+        <a:latin typeface="+mn-lt"/>
+        <a:ea typeface="+mn-ea"/>
+        <a:cs typeface="+mn-cs"/>
+      </a:defRPr>
+    </a:lvl7pPr>
+    <a:lvl8pPr marL="3200400" algn="l" defTabSz="914400" rtl="0" eaLnBrk="1" latinLnBrk="0" hangingPunct="1">
+      <a:defRPr sz="1200" kern="1200">
+        <a:solidFill>
+          <a:schemeClr val="tx1"/>
+        </a:solidFill>
+        <a:latin typeface="+mn-lt"/>
+        <a:ea typeface="+mn-ea"/>
+        <a:cs typeface="+mn-cs"/>
+      </a:defRPr>
+    </a:lvl8pPr>
+    <a:lvl9pPr marL="3657600" algn="l" defTabSz="914400" rtl="0" eaLnBrk="1" latinLnBrk="0" hangingPunct="1">
+      <a:defRPr sz="1200" kern="1200">
+        <a:solidFill>
+          <a:schemeClr val="tx1"/>
+        </a:solidFill>
+        <a:latin typeface="+mn-lt"/>
+        <a:ea typeface="+mn-ea"/>
+        <a:cs typeface="+mn-cs"/>
+      </a:defRPr>
+    </a:lvl9pPr>
+  </p:notesStyle>
+</p:notesMaster>
+</file>
+
+<file path=ppt/notesSlides/notesSlide1.xml><?xml version="1.0" encoding="utf-8"?>
+<p:notes xmlns:a="http://schemas.openxmlformats.org/drawingml/2006/main" xmlns:r="http://schemas.openxmlformats.org/officeDocument/2006/relationships" xmlns:p="http://schemas.openxmlformats.org/presentationml/2006/main">
+  <p:cSld>
+    <p:spTree>
+      <p:nvGrpSpPr>
+        <p:cNvPr id="1" name=""/>
+        <p:cNvGrpSpPr/>
+        <p:nvPr/>
+      </p:nvGrpSpPr>
+      <p:grpSpPr>
+        <a:xfrm>
+          <a:off x="0" y="0"/>
+          <a:ext cx="0" cy="0"/>
+          <a:chOff x="0" y="0"/>
+          <a:chExt cx="0" cy="0"/>
+        </a:xfrm>
+      </p:grpSpPr>
+      <p:sp>
+        <p:nvSpPr>
+          <p:cNvPr id="2" name="幻灯片图像占位符 1"/>
+          <p:cNvSpPr>
+            <a:spLocks noGrp="1" noRot="1" noChangeAspect="1"/>
+          </p:cNvSpPr>
+          <p:nvPr>
+            <p:ph type="sldImg"/>
+          </p:nvPr>
+        </p:nvSpPr>
+        <p:spPr/>
+      </p:sp>
+      <p:sp>
+        <p:nvSpPr>
+          <p:cNvPr id="3" name="备注占位符 2"/>
+          <p:cNvSpPr>
+            <a:spLocks noGrp="1"/>
+          </p:cNvSpPr>
+          <p:nvPr>
+            <p:ph type="body" idx="1"/>
+          </p:nvPr>
+        </p:nvSpPr>
+        <p:spPr/>
+        <p:txBody>
+          <a:bodyPr/>
+          <a:lstStyle/>
+          <a:p>
+            <a:r>
+              <a:rPr lang="en-US" altLang="zh-CN" smtClean="0"/>
+              <a:t>1.</a:t>
+            </a:r>
+            <a:r>
+              <a:rPr lang="zh-CN" altLang="en-US" smtClean="0"/>
+              <a:t>对</a:t>
+            </a:r>
+            <a:r>
+              <a:rPr lang="en-US" altLang="zh-CN" smtClean="0"/>
+              <a:t>RUCM</a:t>
+            </a:r>
+            <a:r>
+              <a:rPr lang="zh-CN" altLang="en-US" smtClean="0"/>
+              <a:t>的标准掌握不好，所以在描述的时候会存在一些不规范的情况。但是改起来代价较大，此处不予处理。</a:t>
+            </a:r>
+            <a:endParaRPr lang="en-US" altLang="zh-CN" smtClean="0"/>
+          </a:p>
+          <a:p>
+            <a:r>
+              <a:rPr lang="en-US" altLang="zh-CN" smtClean="0"/>
+              <a:t>2.</a:t>
+            </a:r>
+            <a:r>
+              <a:rPr lang="zh-CN" altLang="en-US" smtClean="0"/>
+              <a:t>用例图的描述问题，因为系统较大，不可能把所有用例都准确描述，只能很粗糙地描述典型用例。例如各种协议的处理模块，在</a:t>
+            </a:r>
+            <a:r>
+              <a:rPr lang="en-US" altLang="zh-CN" smtClean="0"/>
+              <a:t>nginx</a:t>
+            </a:r>
+            <a:r>
+              <a:rPr lang="zh-CN" altLang="en-US" smtClean="0"/>
+              <a:t>系统中肯定存在，但是用户无法直接接触。虽然没有使用</a:t>
+            </a:r>
+            <a:r>
+              <a:rPr lang="en-US" altLang="zh-CN" smtClean="0"/>
+              <a:t>RUCM</a:t>
+            </a:r>
+            <a:r>
+              <a:rPr lang="zh-CN" altLang="en-US" smtClean="0"/>
+              <a:t>描述，但是其实还有很多用例根本没有展示出来，这是由于系统庞大造成的。在最后对课程的建议中，我们会提到这个问题。</a:t>
+            </a:r>
+            <a:endParaRPr lang="en-US" altLang="zh-CN" smtClean="0"/>
+          </a:p>
+          <a:p>
+            <a:endParaRPr lang="en-US" altLang="zh-CN" smtClean="0"/>
+          </a:p>
+          <a:p>
+            <a:r>
+              <a:rPr lang="en-US" altLang="zh-CN" smtClean="0"/>
+              <a:t>3.</a:t>
+            </a:r>
+            <a:r>
+              <a:rPr lang="zh-CN" altLang="en-US" smtClean="0"/>
+              <a:t>从测试用例对应需求用例，因为需求是先写的，测试时后写的，这样在做后面工作的时候不需要修改前面的文件。也可以使用单独的文件完成对应，我们认为在测试中写已经很方便查找。</a:t>
+            </a:r>
+            <a:endParaRPr lang="zh-CN" altLang="en-US"/>
+          </a:p>
+        </p:txBody>
+      </p:sp>
+      <p:sp>
+        <p:nvSpPr>
+          <p:cNvPr id="4" name="灯片编号占位符 3"/>
+          <p:cNvSpPr>
+            <a:spLocks noGrp="1"/>
+          </p:cNvSpPr>
+          <p:nvPr>
+            <p:ph type="sldNum" sz="quarter" idx="10"/>
+          </p:nvPr>
+        </p:nvSpPr>
+        <p:spPr/>
+        <p:txBody>
+          <a:bodyPr/>
+          <a:lstStyle/>
+          <a:p>
+            <a:fld id="{D133E825-9181-4BFA-B6BF-DDEE82E5F87C}" type="slidenum">
+              <a:rPr lang="zh-CN" altLang="en-US" smtClean="0"/>
+              <a:t>3</a:t>
+            </a:fld>
+            <a:endParaRPr lang="zh-CN" altLang="en-US"/>
+          </a:p>
+        </p:txBody>
+      </p:sp>
+    </p:spTree>
+    <p:extLst>
+      <p:ext uri="{BB962C8B-B14F-4D97-AF65-F5344CB8AC3E}">
+        <p14:creationId xmlns:p14="http://schemas.microsoft.com/office/powerpoint/2010/main" val="842356637"/>
+      </p:ext>
+    </p:extLst>
+  </p:cSld>
+  <p:clrMapOvr>
+    <a:masterClrMapping/>
+  </p:clrMapOvr>
+</p:notes>
 </file>
 
 <file path=ppt/slideLayouts/slideLayout1.xml><?xml version="1.0" encoding="utf-8"?>
@@ -3497,7 +4007,66 @@
           <a:bodyPr/>
           <a:lstStyle/>
           <a:p>
-            <a:endParaRPr lang="zh-CN" altLang="en-US"/>
+            <a:r>
+              <a:rPr lang="en-US" altLang="zh-CN" smtClean="0"/>
+              <a:t>RUCM</a:t>
+            </a:r>
+            <a:r>
+              <a:rPr lang="zh-CN" altLang="en-US" smtClean="0"/>
+              <a:t>和用例问题</a:t>
+            </a:r>
+            <a:r>
+              <a:rPr lang="zh-CN" altLang="en-US"/>
+              <a:t>（</a:t>
+            </a:r>
+            <a:r>
+              <a:rPr lang="en-US" altLang="zh-CN"/>
+              <a:t>A</a:t>
+            </a:r>
+            <a:r>
+              <a:rPr lang="zh-CN" altLang="en-US"/>
+              <a:t>组，</a:t>
+            </a:r>
+            <a:r>
+              <a:rPr lang="en-US" altLang="zh-CN"/>
+              <a:t>E</a:t>
+            </a:r>
+            <a:r>
+              <a:rPr lang="zh-CN" altLang="en-US"/>
+              <a:t>组，</a:t>
+            </a:r>
+            <a:r>
+              <a:rPr lang="en-US" altLang="zh-CN"/>
+              <a:t>H</a:t>
+            </a:r>
+            <a:r>
+              <a:rPr lang="zh-CN" altLang="en-US"/>
+              <a:t>组</a:t>
+            </a:r>
+            <a:r>
+              <a:rPr lang="zh-CN" altLang="en-US" smtClean="0"/>
+              <a:t>）</a:t>
+            </a:r>
+            <a:endParaRPr lang="en-US" altLang="zh-CN"/>
+          </a:p>
+          <a:p>
+            <a:r>
+              <a:rPr lang="zh-CN" altLang="en-US"/>
+              <a:t>需</a:t>
+            </a:r>
+            <a:r>
+              <a:rPr lang="zh-CN" altLang="en-US" smtClean="0"/>
+              <a:t>求对应关系问题（</a:t>
+            </a:r>
+            <a:r>
+              <a:rPr lang="en-US" altLang="zh-CN" smtClean="0"/>
+              <a:t>A</a:t>
+            </a:r>
+            <a:r>
+              <a:rPr lang="zh-CN" altLang="en-US" smtClean="0"/>
+              <a:t>组）</a:t>
+            </a:r>
+            <a:endParaRPr lang="en-US" altLang="zh-CN" smtClean="0"/>
           </a:p>
         </p:txBody>
       </p:sp>
@@ -4265,4 +4834,265 @@
   <a:objectDefaults/>
   <a:extraClrSchemeLst/>
 </a:theme>
+</file>
+
+<file path=ppt/theme/theme2.xml><?xml version="1.0" encoding="utf-8"?>
+<a:theme xmlns:a="http://schemas.openxmlformats.org/drawingml/2006/main" name="Office 主题​​">
+  <a:themeElements>
+    <a:clrScheme name="Office">
+      <a:dk1>
+        <a:sysClr val="windowText" lastClr="000000"/>
+      </a:dk1>
+      <a:lt1>
+        <a:sysClr val="window" lastClr="FFFFFF"/>
+      </a:lt1>
+      <a:dk2>
+        <a:srgbClr val="44546A"/>
+      </a:dk2>
+      <a:lt2>
+        <a:srgbClr val="E7E6E6"/>
+      </a:lt2>
+      <a:accent1>
+        <a:srgbClr val="5B9BD5"/>
+      </a:accent1>
+      <a:accent2>
+        <a:srgbClr val="ED7D31"/>
+      </a:accent2>
+      <a:accent3>
+        <a:srgbClr val="A5A5A5"/>
+      </a:accent3>
+      <a:accent4>
+        <a:srgbClr val="FFC000"/>
+      </a:accent4>
+      <a:accent5>
+        <a:srgbClr val="4472C4"/>
+      </a:accent5>
+      <a:accent6>
+        <a:srgbClr val="70AD47"/>
+      </a:accent6>
+      <a:hlink>
+        <a:srgbClr val="0563C1"/>
+      </a:hlink>
+      <a:folHlink>
+        <a:srgbClr val="954F72"/>
+      </a:folHlink>
+    </a:clrScheme>
+    <a:fontScheme name="Office">
+      <a:majorFont>
+        <a:latin typeface="等线 Light" panose="020F0302020204030204"/>
+        <a:ea typeface=""/>
+        <a:cs typeface=""/>
+        <a:font script="Jpan" typeface="游ゴシック Light"/>
+        <a:font script="Hang" typeface="맑은 고딕"/>
+        <a:font script="Hans" typeface="等线 Light"/>
+        <a:font script="Hant" typeface="新細明體"/>
+        <a:font script="Arab" typeface="Times New Roman"/>
+        <a:font script="Hebr" typeface="Times New Roman"/>
+        <a:font script="Thai" typeface="Angsana New"/>
+        <a:font script="Ethi" typeface="Nyala"/>
+        <a:font script="Beng" typeface="Vrinda"/>
+        <a:font script="Gujr" typeface="Shruti"/>
+        <a:font script="Khmr" typeface="MoolBoran"/>
+        <a:font script="Knda" typeface="Tunga"/>
+        <a:font script="Guru" typeface="Raavi"/>
+        <a:font script="Cans" typeface="Euphemia"/>
+        <a:font script="Cher" typeface="Plantagenet Cherokee"/>
+        <a:font script="Yiii" typeface="Microsoft Yi Baiti"/>
+        <a:font script="Tibt" typeface="Microsoft Himalaya"/>
+        <a:font script="Thaa" typeface="MV Boli"/>
+        <a:font script="Deva" typeface="Mangal"/>
+        <a:font script="Telu" typeface="Gautami"/>
+        <a:font script="Taml" typeface="Latha"/>
+        <a:font script="Syrc" typeface="Estrangelo Edessa"/>
+        <a:font script="Orya" typeface="Kalinga"/>
+        <a:font script="Mlym" typeface="Kartika"/>
+        <a:font script="Laoo" typeface="DokChampa"/>
+        <a:font script="Sinh" typeface="Iskoola Pota"/>
+        <a:font script="Mong" typeface="Mongolian Baiti"/>
+        <a:font script="Viet" typeface="Times New Roman"/>
+        <a:font script="Uigh" typeface="Microsoft Uighur"/>
+        <a:font script="Geor" typeface="Sylfaen"/>
+      </a:majorFont>
+      <a:minorFont>
+        <a:latin typeface="等线" panose="020F0502020204030204"/>
+        <a:ea typeface=""/>
+        <a:cs typeface=""/>
+        <a:font script="Jpan" typeface="游ゴシック"/>
+        <a:font script="Hang" typeface="맑은 고딕"/>
+        <a:font script="Hans" typeface="等线"/>
+        <a:font script="Hant" typeface="新細明體"/>
+        <a:font script="Arab" typeface="Arial"/>
+        <a:font script="Hebr" typeface="Arial"/>
+        <a:font script="Thai" typeface="Cordia New"/>
+        <a:font script="Ethi" typeface="Nyala"/>
+        <a:font script="Beng" typeface="Vrinda"/>
+        <a:font script="Gujr" typeface="Shruti"/>
+        <a:font script="Khmr" typeface="DaunPenh"/>
+        <a:font script="Knda" typeface="Tunga"/>
+        <a:font script="Guru" typeface="Raavi"/>
+        <a:font script="Cans" typeface="Euphemia"/>
+        <a:font script="Cher" typeface="Plantagenet Cherokee"/>
+        <a:font script="Yiii" typeface="Microsoft Yi Baiti"/>
+        <a:font script="Tibt" typeface="Microsoft Himalaya"/>
+        <a:font script="Thaa" typeface="MV Boli"/>
+        <a:font script="Deva" typeface="Mangal"/>
+        <a:font script="Telu" typeface="Gautami"/>
+        <a:font script="Taml" typeface="Latha"/>
+        <a:font script="Syrc" typeface="Estrangelo Edessa"/>
+        <a:font script="Orya" typeface="Kalinga"/>
+        <a:font script="Mlym" typeface="Kartika"/>
+        <a:font script="Laoo" typeface="DokChampa"/>
+        <a:font script="Sinh" typeface="Iskoola Pota"/>
+        <a:font script="Mong" typeface="Mongolian Baiti"/>
+        <a:font script="Viet" typeface="Arial"/>
+        <a:font script="Uigh" typeface="Microsoft Uighur"/>
+        <a:font script="Geor" typeface="Sylfaen"/>
+      </a:minorFont>
+    </a:fontScheme>
+    <a:fmtScheme name="Office">
+      <a:fillStyleLst>
+        <a:solidFill>
+          <a:schemeClr val="phClr"/>
+        </a:solidFill>
+        <a:gradFill rotWithShape="1">
+          <a:gsLst>
+            <a:gs pos="0">
+              <a:schemeClr val="phClr">
+                <a:lumMod val="110000"/>
+                <a:satMod val="105000"/>
+                <a:tint val="67000"/>
+              </a:schemeClr>
+            </a:gs>
+            <a:gs pos="50000">
+              <a:schemeClr val="phClr">
+                <a:lumMod val="105000"/>
+                <a:satMod val="103000"/>
+                <a:tint val="73000"/>
+              </a:schemeClr>
+            </a:gs>
+            <a:gs pos="100000">
+              <a:schemeClr val="phClr">
+                <a:lumMod val="105000"/>
+                <a:satMod val="109000"/>
+                <a:tint val="81000"/>
+              </a:schemeClr>
+            </a:gs>
+          </a:gsLst>
+          <a:lin ang="5400000" scaled="0"/>
+        </a:gradFill>
+        <a:gradFill rotWithShape="1">
+          <a:gsLst>
+            <a:gs pos="0">
+              <a:schemeClr val="phClr">
+                <a:satMod val="103000"/>
+                <a:lumMod val="102000"/>
+                <a:tint val="94000"/>
+              </a:schemeClr>
+            </a:gs>
+            <a:gs pos="50000">
+              <a:schemeClr val="phClr">
+                <a:satMod val="110000"/>
+                <a:lumMod val="100000"/>
+                <a:shade val="100000"/>
+              </a:schemeClr>
+            </a:gs>
+            <a:gs pos="100000">
+              <a:schemeClr val="phClr">
+                <a:lumMod val="99000"/>
+                <a:satMod val="120000"/>
+                <a:shade val="78000"/>
+              </a:schemeClr>
+            </a:gs>
+          </a:gsLst>
+          <a:lin ang="5400000" scaled="0"/>
+        </a:gradFill>
+      </a:fillStyleLst>
+      <a:lnStyleLst>
+        <a:ln w="6350" cap="flat" cmpd="sng" algn="ctr">
+          <a:solidFill>
+            <a:schemeClr val="phClr"/>
+          </a:solidFill>
+          <a:prstDash val="solid"/>
+          <a:miter lim="800000"/>
+        </a:ln>
+        <a:ln w="12700" cap="flat" cmpd="sng" algn="ctr">
+          <a:solidFill>
+            <a:schemeClr val="phClr"/>
+          </a:solidFill>
+          <a:prstDash val="solid"/>
+          <a:miter lim="800000"/>
+        </a:ln>
+        <a:ln w="19050" cap="flat" cmpd="sng" algn="ctr">
+          <a:solidFill>
+            <a:schemeClr val="phClr"/>
+          </a:solidFill>
+          <a:prstDash val="solid"/>
+          <a:miter lim="800000"/>
+        </a:ln>
+      </a:lnStyleLst>
+      <a:effectStyleLst>
+        <a:effectStyle>
+          <a:effectLst/>
+        </a:effectStyle>
+        <a:effectStyle>
+          <a:effectLst/>
+        </a:effectStyle>
+        <a:effectStyle>
+          <a:effectLst>
+            <a:outerShdw blurRad="57150" dist="19050" dir="5400000" algn="ctr" rotWithShape="0">
+              <a:srgbClr val="000000">
+                <a:alpha val="63000"/>
+              </a:srgbClr>
+            </a:outerShdw>
+          </a:effectLst>
+        </a:effectStyle>
+      </a:effectStyleLst>
+      <a:bgFillStyleLst>
+        <a:solidFill>
+          <a:schemeClr val="phClr"/>
+        </a:solidFill>
+        <a:solidFill>
+          <a:schemeClr val="phClr">
+            <a:tint val="95000"/>
+            <a:satMod val="170000"/>
+          </a:schemeClr>
+        </a:solidFill>
+        <a:gradFill rotWithShape="1">
+          <a:gsLst>
+            <a:gs pos="0">
+              <a:schemeClr val="phClr">
+                <a:tint val="93000"/>
+                <a:satMod val="150000"/>
+                <a:shade val="98000"/>
+                <a:lumMod val="102000"/>
+              </a:schemeClr>
+            </a:gs>
+            <a:gs pos="50000">
+              <a:schemeClr val="phClr">
+                <a:tint val="98000"/>
+                <a:satMod val="130000"/>
+                <a:shade val="90000"/>
+                <a:lumMod val="103000"/>
+              </a:schemeClr>
+            </a:gs>
+            <a:gs pos="100000">
+              <a:schemeClr val="phClr">
+                <a:shade val="63000"/>
+                <a:satMod val="120000"/>
+              </a:schemeClr>
+            </a:gs>
+          </a:gsLst>
+          <a:lin ang="5400000" scaled="0"/>
+        </a:gradFill>
+      </a:bgFillStyleLst>
+    </a:fmtScheme>
+  </a:themeElements>
+  <a:objectDefaults/>
+  <a:extraClrSchemeLst/>
+  <a:extLst>
+    <a:ext uri="{05A4C25C-085E-4340-85A3-A5531E510DB2}">
+      <thm15:themeFamily xmlns:thm15="http://schemas.microsoft.com/office/thememl/2012/main" name="Office Theme" id="{62F939B6-93AF-4DB8-9C6B-D6C7DFDC589F}" vid="{4A3C46E8-61CC-4603-A589-7422A47A8E4A}"/>
+    </a:ext>
+  </a:extLst>
+</a:theme>
 </file>
--- a/2.项目PPT/十七周-项目总结.pptx
+++ b/2.项目PPT/十七周-项目总结.pptx
@@ -119,7 +119,7 @@
   </p:defaultTextStyle>
   <p:extLst>
     <p:ext uri="{EFAFB233-063F-42B5-8137-9DF3F51BA10A}">
-      <p15:sldGuideLst xmlns:p15="http://schemas.microsoft.com/office/powerpoint/2012/main">
+      <p15:sldGuideLst xmlns:p15="http://schemas.microsoft.com/office/powerpoint/2012/main" xmlns="">
         <p15:guide id="1" orient="horz" pos="2160">
           <p15:clr>
             <a:srgbClr val="A4A3A4"/>
@@ -3892,12 +3892,17 @@
             </a:r>
             <a:r>
               <a:rPr lang="zh-CN" altLang="en-US" dirty="0"/>
-              <a:t>周，平均每人</a:t>
-            </a:r>
-            <a:r>
-              <a:rPr lang="en-US" altLang="zh-CN" dirty="0" smtClean="0"/>
-              <a:t>500h</a:t>
-            </a:r>
+              <a:t>周，平均</a:t>
+            </a:r>
+            <a:r>
+              <a:rPr lang="zh-CN" altLang="en-US" dirty="0" smtClean="0"/>
+              <a:t>每人</a:t>
+            </a:r>
+            <a:r>
+              <a:rPr lang="en-US" altLang="zh-CN" smtClean="0"/>
+              <a:t>300h</a:t>
+            </a:r>
+            <a:endParaRPr lang="en-US" altLang="zh-CN" dirty="0" smtClean="0"/>
           </a:p>
           <a:p>
             <a:r>
@@ -4879,7 +4884,7 @@
     </a:clrScheme>
     <a:fontScheme name="Office">
       <a:majorFont>
-        <a:latin typeface="等线 Light" panose="020F0302020204030204"/>
+        <a:latin typeface="等线 Light"/>
         <a:ea typeface=""/>
         <a:cs typeface=""/>
         <a:font script="Jpan" typeface="游ゴシック Light"/>
@@ -4914,7 +4919,7 @@
         <a:font script="Geor" typeface="Sylfaen"/>
       </a:majorFont>
       <a:minorFont>
-        <a:latin typeface="等线" panose="020F0502020204030204"/>
+        <a:latin typeface="等线"/>
         <a:ea typeface=""/>
         <a:cs typeface=""/>
         <a:font script="Jpan" typeface="游ゴシック"/>
@@ -5091,7 +5096,7 @@
   <a:extraClrSchemeLst/>
   <a:extLst>
     <a:ext uri="{05A4C25C-085E-4340-85A3-A5531E510DB2}">
-      <thm15:themeFamily xmlns:thm15="http://schemas.microsoft.com/office/thememl/2012/main" name="Office Theme" id="{62F939B6-93AF-4DB8-9C6B-D6C7DFDC589F}" vid="{4A3C46E8-61CC-4603-A589-7422A47A8E4A}"/>
+      <thm15:themeFamily xmlns:thm15="http://schemas.microsoft.com/office/thememl/2012/main" xmlns="" name="Office Theme" id="{62F939B6-93AF-4DB8-9C6B-D6C7DFDC589F}" vid="{4A3C46E8-61CC-4603-A589-7422A47A8E4A}"/>
     </a:ext>
   </a:extLst>
 </a:theme>

--- a/2.项目PPT/十七周-项目总结.pptx
+++ b/2.项目PPT/十七周-项目总结.pptx
@@ -5,20 +5,24 @@
     <p:sldMasterId id="2147483648" r:id="rId1"/>
   </p:sldMasterIdLst>
   <p:notesMasterIdLst>
-    <p:notesMasterId r:id="rId13"/>
+    <p:notesMasterId r:id="rId17"/>
   </p:notesMasterIdLst>
   <p:sldIdLst>
     <p:sldId id="256" r:id="rId2"/>
     <p:sldId id="257" r:id="rId3"/>
-    <p:sldId id="258" r:id="rId4"/>
-    <p:sldId id="259" r:id="rId5"/>
-    <p:sldId id="260" r:id="rId6"/>
-    <p:sldId id="261" r:id="rId7"/>
-    <p:sldId id="262" r:id="rId8"/>
-    <p:sldId id="263" r:id="rId9"/>
-    <p:sldId id="265" r:id="rId10"/>
-    <p:sldId id="266" r:id="rId11"/>
-    <p:sldId id="264" r:id="rId12"/>
+    <p:sldId id="267" r:id="rId4"/>
+    <p:sldId id="268" r:id="rId5"/>
+    <p:sldId id="269" r:id="rId6"/>
+    <p:sldId id="260" r:id="rId7"/>
+    <p:sldId id="261" r:id="rId8"/>
+    <p:sldId id="270" r:id="rId9"/>
+    <p:sldId id="272" r:id="rId10"/>
+    <p:sldId id="273" r:id="rId11"/>
+    <p:sldId id="262" r:id="rId12"/>
+    <p:sldId id="274" r:id="rId13"/>
+    <p:sldId id="275" r:id="rId14"/>
+    <p:sldId id="265" r:id="rId15"/>
+    <p:sldId id="264" r:id="rId16"/>
   </p:sldIdLst>
   <p:sldSz cx="9144000" cy="6858000" type="screen4x3"/>
   <p:notesSz cx="6858000" cy="9144000"/>
@@ -530,64 +534,7 @@
           <a:bodyPr/>
           <a:lstStyle/>
           <a:p>
-            <a:r>
-              <a:rPr lang="en-US" altLang="zh-CN" smtClean="0"/>
-              <a:t>1.</a:t>
-            </a:r>
-            <a:r>
-              <a:rPr lang="zh-CN" altLang="en-US" smtClean="0"/>
-              <a:t>对</a:t>
-            </a:r>
-            <a:r>
-              <a:rPr lang="en-US" altLang="zh-CN" smtClean="0"/>
-              <a:t>RUCM</a:t>
-            </a:r>
-            <a:r>
-              <a:rPr lang="zh-CN" altLang="en-US" smtClean="0"/>
-              <a:t>的标准掌握不好，所以在描述的时候会存在一些不规范的情况。但是改起来代价较大，此处不予处理。</a:t>
-            </a:r>
-            <a:endParaRPr lang="en-US" altLang="zh-CN" smtClean="0"/>
-          </a:p>
-          <a:p>
-            <a:r>
-              <a:rPr lang="en-US" altLang="zh-CN" smtClean="0"/>
-              <a:t>2.</a:t>
-            </a:r>
-            <a:r>
-              <a:rPr lang="zh-CN" altLang="en-US" smtClean="0"/>
-              <a:t>用例图的描述问题，因为系统较大，不可能把所有用例都准确描述，只能很粗糙地描述典型用例。例如各种协议的处理模块，在</a:t>
-            </a:r>
-            <a:r>
-              <a:rPr lang="en-US" altLang="zh-CN" smtClean="0"/>
-              <a:t>nginx</a:t>
-            </a:r>
-            <a:r>
-              <a:rPr lang="zh-CN" altLang="en-US" smtClean="0"/>
-              <a:t>系统中肯定存在，但是用户无法直接接触。虽然没有使用</a:t>
-            </a:r>
-            <a:r>
-              <a:rPr lang="en-US" altLang="zh-CN" smtClean="0"/>
-              <a:t>RUCM</a:t>
-            </a:r>
-            <a:r>
-              <a:rPr lang="zh-CN" altLang="en-US" smtClean="0"/>
-              <a:t>描述，但是其实还有很多用例根本没有展示出来，这是由于系统庞大造成的。在最后对课程的建议中，我们会提到这个问题。</a:t>
-            </a:r>
-            <a:endParaRPr lang="en-US" altLang="zh-CN" smtClean="0"/>
-          </a:p>
-          <a:p>
-            <a:endParaRPr lang="en-US" altLang="zh-CN" smtClean="0"/>
-          </a:p>
-          <a:p>
-            <a:r>
-              <a:rPr lang="en-US" altLang="zh-CN" smtClean="0"/>
-              <a:t>3.</a:t>
-            </a:r>
-            <a:r>
-              <a:rPr lang="zh-CN" altLang="en-US" smtClean="0"/>
-              <a:t>从测试用例对应需求用例，因为需求是先写的，测试时后写的，这样在做后面工作的时候不需要修改前面的文件。也可以使用单独的文件完成对应，我们认为在测试中写已经很方便查找。</a:t>
-            </a:r>
-            <a:endParaRPr lang="zh-CN" altLang="en-US"/>
+            <a:endParaRPr lang="zh-CN" altLang="en-US" dirty="0"/>
           </a:p>
         </p:txBody>
       </p:sp>
@@ -608,7 +555,7 @@
           <a:p>
             <a:fld id="{D133E825-9181-4BFA-B6BF-DDEE82E5F87C}" type="slidenum">
               <a:rPr lang="zh-CN" altLang="en-US" smtClean="0"/>
-              <a:t>3</a:t>
+              <a:t>1</a:t>
             </a:fld>
             <a:endParaRPr lang="zh-CN" altLang="en-US"/>
           </a:p>
@@ -617,7 +564,500 @@
     </p:spTree>
     <p:extLst>
       <p:ext uri="{BB962C8B-B14F-4D97-AF65-F5344CB8AC3E}">
-        <p14:creationId xmlns:p14="http://schemas.microsoft.com/office/powerpoint/2010/main" val="842356637"/>
+        <p14:creationId xmlns:p14="http://schemas.microsoft.com/office/powerpoint/2010/main" val="3368911482"/>
+      </p:ext>
+    </p:extLst>
+  </p:cSld>
+  <p:clrMapOvr>
+    <a:masterClrMapping/>
+  </p:clrMapOvr>
+</p:notes>
+</file>
+
+<file path=ppt/notesSlides/notesSlide2.xml><?xml version="1.0" encoding="utf-8"?>
+<p:notes xmlns:a="http://schemas.openxmlformats.org/drawingml/2006/main" xmlns:r="http://schemas.openxmlformats.org/officeDocument/2006/relationships" xmlns:p="http://schemas.openxmlformats.org/presentationml/2006/main">
+  <p:cSld>
+    <p:spTree>
+      <p:nvGrpSpPr>
+        <p:cNvPr id="1" name=""/>
+        <p:cNvGrpSpPr/>
+        <p:nvPr/>
+      </p:nvGrpSpPr>
+      <p:grpSpPr>
+        <a:xfrm>
+          <a:off x="0" y="0"/>
+          <a:ext cx="0" cy="0"/>
+          <a:chOff x="0" y="0"/>
+          <a:chExt cx="0" cy="0"/>
+        </a:xfrm>
+      </p:grpSpPr>
+      <p:sp>
+        <p:nvSpPr>
+          <p:cNvPr id="2" name="幻灯片图像占位符 1"/>
+          <p:cNvSpPr>
+            <a:spLocks noGrp="1" noRot="1" noChangeAspect="1"/>
+          </p:cNvSpPr>
+          <p:nvPr>
+            <p:ph type="sldImg"/>
+          </p:nvPr>
+        </p:nvSpPr>
+        <p:spPr/>
+      </p:sp>
+      <p:sp>
+        <p:nvSpPr>
+          <p:cNvPr id="3" name="备注占位符 2"/>
+          <p:cNvSpPr>
+            <a:spLocks noGrp="1"/>
+          </p:cNvSpPr>
+          <p:nvPr>
+            <p:ph type="body" idx="1"/>
+          </p:nvPr>
+        </p:nvSpPr>
+        <p:spPr/>
+        <p:txBody>
+          <a:bodyPr/>
+          <a:lstStyle/>
+          <a:p>
+            <a:endParaRPr lang="zh-CN" altLang="en-US"/>
+          </a:p>
+        </p:txBody>
+      </p:sp>
+      <p:sp>
+        <p:nvSpPr>
+          <p:cNvPr id="4" name="灯片编号占位符 3"/>
+          <p:cNvSpPr>
+            <a:spLocks noGrp="1"/>
+          </p:cNvSpPr>
+          <p:nvPr>
+            <p:ph type="sldNum" sz="quarter" idx="10"/>
+          </p:nvPr>
+        </p:nvSpPr>
+        <p:spPr/>
+        <p:txBody>
+          <a:bodyPr/>
+          <a:lstStyle/>
+          <a:p>
+            <a:fld id="{D133E825-9181-4BFA-B6BF-DDEE82E5F87C}" type="slidenum">
+              <a:rPr lang="zh-CN" altLang="en-US" smtClean="0"/>
+              <a:t>3</a:t>
+            </a:fld>
+            <a:endParaRPr lang="zh-CN" altLang="en-US"/>
+          </a:p>
+        </p:txBody>
+      </p:sp>
+    </p:spTree>
+    <p:extLst>
+      <p:ext uri="{BB962C8B-B14F-4D97-AF65-F5344CB8AC3E}">
+        <p14:creationId xmlns:p14="http://schemas.microsoft.com/office/powerpoint/2010/main" val="1834125234"/>
+      </p:ext>
+    </p:extLst>
+  </p:cSld>
+  <p:clrMapOvr>
+    <a:masterClrMapping/>
+  </p:clrMapOvr>
+</p:notes>
+</file>
+
+<file path=ppt/notesSlides/notesSlide3.xml><?xml version="1.0" encoding="utf-8"?>
+<p:notes xmlns:a="http://schemas.openxmlformats.org/drawingml/2006/main" xmlns:r="http://schemas.openxmlformats.org/officeDocument/2006/relationships" xmlns:p="http://schemas.openxmlformats.org/presentationml/2006/main">
+  <p:cSld>
+    <p:spTree>
+      <p:nvGrpSpPr>
+        <p:cNvPr id="1" name=""/>
+        <p:cNvGrpSpPr/>
+        <p:nvPr/>
+      </p:nvGrpSpPr>
+      <p:grpSpPr>
+        <a:xfrm>
+          <a:off x="0" y="0"/>
+          <a:ext cx="0" cy="0"/>
+          <a:chOff x="0" y="0"/>
+          <a:chExt cx="0" cy="0"/>
+        </a:xfrm>
+      </p:grpSpPr>
+      <p:sp>
+        <p:nvSpPr>
+          <p:cNvPr id="2" name="幻灯片图像占位符 1"/>
+          <p:cNvSpPr>
+            <a:spLocks noGrp="1" noRot="1" noChangeAspect="1"/>
+          </p:cNvSpPr>
+          <p:nvPr>
+            <p:ph type="sldImg" idx="2"/>
+          </p:nvPr>
+        </p:nvSpPr>
+        <p:spPr/>
+      </p:sp>
+      <p:sp>
+        <p:nvSpPr>
+          <p:cNvPr id="3" name="文本占位符 2"/>
+          <p:cNvSpPr>
+            <a:spLocks noGrp="1"/>
+          </p:cNvSpPr>
+          <p:nvPr>
+            <p:ph type="body" idx="3"/>
+          </p:nvPr>
+        </p:nvSpPr>
+        <p:spPr/>
+        <p:txBody>
+          <a:bodyPr/>
+          <a:lstStyle/>
+          <a:p>
+            <a:endParaRPr lang="zh-CN" altLang="en-US" dirty="0"/>
+          </a:p>
+        </p:txBody>
+      </p:sp>
+      <p:sp>
+        <p:nvSpPr>
+          <p:cNvPr id="4" name="灯片编号占位符 3"/>
+          <p:cNvSpPr>
+            <a:spLocks noGrp="1"/>
+          </p:cNvSpPr>
+          <p:nvPr>
+            <p:ph type="sldNum" sz="quarter" idx="5"/>
+          </p:nvPr>
+        </p:nvSpPr>
+        <p:spPr/>
+        <p:txBody>
+          <a:bodyPr/>
+          <a:lstStyle/>
+          <a:p>
+            <a:fld id="{D133E825-9181-4BFA-B6BF-DDEE82E5F87C}" type="slidenum">
+              <a:rPr lang="zh-CN" altLang="en-US" smtClean="0"/>
+              <a:t>4</a:t>
+            </a:fld>
+            <a:endParaRPr lang="zh-CN" altLang="en-US"/>
+          </a:p>
+        </p:txBody>
+      </p:sp>
+    </p:spTree>
+    <p:extLst>
+      <p:ext uri="{BB962C8B-B14F-4D97-AF65-F5344CB8AC3E}">
+        <p14:creationId xmlns:p14="http://schemas.microsoft.com/office/powerpoint/2010/main" val="1162538800"/>
+      </p:ext>
+    </p:extLst>
+  </p:cSld>
+  <p:clrMapOvr>
+    <a:masterClrMapping/>
+  </p:clrMapOvr>
+</p:notes>
+</file>
+
+<file path=ppt/notesSlides/notesSlide4.xml><?xml version="1.0" encoding="utf-8"?>
+<p:notes xmlns:a="http://schemas.openxmlformats.org/drawingml/2006/main" xmlns:r="http://schemas.openxmlformats.org/officeDocument/2006/relationships" xmlns:p="http://schemas.openxmlformats.org/presentationml/2006/main">
+  <p:cSld>
+    <p:spTree>
+      <p:nvGrpSpPr>
+        <p:cNvPr id="1" name=""/>
+        <p:cNvGrpSpPr/>
+        <p:nvPr/>
+      </p:nvGrpSpPr>
+      <p:grpSpPr>
+        <a:xfrm>
+          <a:off x="0" y="0"/>
+          <a:ext cx="0" cy="0"/>
+          <a:chOff x="0" y="0"/>
+          <a:chExt cx="0" cy="0"/>
+        </a:xfrm>
+      </p:grpSpPr>
+      <p:sp>
+        <p:nvSpPr>
+          <p:cNvPr id="2" name="幻灯片图像占位符 1"/>
+          <p:cNvSpPr>
+            <a:spLocks noGrp="1" noRot="1" noChangeAspect="1"/>
+          </p:cNvSpPr>
+          <p:nvPr>
+            <p:ph type="sldImg"/>
+          </p:nvPr>
+        </p:nvSpPr>
+        <p:spPr/>
+      </p:sp>
+      <p:sp>
+        <p:nvSpPr>
+          <p:cNvPr id="3" name="备注占位符 2"/>
+          <p:cNvSpPr>
+            <a:spLocks noGrp="1"/>
+          </p:cNvSpPr>
+          <p:nvPr>
+            <p:ph type="body" idx="1"/>
+          </p:nvPr>
+        </p:nvSpPr>
+        <p:spPr/>
+        <p:txBody>
+          <a:bodyPr/>
+          <a:lstStyle/>
+          <a:p>
+            <a:r>
+              <a:rPr lang="zh-CN" altLang="zh-CN" sz="1200" kern="1200" dirty="0" smtClean="0">
+                <a:solidFill>
+                  <a:schemeClr val="tx1"/>
+                </a:solidFill>
+                <a:effectLst/>
+                <a:latin typeface="+mn-lt"/>
+                <a:ea typeface="+mn-ea"/>
+                <a:cs typeface="+mn-cs"/>
+              </a:rPr>
+              <a:t>通过每周组会，可以很好地让团队里每个人都清楚其他人的工作。对于任务过程中的突发情况，及时调整计划或者增派人员，能较好地确保任务的完成。</a:t>
+            </a:r>
+          </a:p>
+          <a:p>
+            <a:r>
+              <a:rPr lang="zh-CN" altLang="zh-CN" sz="1200" kern="1200" dirty="0" smtClean="0">
+                <a:solidFill>
+                  <a:schemeClr val="tx1"/>
+                </a:solidFill>
+                <a:effectLst/>
+                <a:latin typeface="+mn-lt"/>
+                <a:ea typeface="+mn-ea"/>
+                <a:cs typeface="+mn-cs"/>
+              </a:rPr>
+              <a:t>在项目进展过程中，主要影响项目进程的有以下几个方面：</a:t>
+            </a:r>
+          </a:p>
+          <a:p>
+            <a:pPr lvl="0"/>
+            <a:r>
+              <a:rPr lang="zh-CN" altLang="zh-CN" sz="1200" kern="1200" dirty="0" smtClean="0">
+                <a:solidFill>
+                  <a:schemeClr val="tx1"/>
+                </a:solidFill>
+                <a:effectLst/>
+                <a:latin typeface="+mn-lt"/>
+                <a:ea typeface="+mn-ea"/>
+                <a:cs typeface="+mn-cs"/>
+              </a:rPr>
+              <a:t>人员：在软件工程项目过程中，无法保证每个参与者都能全身心投入到项目中，现实有各种突发情况会影响每个人员每周的进度。</a:t>
+            </a:r>
+          </a:p>
+          <a:p>
+            <a:pPr lvl="0"/>
+            <a:r>
+              <a:rPr lang="zh-CN" altLang="zh-CN" sz="1200" kern="1200" dirty="0" smtClean="0">
+                <a:solidFill>
+                  <a:schemeClr val="tx1"/>
+                </a:solidFill>
+                <a:effectLst/>
+                <a:latin typeface="+mn-lt"/>
+                <a:ea typeface="+mn-ea"/>
+                <a:cs typeface="+mn-cs"/>
+              </a:rPr>
+              <a:t>项目难度估计：由于软件工程过程带有一定实验性质，并不能完全保证计划的每个功能都能按期完成，甚至有些功能完成难度较大。如若难度估计错误，将会影响整个团队的进度。</a:t>
+            </a:r>
+          </a:p>
+          <a:p>
+            <a:pPr lvl="0"/>
+            <a:r>
+              <a:rPr lang="zh-CN" altLang="zh-CN" sz="1200" kern="1200" dirty="0" smtClean="0">
+                <a:solidFill>
+                  <a:schemeClr val="tx1"/>
+                </a:solidFill>
+                <a:effectLst/>
+                <a:latin typeface="+mn-lt"/>
+                <a:ea typeface="+mn-ea"/>
+                <a:cs typeface="+mn-cs"/>
+              </a:rPr>
+              <a:t>甲方变更需求：在本实验中，甲方为任课老师。在进行过程中，老师可能会根据同学的反馈情况进行一些细微的课程设置和要求的调整。</a:t>
+            </a:r>
+          </a:p>
+          <a:p>
+            <a:endParaRPr lang="zh-CN" altLang="en-US" dirty="0"/>
+          </a:p>
+        </p:txBody>
+      </p:sp>
+      <p:sp>
+        <p:nvSpPr>
+          <p:cNvPr id="4" name="灯片编号占位符 3"/>
+          <p:cNvSpPr>
+            <a:spLocks noGrp="1"/>
+          </p:cNvSpPr>
+          <p:nvPr>
+            <p:ph type="sldNum" sz="quarter" idx="10"/>
+          </p:nvPr>
+        </p:nvSpPr>
+        <p:spPr/>
+        <p:txBody>
+          <a:bodyPr/>
+          <a:lstStyle/>
+          <a:p>
+            <a:fld id="{D133E825-9181-4BFA-B6BF-DDEE82E5F87C}" type="slidenum">
+              <a:rPr lang="zh-CN" altLang="en-US" smtClean="0"/>
+              <a:t>7</a:t>
+            </a:fld>
+            <a:endParaRPr lang="zh-CN" altLang="en-US"/>
+          </a:p>
+        </p:txBody>
+      </p:sp>
+    </p:spTree>
+    <p:extLst>
+      <p:ext uri="{BB962C8B-B14F-4D97-AF65-F5344CB8AC3E}">
+        <p14:creationId xmlns:p14="http://schemas.microsoft.com/office/powerpoint/2010/main" val="3290409528"/>
+      </p:ext>
+    </p:extLst>
+  </p:cSld>
+  <p:clrMapOvr>
+    <a:masterClrMapping/>
+  </p:clrMapOvr>
+</p:notes>
+</file>
+
+<file path=ppt/notesSlides/notesSlide5.xml><?xml version="1.0" encoding="utf-8"?>
+<p:notes xmlns:a="http://schemas.openxmlformats.org/drawingml/2006/main" xmlns:r="http://schemas.openxmlformats.org/officeDocument/2006/relationships" xmlns:p="http://schemas.openxmlformats.org/presentationml/2006/main">
+  <p:cSld>
+    <p:spTree>
+      <p:nvGrpSpPr>
+        <p:cNvPr id="1" name=""/>
+        <p:cNvGrpSpPr/>
+        <p:nvPr/>
+      </p:nvGrpSpPr>
+      <p:grpSpPr>
+        <a:xfrm>
+          <a:off x="0" y="0"/>
+          <a:ext cx="0" cy="0"/>
+          <a:chOff x="0" y="0"/>
+          <a:chExt cx="0" cy="0"/>
+        </a:xfrm>
+      </p:grpSpPr>
+      <p:sp>
+        <p:nvSpPr>
+          <p:cNvPr id="2" name="幻灯片图像占位符 1"/>
+          <p:cNvSpPr>
+            <a:spLocks noGrp="1" noRot="1" noChangeAspect="1"/>
+          </p:cNvSpPr>
+          <p:nvPr>
+            <p:ph type="sldImg"/>
+          </p:nvPr>
+        </p:nvSpPr>
+        <p:spPr/>
+      </p:sp>
+      <p:sp>
+        <p:nvSpPr>
+          <p:cNvPr id="3" name="备注占位符 2"/>
+          <p:cNvSpPr>
+            <a:spLocks noGrp="1"/>
+          </p:cNvSpPr>
+          <p:nvPr>
+            <p:ph type="body" idx="1"/>
+          </p:nvPr>
+        </p:nvSpPr>
+        <p:spPr/>
+        <p:txBody>
+          <a:bodyPr/>
+          <a:lstStyle/>
+          <a:p>
+            <a:endParaRPr lang="zh-CN" altLang="en-US" dirty="0"/>
+          </a:p>
+        </p:txBody>
+      </p:sp>
+      <p:sp>
+        <p:nvSpPr>
+          <p:cNvPr id="4" name="灯片编号占位符 3"/>
+          <p:cNvSpPr>
+            <a:spLocks noGrp="1"/>
+          </p:cNvSpPr>
+          <p:nvPr>
+            <p:ph type="sldNum" sz="quarter" idx="10"/>
+          </p:nvPr>
+        </p:nvSpPr>
+        <p:spPr/>
+        <p:txBody>
+          <a:bodyPr/>
+          <a:lstStyle/>
+          <a:p>
+            <a:fld id="{D133E825-9181-4BFA-B6BF-DDEE82E5F87C}" type="slidenum">
+              <a:rPr lang="zh-CN" altLang="en-US" smtClean="0"/>
+              <a:t>8</a:t>
+            </a:fld>
+            <a:endParaRPr lang="zh-CN" altLang="en-US"/>
+          </a:p>
+        </p:txBody>
+      </p:sp>
+    </p:spTree>
+    <p:extLst>
+      <p:ext uri="{BB962C8B-B14F-4D97-AF65-F5344CB8AC3E}">
+        <p14:creationId xmlns:p14="http://schemas.microsoft.com/office/powerpoint/2010/main" val="1878693352"/>
+      </p:ext>
+    </p:extLst>
+  </p:cSld>
+  <p:clrMapOvr>
+    <a:masterClrMapping/>
+  </p:clrMapOvr>
+</p:notes>
+</file>
+
+<file path=ppt/notesSlides/notesSlide6.xml><?xml version="1.0" encoding="utf-8"?>
+<p:notes xmlns:a="http://schemas.openxmlformats.org/drawingml/2006/main" xmlns:r="http://schemas.openxmlformats.org/officeDocument/2006/relationships" xmlns:p="http://schemas.openxmlformats.org/presentationml/2006/main">
+  <p:cSld>
+    <p:spTree>
+      <p:nvGrpSpPr>
+        <p:cNvPr id="1" name=""/>
+        <p:cNvGrpSpPr/>
+        <p:nvPr/>
+      </p:nvGrpSpPr>
+      <p:grpSpPr>
+        <a:xfrm>
+          <a:off x="0" y="0"/>
+          <a:ext cx="0" cy="0"/>
+          <a:chOff x="0" y="0"/>
+          <a:chExt cx="0" cy="0"/>
+        </a:xfrm>
+      </p:grpSpPr>
+      <p:sp>
+        <p:nvSpPr>
+          <p:cNvPr id="2" name="幻灯片图像占位符 1"/>
+          <p:cNvSpPr>
+            <a:spLocks noGrp="1" noRot="1" noChangeAspect="1"/>
+          </p:cNvSpPr>
+          <p:nvPr>
+            <p:ph type="sldImg"/>
+          </p:nvPr>
+        </p:nvSpPr>
+        <p:spPr/>
+      </p:sp>
+      <p:sp>
+        <p:nvSpPr>
+          <p:cNvPr id="3" name="备注占位符 2"/>
+          <p:cNvSpPr>
+            <a:spLocks noGrp="1"/>
+          </p:cNvSpPr>
+          <p:nvPr>
+            <p:ph type="body" idx="1"/>
+          </p:nvPr>
+        </p:nvSpPr>
+        <p:spPr/>
+        <p:txBody>
+          <a:bodyPr/>
+          <a:lstStyle/>
+          <a:p>
+            <a:endParaRPr lang="zh-CN" altLang="en-US" dirty="0"/>
+          </a:p>
+        </p:txBody>
+      </p:sp>
+      <p:sp>
+        <p:nvSpPr>
+          <p:cNvPr id="4" name="灯片编号占位符 3"/>
+          <p:cNvSpPr>
+            <a:spLocks noGrp="1"/>
+          </p:cNvSpPr>
+          <p:nvPr>
+            <p:ph type="sldNum" sz="quarter" idx="10"/>
+          </p:nvPr>
+        </p:nvSpPr>
+        <p:spPr/>
+        <p:txBody>
+          <a:bodyPr/>
+          <a:lstStyle/>
+          <a:p>
+            <a:fld id="{D133E825-9181-4BFA-B6BF-DDEE82E5F87C}" type="slidenum">
+              <a:rPr lang="zh-CN" altLang="en-US" smtClean="0"/>
+              <a:t>10</a:t>
+            </a:fld>
+            <a:endParaRPr lang="zh-CN" altLang="en-US"/>
+          </a:p>
+        </p:txBody>
+      </p:sp>
+    </p:spTree>
+    <p:extLst>
+      <p:ext uri="{BB962C8B-B14F-4D97-AF65-F5344CB8AC3E}">
+        <p14:creationId xmlns:p14="http://schemas.microsoft.com/office/powerpoint/2010/main" val="18829371"/>
       </p:ext>
     </p:extLst>
   </p:cSld>
@@ -3682,12 +4122,26 @@
         </p:nvSpPr>
         <p:spPr/>
         <p:txBody>
-          <a:bodyPr/>
-          <a:lstStyle/>
-          <a:p>
+          <a:bodyPr>
+            <a:normAutofit fontScale="90000"/>
+          </a:bodyPr>
+          <a:lstStyle/>
+          <a:p>
+            <a:r>
+              <a:rPr lang="zh-CN" altLang="en-US" dirty="0"/>
+              <a:t>实验</a:t>
+            </a:r>
+            <a:r>
+              <a:rPr lang="en-US" altLang="zh-CN" dirty="0"/>
+              <a:t>6</a:t>
+            </a:r>
+            <a:r>
+              <a:rPr lang="zh-CN" altLang="en-US" dirty="0"/>
+              <a:t>：软件进度计划与控制（</a:t>
+            </a:r>
             <a:r>
               <a:rPr lang="zh-CN" altLang="en-US" dirty="0" smtClean="0"/>
-              <a:t>最终目录结构</a:t>
+              <a:t>续）</a:t>
             </a:r>
             <a:endParaRPr lang="zh-CN" altLang="en-US" dirty="0"/>
           </a:p>
@@ -3708,14 +4162,78 @@
           <a:bodyPr/>
           <a:lstStyle/>
           <a:p>
-            <a:endParaRPr lang="zh-CN" altLang="en-US"/>
-          </a:p>
-        </p:txBody>
-      </p:sp>
+            <a:endParaRPr lang="zh-CN" altLang="en-US" dirty="0"/>
+          </a:p>
+        </p:txBody>
+      </p:sp>
+      <p:pic>
+        <p:nvPicPr>
+          <p:cNvPr id="2050" name="Picture 2"/>
+          <p:cNvPicPr>
+            <a:picLocks noChangeAspect="1" noChangeArrowheads="1"/>
+          </p:cNvPicPr>
+          <p:nvPr/>
+        </p:nvPicPr>
+        <p:blipFill>
+          <a:blip r:embed="rId3">
+            <a:extLst>
+              <a:ext uri="{28A0092B-C50C-407E-A947-70E740481C1C}">
+                <a14:useLocalDpi xmlns:a14="http://schemas.microsoft.com/office/drawing/2010/main" val="0"/>
+              </a:ext>
+            </a:extLst>
+          </a:blip>
+          <a:srcRect/>
+          <a:stretch>
+            <a:fillRect/>
+          </a:stretch>
+        </p:blipFill>
+        <p:spPr bwMode="auto">
+          <a:xfrm>
+            <a:off x="611560" y="1628800"/>
+            <a:ext cx="7992888" cy="4901716"/>
+          </a:xfrm>
+          <a:prstGeom prst="rect">
+            <a:avLst/>
+          </a:prstGeom>
+          <a:noFill/>
+          <a:ln>
+            <a:noFill/>
+          </a:ln>
+          <a:effectLst/>
+          <a:extLst>
+            <a:ext uri="{909E8E84-426E-40DD-AFC4-6F175D3DCCD1}">
+              <a14:hiddenFill xmlns:a14="http://schemas.microsoft.com/office/drawing/2010/main">
+                <a:solidFill>
+                  <a:schemeClr val="accent1"/>
+                </a:solidFill>
+              </a14:hiddenFill>
+            </a:ext>
+            <a:ext uri="{91240B29-F687-4F45-9708-019B960494DF}">
+              <a14:hiddenLine xmlns:a14="http://schemas.microsoft.com/office/drawing/2010/main" w="9525">
+                <a:solidFill>
+                  <a:schemeClr val="tx1"/>
+                </a:solidFill>
+                <a:miter lim="800000"/>
+                <a:headEnd/>
+                <a:tailEnd/>
+              </a14:hiddenLine>
+            </a:ext>
+            <a:ext uri="{AF507438-7753-43E0-B8FC-AC1667EBCBE1}">
+              <a14:hiddenEffects xmlns:a14="http://schemas.microsoft.com/office/drawing/2010/main">
+                <a:effectLst>
+                  <a:outerShdw dist="35921" dir="2700000" algn="ctr" rotWithShape="0">
+                    <a:schemeClr val="bg2"/>
+                  </a:outerShdw>
+                </a:effectLst>
+              </a14:hiddenEffects>
+            </a:ext>
+          </a:extLst>
+        </p:spPr>
+      </p:pic>
     </p:spTree>
     <p:extLst>
       <p:ext uri="{BB962C8B-B14F-4D97-AF65-F5344CB8AC3E}">
-        <p14:creationId xmlns:p14="http://schemas.microsoft.com/office/powerpoint/2010/main" val="1837008743"/>
+        <p14:creationId xmlns:p14="http://schemas.microsoft.com/office/powerpoint/2010/main" val="2443632598"/>
       </p:ext>
     </p:extLst>
   </p:cSld>
@@ -3726,6 +4244,602 @@
 </file>
 
 <file path=ppt/slides/slide11.xml><?xml version="1.0" encoding="utf-8"?>
+<p:sld xmlns:a="http://schemas.openxmlformats.org/drawingml/2006/main" xmlns:r="http://schemas.openxmlformats.org/officeDocument/2006/relationships" xmlns:p="http://schemas.openxmlformats.org/presentationml/2006/main">
+  <p:cSld>
+    <p:spTree>
+      <p:nvGrpSpPr>
+        <p:cNvPr id="1" name=""/>
+        <p:cNvGrpSpPr/>
+        <p:nvPr/>
+      </p:nvGrpSpPr>
+      <p:grpSpPr>
+        <a:xfrm>
+          <a:off x="0" y="0"/>
+          <a:ext cx="0" cy="0"/>
+          <a:chOff x="0" y="0"/>
+          <a:chExt cx="0" cy="0"/>
+        </a:xfrm>
+      </p:grpSpPr>
+      <p:sp>
+        <p:nvSpPr>
+          <p:cNvPr id="2" name="标题 1"/>
+          <p:cNvSpPr>
+            <a:spLocks noGrp="1"/>
+          </p:cNvSpPr>
+          <p:nvPr>
+            <p:ph type="title"/>
+          </p:nvPr>
+        </p:nvSpPr>
+        <p:spPr/>
+        <p:txBody>
+          <a:bodyPr/>
+          <a:lstStyle/>
+          <a:p>
+            <a:r>
+              <a:rPr lang="zh-CN" altLang="en-US" dirty="0"/>
+              <a:t>实验</a:t>
+            </a:r>
+            <a:r>
+              <a:rPr lang="en-US" altLang="zh-CN" dirty="0"/>
+              <a:t>7</a:t>
+            </a:r>
+            <a:r>
+              <a:rPr lang="zh-CN" altLang="en-US" dirty="0"/>
+              <a:t>：工作量估计与统计分析</a:t>
+            </a:r>
+          </a:p>
+        </p:txBody>
+      </p:sp>
+      <p:sp>
+        <p:nvSpPr>
+          <p:cNvPr id="3" name="内容占位符 2"/>
+          <p:cNvSpPr>
+            <a:spLocks noGrp="1"/>
+          </p:cNvSpPr>
+          <p:nvPr>
+            <p:ph idx="1"/>
+          </p:nvPr>
+        </p:nvSpPr>
+        <p:spPr/>
+        <p:txBody>
+          <a:bodyPr/>
+          <a:lstStyle/>
+          <a:p>
+            <a:endParaRPr lang="zh-CN" altLang="en-US"/>
+          </a:p>
+        </p:txBody>
+      </p:sp>
+    </p:spTree>
+    <p:extLst>
+      <p:ext uri="{BB962C8B-B14F-4D97-AF65-F5344CB8AC3E}">
+        <p14:creationId xmlns:p14="http://schemas.microsoft.com/office/powerpoint/2010/main" val="2852708133"/>
+      </p:ext>
+    </p:extLst>
+  </p:cSld>
+  <p:clrMapOvr>
+    <a:masterClrMapping/>
+  </p:clrMapOvr>
+</p:sld>
+</file>
+
+<file path=ppt/slides/slide12.xml><?xml version="1.0" encoding="utf-8"?>
+<p:sld xmlns:a="http://schemas.openxmlformats.org/drawingml/2006/main" xmlns:r="http://schemas.openxmlformats.org/officeDocument/2006/relationships" xmlns:p="http://schemas.openxmlformats.org/presentationml/2006/main">
+  <p:cSld>
+    <p:spTree>
+      <p:nvGrpSpPr>
+        <p:cNvPr id="1" name=""/>
+        <p:cNvGrpSpPr/>
+        <p:nvPr/>
+      </p:nvGrpSpPr>
+      <p:grpSpPr>
+        <a:xfrm>
+          <a:off x="0" y="0"/>
+          <a:ext cx="0" cy="0"/>
+          <a:chOff x="0" y="0"/>
+          <a:chExt cx="0" cy="0"/>
+        </a:xfrm>
+      </p:grpSpPr>
+      <p:sp>
+        <p:nvSpPr>
+          <p:cNvPr id="2" name="标题 1"/>
+          <p:cNvSpPr>
+            <a:spLocks noGrp="1"/>
+          </p:cNvSpPr>
+          <p:nvPr>
+            <p:ph type="title"/>
+          </p:nvPr>
+        </p:nvSpPr>
+        <p:spPr/>
+        <p:txBody>
+          <a:bodyPr>
+            <a:normAutofit/>
+          </a:bodyPr>
+          <a:lstStyle/>
+          <a:p>
+            <a:r>
+              <a:rPr lang="zh-CN" altLang="en-US" dirty="0"/>
+              <a:t>实验</a:t>
+            </a:r>
+            <a:r>
+              <a:rPr lang="en-US" altLang="zh-CN" dirty="0" smtClean="0"/>
+              <a:t>8</a:t>
+            </a:r>
+            <a:r>
+              <a:rPr lang="en-US" altLang="zh-CN" dirty="0"/>
+              <a:t>:</a:t>
+            </a:r>
+            <a:r>
+              <a:rPr lang="zh-CN" altLang="en-US" dirty="0" smtClean="0"/>
+              <a:t> </a:t>
+            </a:r>
+            <a:r>
+              <a:rPr lang="zh-CN" altLang="en-US" dirty="0"/>
+              <a:t>配置管理</a:t>
+            </a:r>
+          </a:p>
+        </p:txBody>
+      </p:sp>
+      <p:pic>
+        <p:nvPicPr>
+          <p:cNvPr id="4" name="内容占位符 3"/>
+          <p:cNvPicPr>
+            <a:picLocks noGrp="1" noChangeAspect="1"/>
+          </p:cNvPicPr>
+          <p:nvPr>
+            <p:ph idx="1"/>
+          </p:nvPr>
+        </p:nvPicPr>
+        <p:blipFill>
+          <a:blip r:embed="rId2"/>
+          <a:stretch>
+            <a:fillRect/>
+          </a:stretch>
+        </p:blipFill>
+        <p:spPr>
+          <a:xfrm>
+            <a:off x="1835696" y="2564904"/>
+            <a:ext cx="3744416" cy="3726500"/>
+          </a:xfrm>
+          <a:prstGeom prst="rect">
+            <a:avLst/>
+          </a:prstGeom>
+        </p:spPr>
+      </p:pic>
+      <p:sp>
+        <p:nvSpPr>
+          <p:cNvPr id="5" name="文本框 4"/>
+          <p:cNvSpPr txBox="1"/>
+          <p:nvPr/>
+        </p:nvSpPr>
+        <p:spPr>
+          <a:xfrm>
+            <a:off x="827584" y="1196752"/>
+            <a:ext cx="7704856" cy="923330"/>
+          </a:xfrm>
+          <a:prstGeom prst="rect">
+            <a:avLst/>
+          </a:prstGeom>
+          <a:noFill/>
+        </p:spPr>
+        <p:txBody>
+          <a:bodyPr wrap="square" rtlCol="0">
+            <a:spAutoFit/>
+          </a:bodyPr>
+          <a:lstStyle/>
+          <a:p>
+            <a:r>
+              <a:rPr lang="zh-CN" altLang="zh-CN" dirty="0" smtClean="0"/>
+              <a:t>由于</a:t>
+            </a:r>
+            <a:r>
+              <a:rPr lang="en-US" altLang="zh-CN" dirty="0" err="1"/>
+              <a:t>GitHub</a:t>
+            </a:r>
+            <a:r>
+              <a:rPr lang="zh-CN" altLang="zh-CN" dirty="0"/>
+              <a:t>平台是一个代码托管平台，它提供了代码追踪机制，但是对于文档之类的非代码类文件，</a:t>
+            </a:r>
+            <a:r>
+              <a:rPr lang="en-US" altLang="zh-CN" dirty="0" err="1"/>
+              <a:t>GitHub</a:t>
+            </a:r>
+            <a:r>
+              <a:rPr lang="zh-CN" altLang="zh-CN" dirty="0"/>
+              <a:t>并不能明确快捷地让用户来进行追踪。所以，对于文档的分类组织一定要有一个清晰合理的组织结构。 </a:t>
+            </a:r>
+            <a:endParaRPr kumimoji="1" lang="zh-CN" altLang="en-US" dirty="0"/>
+          </a:p>
+        </p:txBody>
+      </p:sp>
+    </p:spTree>
+    <p:extLst>
+      <p:ext uri="{BB962C8B-B14F-4D97-AF65-F5344CB8AC3E}">
+        <p14:creationId xmlns:p14="http://schemas.microsoft.com/office/powerpoint/2010/main" val="1213403591"/>
+      </p:ext>
+    </p:extLst>
+  </p:cSld>
+  <p:clrMapOvr>
+    <a:masterClrMapping/>
+  </p:clrMapOvr>
+</p:sld>
+</file>
+
+<file path=ppt/slides/slide13.xml><?xml version="1.0" encoding="utf-8"?>
+<p:sld xmlns:a="http://schemas.openxmlformats.org/drawingml/2006/main" xmlns:r="http://schemas.openxmlformats.org/officeDocument/2006/relationships" xmlns:p="http://schemas.openxmlformats.org/presentationml/2006/main">
+  <p:cSld>
+    <p:spTree>
+      <p:nvGrpSpPr>
+        <p:cNvPr id="1" name=""/>
+        <p:cNvGrpSpPr/>
+        <p:nvPr/>
+      </p:nvGrpSpPr>
+      <p:grpSpPr>
+        <a:xfrm>
+          <a:off x="0" y="0"/>
+          <a:ext cx="0" cy="0"/>
+          <a:chOff x="0" y="0"/>
+          <a:chExt cx="0" cy="0"/>
+        </a:xfrm>
+      </p:grpSpPr>
+      <p:sp>
+        <p:nvSpPr>
+          <p:cNvPr id="3" name="内容占位符 2"/>
+          <p:cNvSpPr>
+            <a:spLocks noGrp="1"/>
+          </p:cNvSpPr>
+          <p:nvPr>
+            <p:ph idx="1"/>
+          </p:nvPr>
+        </p:nvSpPr>
+        <p:spPr>
+          <a:xfrm>
+            <a:off x="323528" y="1340768"/>
+            <a:ext cx="3816424" cy="4525963"/>
+          </a:xfrm>
+        </p:spPr>
+        <p:txBody>
+          <a:bodyPr>
+            <a:normAutofit/>
+          </a:bodyPr>
+          <a:lstStyle/>
+          <a:p>
+            <a:r>
+              <a:rPr kumimoji="1" lang="zh-CN" altLang="en-US" sz="2400" dirty="0" smtClean="0"/>
+              <a:t>文档提交较为规范</a:t>
+            </a:r>
+            <a:r>
+              <a:rPr kumimoji="1" lang="en-US" altLang="zh-CN" sz="2400" dirty="0" smtClean="0"/>
+              <a:t>:</a:t>
+            </a:r>
+            <a:r>
+              <a:rPr kumimoji="1" lang="zh-CN" altLang="en-US" sz="2400" dirty="0" smtClean="0"/>
+              <a:t>时间、内容、人员</a:t>
+            </a:r>
+            <a:endParaRPr kumimoji="1" lang="zh-CN" altLang="en-US" sz="2400" dirty="0"/>
+          </a:p>
+        </p:txBody>
+      </p:sp>
+      <p:pic>
+        <p:nvPicPr>
+          <p:cNvPr id="6" name="图片 5"/>
+          <p:cNvPicPr>
+            <a:picLocks noChangeAspect="1"/>
+          </p:cNvPicPr>
+          <p:nvPr/>
+        </p:nvPicPr>
+        <p:blipFill>
+          <a:blip r:embed="rId2"/>
+          <a:stretch>
+            <a:fillRect/>
+          </a:stretch>
+        </p:blipFill>
+        <p:spPr>
+          <a:xfrm>
+            <a:off x="395536" y="2212872"/>
+            <a:ext cx="2997448" cy="3744416"/>
+          </a:xfrm>
+          <a:prstGeom prst="rect">
+            <a:avLst/>
+          </a:prstGeom>
+        </p:spPr>
+      </p:pic>
+      <p:sp>
+        <p:nvSpPr>
+          <p:cNvPr id="7" name="文本框 6"/>
+          <p:cNvSpPr txBox="1"/>
+          <p:nvPr/>
+        </p:nvSpPr>
+        <p:spPr>
+          <a:xfrm>
+            <a:off x="4860032" y="1340768"/>
+            <a:ext cx="3024336" cy="830997"/>
+          </a:xfrm>
+          <a:prstGeom prst="rect">
+            <a:avLst/>
+          </a:prstGeom>
+          <a:noFill/>
+        </p:spPr>
+        <p:txBody>
+          <a:bodyPr wrap="square" rtlCol="0">
+            <a:spAutoFit/>
+          </a:bodyPr>
+          <a:lstStyle/>
+          <a:p>
+            <a:r>
+              <a:rPr kumimoji="1" lang="zh-CN" altLang="en-US" sz="2400" dirty="0" smtClean="0"/>
+              <a:t>文档组织命名也较为规范：</a:t>
+            </a:r>
+            <a:endParaRPr kumimoji="1" lang="zh-CN" altLang="en-US" sz="2400" dirty="0"/>
+          </a:p>
+        </p:txBody>
+      </p:sp>
+      <p:pic>
+        <p:nvPicPr>
+          <p:cNvPr id="8" name="图片 7"/>
+          <p:cNvPicPr>
+            <a:picLocks noChangeAspect="1"/>
+          </p:cNvPicPr>
+          <p:nvPr/>
+        </p:nvPicPr>
+        <p:blipFill>
+          <a:blip r:embed="rId3"/>
+          <a:stretch>
+            <a:fillRect/>
+          </a:stretch>
+        </p:blipFill>
+        <p:spPr>
+          <a:xfrm>
+            <a:off x="4860032" y="2171765"/>
+            <a:ext cx="2448272" cy="2592997"/>
+          </a:xfrm>
+          <a:prstGeom prst="rect">
+            <a:avLst/>
+          </a:prstGeom>
+        </p:spPr>
+      </p:pic>
+      <p:pic>
+        <p:nvPicPr>
+          <p:cNvPr id="9" name="图片 8"/>
+          <p:cNvPicPr>
+            <a:picLocks noChangeAspect="1"/>
+          </p:cNvPicPr>
+          <p:nvPr/>
+        </p:nvPicPr>
+        <p:blipFill>
+          <a:blip r:embed="rId4"/>
+          <a:stretch>
+            <a:fillRect/>
+          </a:stretch>
+        </p:blipFill>
+        <p:spPr>
+          <a:xfrm>
+            <a:off x="4880188" y="4764762"/>
+            <a:ext cx="2590800" cy="1066800"/>
+          </a:xfrm>
+          <a:prstGeom prst="rect">
+            <a:avLst/>
+          </a:prstGeom>
+        </p:spPr>
+      </p:pic>
+      <p:sp>
+        <p:nvSpPr>
+          <p:cNvPr id="10" name="文本框 9"/>
+          <p:cNvSpPr txBox="1"/>
+          <p:nvPr/>
+        </p:nvSpPr>
+        <p:spPr>
+          <a:xfrm>
+            <a:off x="971600" y="6313185"/>
+            <a:ext cx="6336704" cy="369332"/>
+          </a:xfrm>
+          <a:prstGeom prst="rect">
+            <a:avLst/>
+          </a:prstGeom>
+          <a:noFill/>
+        </p:spPr>
+        <p:txBody>
+          <a:bodyPr wrap="square" rtlCol="0">
+            <a:spAutoFit/>
+          </a:bodyPr>
+          <a:lstStyle/>
+          <a:p>
+            <a:r>
+              <a:rPr kumimoji="1" lang="zh-CN" altLang="en-US" dirty="0" smtClean="0"/>
+              <a:t>充分利用</a:t>
+            </a:r>
+            <a:r>
+              <a:rPr kumimoji="1" lang="en-US" altLang="zh-CN" dirty="0" err="1" smtClean="0"/>
+              <a:t>github</a:t>
+            </a:r>
+            <a:r>
+              <a:rPr kumimoji="1" lang="zh-CN" altLang="en-US" dirty="0" smtClean="0"/>
+              <a:t>分布式开发的特性，协同工作，提高效率</a:t>
+            </a:r>
+            <a:endParaRPr kumimoji="1" lang="zh-CN" altLang="en-US" dirty="0"/>
+          </a:p>
+        </p:txBody>
+      </p:sp>
+      <p:sp>
+        <p:nvSpPr>
+          <p:cNvPr id="11" name="标题 1"/>
+          <p:cNvSpPr>
+            <a:spLocks noGrp="1"/>
+          </p:cNvSpPr>
+          <p:nvPr>
+            <p:ph type="title"/>
+          </p:nvPr>
+        </p:nvSpPr>
+        <p:spPr>
+          <a:xfrm>
+            <a:off x="457200" y="274638"/>
+            <a:ext cx="8229600" cy="1143000"/>
+          </a:xfrm>
+        </p:spPr>
+        <p:txBody>
+          <a:bodyPr>
+            <a:normAutofit/>
+          </a:bodyPr>
+          <a:lstStyle/>
+          <a:p>
+            <a:r>
+              <a:rPr lang="zh-CN" altLang="en-US" dirty="0"/>
+              <a:t>实验</a:t>
+            </a:r>
+            <a:r>
+              <a:rPr lang="en-US" altLang="zh-CN" dirty="0" smtClean="0"/>
+              <a:t>8</a:t>
+            </a:r>
+            <a:r>
+              <a:rPr lang="en-US" altLang="zh-CN" dirty="0"/>
+              <a:t>:</a:t>
+            </a:r>
+            <a:r>
+              <a:rPr lang="zh-CN" altLang="en-US" dirty="0" smtClean="0"/>
+              <a:t> 配置管理（续</a:t>
+            </a:r>
+            <a:r>
+              <a:rPr lang="zh-CN" altLang="en-US" dirty="0"/>
+              <a:t>）</a:t>
+            </a:r>
+          </a:p>
+        </p:txBody>
+      </p:sp>
+    </p:spTree>
+    <p:extLst>
+      <p:ext uri="{BB962C8B-B14F-4D97-AF65-F5344CB8AC3E}">
+        <p14:creationId xmlns:p14="http://schemas.microsoft.com/office/powerpoint/2010/main" val="2170955484"/>
+      </p:ext>
+    </p:extLst>
+  </p:cSld>
+  <p:clrMapOvr>
+    <a:masterClrMapping/>
+  </p:clrMapOvr>
+</p:sld>
+</file>
+
+<file path=ppt/slides/slide14.xml><?xml version="1.0" encoding="utf-8"?>
+<p:sld xmlns:a="http://schemas.openxmlformats.org/drawingml/2006/main" xmlns:r="http://schemas.openxmlformats.org/officeDocument/2006/relationships" xmlns:p="http://schemas.openxmlformats.org/presentationml/2006/main">
+  <p:cSld>
+    <p:spTree>
+      <p:nvGrpSpPr>
+        <p:cNvPr id="1" name=""/>
+        <p:cNvGrpSpPr/>
+        <p:nvPr/>
+      </p:nvGrpSpPr>
+      <p:grpSpPr>
+        <a:xfrm>
+          <a:off x="0" y="0"/>
+          <a:ext cx="0" cy="0"/>
+          <a:chOff x="0" y="0"/>
+          <a:chExt cx="0" cy="0"/>
+        </a:xfrm>
+      </p:grpSpPr>
+      <p:sp>
+        <p:nvSpPr>
+          <p:cNvPr id="2" name="标题 1"/>
+          <p:cNvSpPr>
+            <a:spLocks noGrp="1"/>
+          </p:cNvSpPr>
+          <p:nvPr>
+            <p:ph type="title"/>
+          </p:nvPr>
+        </p:nvSpPr>
+        <p:spPr/>
+        <p:txBody>
+          <a:bodyPr/>
+          <a:lstStyle/>
+          <a:p>
+            <a:r>
+              <a:rPr lang="zh-CN" altLang="en-US" dirty="0" smtClean="0"/>
+              <a:t>总评提交问题清单</a:t>
+            </a:r>
+            <a:endParaRPr lang="zh-CN" altLang="en-US" dirty="0"/>
+          </a:p>
+        </p:txBody>
+      </p:sp>
+      <p:sp>
+        <p:nvSpPr>
+          <p:cNvPr id="3" name="内容占位符 2"/>
+          <p:cNvSpPr>
+            <a:spLocks noGrp="1"/>
+          </p:cNvSpPr>
+          <p:nvPr>
+            <p:ph idx="1"/>
+          </p:nvPr>
+        </p:nvSpPr>
+        <p:spPr/>
+        <p:txBody>
+          <a:bodyPr/>
+          <a:lstStyle/>
+          <a:p>
+            <a:r>
+              <a:rPr lang="en-US" altLang="zh-CN" dirty="0"/>
+              <a:t>RUCM</a:t>
+            </a:r>
+            <a:r>
+              <a:rPr lang="zh-CN" altLang="en-US" dirty="0"/>
+              <a:t>和用例问题（</a:t>
+            </a:r>
+            <a:r>
+              <a:rPr lang="en-US" altLang="zh-CN" dirty="0"/>
+              <a:t>A</a:t>
+            </a:r>
+            <a:r>
+              <a:rPr lang="zh-CN" altLang="en-US" dirty="0"/>
+              <a:t>组，</a:t>
+            </a:r>
+            <a:r>
+              <a:rPr lang="en-US" altLang="zh-CN" dirty="0"/>
+              <a:t>E</a:t>
+            </a:r>
+            <a:r>
+              <a:rPr lang="zh-CN" altLang="en-US" dirty="0"/>
+              <a:t>组，</a:t>
+            </a:r>
+            <a:r>
+              <a:rPr lang="en-US" altLang="zh-CN" dirty="0"/>
+              <a:t>H</a:t>
+            </a:r>
+            <a:r>
+              <a:rPr lang="zh-CN" altLang="en-US" dirty="0"/>
+              <a:t>组）</a:t>
+            </a:r>
+            <a:endParaRPr lang="en-US" altLang="zh-CN" dirty="0"/>
+          </a:p>
+          <a:p>
+            <a:r>
+              <a:rPr lang="zh-CN" altLang="en-US" dirty="0"/>
+              <a:t>需求对应关系问题（</a:t>
+            </a:r>
+            <a:r>
+              <a:rPr lang="en-US" altLang="zh-CN" dirty="0"/>
+              <a:t>A</a:t>
+            </a:r>
+            <a:r>
+              <a:rPr lang="zh-CN" altLang="en-US" dirty="0"/>
+              <a:t>组）</a:t>
+            </a:r>
+            <a:endParaRPr lang="en-US" altLang="zh-CN"/>
+          </a:p>
+          <a:p>
+            <a:endParaRPr lang="zh-CN" altLang="en-US"/>
+          </a:p>
+        </p:txBody>
+      </p:sp>
+    </p:spTree>
+    <p:extLst>
+      <p:ext uri="{BB962C8B-B14F-4D97-AF65-F5344CB8AC3E}">
+        <p14:creationId xmlns:p14="http://schemas.microsoft.com/office/powerpoint/2010/main" val="3994174335"/>
+      </p:ext>
+    </p:extLst>
+  </p:cSld>
+  <p:clrMapOvr>
+    <a:masterClrMapping/>
+  </p:clrMapOvr>
+</p:sld>
+</file>
+
+<file path=ppt/slides/slide15.xml><?xml version="1.0" encoding="utf-8"?>
 <p:sld xmlns:a="http://schemas.openxmlformats.org/drawingml/2006/main" xmlns:r="http://schemas.openxmlformats.org/officeDocument/2006/relationships" xmlns:p="http://schemas.openxmlformats.org/presentationml/2006/main">
   <p:cSld>
     <p:spTree>
@@ -3877,7 +4991,7 @@
           <a:p>
             <a:r>
               <a:rPr lang="zh-CN" altLang="en-US" dirty="0" smtClean="0"/>
-              <a:t>完成大部分扩展功能设计与实现</a:t>
+              <a:t>完成扩展功能设计与实现</a:t>
             </a:r>
             <a:endParaRPr lang="en-US" altLang="zh-CN" dirty="0" smtClean="0"/>
           </a:p>
@@ -3899,10 +5013,9 @@
               <a:t>每人</a:t>
             </a:r>
             <a:r>
-              <a:rPr lang="en-US" altLang="zh-CN" smtClean="0"/>
+              <a:rPr lang="en-US" altLang="zh-CN" dirty="0" smtClean="0"/>
               <a:t>300h</a:t>
             </a:r>
-            <a:endParaRPr lang="en-US" altLang="zh-CN" dirty="0" smtClean="0"/>
           </a:p>
           <a:p>
             <a:r>
@@ -4009,76 +5122,122 @@
         </p:nvSpPr>
         <p:spPr/>
         <p:txBody>
-          <a:bodyPr/>
+          <a:bodyPr>
+            <a:normAutofit/>
+          </a:bodyPr>
           <a:lstStyle/>
           <a:p>
             <a:r>
               <a:rPr lang="en-US" altLang="zh-CN" smtClean="0"/>
-              <a:t>RUCM</a:t>
-            </a:r>
-            <a:r>
-              <a:rPr lang="zh-CN" altLang="en-US" smtClean="0"/>
-              <a:t>和用例问题</a:t>
-            </a:r>
-            <a:r>
-              <a:rPr lang="zh-CN" altLang="en-US"/>
-              <a:t>（</a:t>
-            </a:r>
-            <a:r>
-              <a:rPr lang="en-US" altLang="zh-CN"/>
-              <a:t>A</a:t>
-            </a:r>
-            <a:r>
-              <a:rPr lang="zh-CN" altLang="en-US"/>
-              <a:t>组，</a:t>
-            </a:r>
-            <a:r>
-              <a:rPr lang="en-US" altLang="zh-CN"/>
-              <a:t>E</a:t>
-            </a:r>
-            <a:r>
-              <a:rPr lang="zh-CN" altLang="en-US"/>
-              <a:t>组，</a:t>
-            </a:r>
-            <a:r>
-              <a:rPr lang="en-US" altLang="zh-CN"/>
-              <a:t>H</a:t>
-            </a:r>
-            <a:r>
-              <a:rPr lang="zh-CN" altLang="en-US"/>
-              <a:t>组</a:t>
-            </a:r>
-            <a:r>
-              <a:rPr lang="zh-CN" altLang="en-US" smtClean="0"/>
-              <a:t>）</a:t>
-            </a:r>
-            <a:endParaRPr lang="en-US" altLang="zh-CN"/>
-          </a:p>
-          <a:p>
-            <a:r>
-              <a:rPr lang="zh-CN" altLang="en-US"/>
-              <a:t>需</a:t>
-            </a:r>
-            <a:r>
-              <a:rPr lang="zh-CN" altLang="en-US" smtClean="0"/>
-              <a:t>求对应关系问题（</a:t>
-            </a:r>
-            <a:r>
-              <a:rPr lang="en-US" altLang="zh-CN" smtClean="0"/>
-              <a:t>A</a:t>
-            </a:r>
-            <a:r>
-              <a:rPr lang="zh-CN" altLang="en-US" smtClean="0"/>
-              <a:t>组）</a:t>
-            </a:r>
-            <a:endParaRPr lang="en-US" altLang="zh-CN" smtClean="0"/>
+              <a:t>Nginx</a:t>
+            </a:r>
+            <a:r>
+              <a:rPr lang="zh-CN" altLang="en-US" dirty="0"/>
+              <a:t>：</a:t>
+            </a:r>
+            <a:r>
+              <a:rPr lang="zh-CN" altLang="zh-CN" dirty="0" smtClean="0"/>
+              <a:t>一</a:t>
+            </a:r>
+            <a:r>
+              <a:rPr lang="zh-CN" altLang="zh-CN" dirty="0"/>
+              <a:t>款功能强大且高性能的</a:t>
+            </a:r>
+            <a:r>
+              <a:rPr lang="en-US" altLang="zh-CN" dirty="0"/>
+              <a:t>Web</a:t>
+            </a:r>
+            <a:r>
+              <a:rPr lang="zh-CN" altLang="zh-CN" dirty="0"/>
+              <a:t>和反向代理服务器</a:t>
+            </a:r>
+            <a:endParaRPr lang="en-US" altLang="zh-CN" dirty="0" smtClean="0"/>
+          </a:p>
+          <a:p>
+            <a:r>
+              <a:rPr lang="zh-CN" altLang="en-US" dirty="0" smtClean="0"/>
+              <a:t>功能需求</a:t>
+            </a:r>
+            <a:r>
+              <a:rPr lang="en-US" altLang="zh-CN" dirty="0" smtClean="0"/>
+              <a:t>:HTTP</a:t>
+            </a:r>
+            <a:r>
+              <a:rPr lang="zh-CN" altLang="en-US" dirty="0" smtClean="0"/>
+              <a:t>服务，反向代理等</a:t>
+            </a:r>
+          </a:p>
+          <a:p>
+            <a:r>
+              <a:rPr lang="zh-CN" altLang="en-US" dirty="0">
+                <a:sym typeface="+mn-ea"/>
+              </a:rPr>
+              <a:t>非功</a:t>
+            </a:r>
+            <a:r>
+              <a:rPr lang="zh-CN" altLang="en-US" dirty="0" smtClean="0">
+                <a:sym typeface="+mn-ea"/>
+              </a:rPr>
+              <a:t>能需求</a:t>
+            </a:r>
+            <a:r>
+              <a:rPr lang="en-US" altLang="zh-CN" dirty="0" smtClean="0">
+                <a:sym typeface="+mn-ea"/>
+              </a:rPr>
+              <a:t>:</a:t>
+            </a:r>
+            <a:r>
+              <a:rPr lang="zh-CN" altLang="en-US" dirty="0" smtClean="0">
+                <a:sym typeface="+mn-ea"/>
+              </a:rPr>
+              <a:t>跨平台，高并发</a:t>
+            </a:r>
+            <a:endParaRPr lang="zh-CN" altLang="en-US" dirty="0" smtClean="0"/>
+          </a:p>
+          <a:p>
+            <a:r>
+              <a:rPr lang="zh-CN" altLang="en-US" dirty="0" smtClean="0"/>
+              <a:t>拓展功能</a:t>
+            </a:r>
+            <a:r>
+              <a:rPr lang="en-US" altLang="zh-CN" dirty="0" smtClean="0"/>
+              <a:t>:</a:t>
+            </a:r>
+            <a:r>
+              <a:rPr lang="zh-CN" altLang="en-US" dirty="0" smtClean="0"/>
+              <a:t>图形化配置工具</a:t>
+            </a:r>
+          </a:p>
+          <a:p>
+            <a:pPr lvl="1"/>
+            <a:r>
+              <a:rPr lang="zh-CN" altLang="en-US" sz="2800" dirty="0" smtClean="0"/>
+              <a:t>配置</a:t>
+            </a:r>
+          </a:p>
+          <a:p>
+            <a:pPr lvl="1"/>
+            <a:r>
+              <a:rPr lang="zh-CN" altLang="en-US" sz="2800" dirty="0" smtClean="0"/>
+              <a:t>推荐</a:t>
+            </a:r>
+          </a:p>
+          <a:p>
+            <a:pPr lvl="1"/>
+            <a:r>
+              <a:rPr lang="zh-CN" altLang="en-US" sz="2800" dirty="0" smtClean="0"/>
+              <a:t>监控</a:t>
+            </a:r>
+          </a:p>
+          <a:p>
+            <a:endParaRPr lang="zh-CN" altLang="en-US" dirty="0" smtClean="0"/>
           </a:p>
         </p:txBody>
       </p:sp>
     </p:spTree>
     <p:extLst>
       <p:ext uri="{BB962C8B-B14F-4D97-AF65-F5344CB8AC3E}">
-        <p14:creationId xmlns:p14="http://schemas.microsoft.com/office/powerpoint/2010/main" val="3877320320"/>
+        <p14:creationId xmlns:p14="http://schemas.microsoft.com/office/powerpoint/2010/main" val="2151086036"/>
       </p:ext>
     </p:extLst>
   </p:cSld>
@@ -4122,43 +5281,42 @@
           <a:p>
             <a:r>
               <a:rPr lang="zh-CN" altLang="en-US" dirty="0" smtClean="0"/>
-              <a:t>实验</a:t>
-            </a:r>
-            <a:r>
-              <a:rPr lang="en-US" altLang="zh-CN" dirty="0" smtClean="0"/>
-              <a:t>3</a:t>
-            </a:r>
-            <a:r>
-              <a:rPr lang="zh-CN" altLang="en-US" dirty="0" smtClean="0"/>
-              <a:t>：实现</a:t>
+              <a:t>用例图</a:t>
             </a:r>
             <a:endParaRPr lang="zh-CN" altLang="en-US" dirty="0"/>
           </a:p>
         </p:txBody>
       </p:sp>
-      <p:sp>
-        <p:nvSpPr>
-          <p:cNvPr id="3" name="内容占位符 2"/>
-          <p:cNvSpPr>
-            <a:spLocks noGrp="1"/>
-          </p:cNvSpPr>
+      <p:pic>
+        <p:nvPicPr>
+          <p:cNvPr id="5" name="内容占位符 4" descr="图片1"/>
+          <p:cNvPicPr>
+            <a:picLocks noGrp="1" noChangeAspect="1"/>
+          </p:cNvPicPr>
           <p:nvPr>
             <p:ph idx="1"/>
           </p:nvPr>
-        </p:nvSpPr>
-        <p:spPr/>
-        <p:txBody>
-          <a:bodyPr/>
-          <a:lstStyle/>
-          <a:p>
-            <a:endParaRPr lang="zh-CN" altLang="en-US"/>
-          </a:p>
-        </p:txBody>
-      </p:sp>
+        </p:nvPicPr>
+        <p:blipFill>
+          <a:blip r:embed="rId3"/>
+          <a:stretch>
+            <a:fillRect/>
+          </a:stretch>
+        </p:blipFill>
+        <p:spPr>
+          <a:xfrm>
+            <a:off x="260350" y="1494790"/>
+            <a:ext cx="8916035" cy="5053330"/>
+          </a:xfrm>
+          <a:prstGeom prst="rect">
+            <a:avLst/>
+          </a:prstGeom>
+        </p:spPr>
+      </p:pic>
     </p:spTree>
     <p:extLst>
       <p:ext uri="{BB962C8B-B14F-4D97-AF65-F5344CB8AC3E}">
-        <p14:creationId xmlns:p14="http://schemas.microsoft.com/office/powerpoint/2010/main" val="2339048454"/>
+        <p14:creationId xmlns:p14="http://schemas.microsoft.com/office/powerpoint/2010/main" val="1498207608"/>
       </p:ext>
     </p:extLst>
   </p:cSld>
@@ -4206,39 +5364,251 @@
             </a:r>
             <a:r>
               <a:rPr lang="en-US" altLang="zh-CN" dirty="0" smtClean="0"/>
-              <a:t>4-5</a:t>
+              <a:t>3</a:t>
             </a:r>
             <a:r>
               <a:rPr lang="zh-CN" altLang="en-US" dirty="0" smtClean="0"/>
-              <a:t>：测试</a:t>
+              <a:t>：实现</a:t>
             </a:r>
             <a:endParaRPr lang="zh-CN" altLang="en-US" dirty="0"/>
           </a:p>
         </p:txBody>
       </p:sp>
-      <p:sp>
-        <p:nvSpPr>
-          <p:cNvPr id="3" name="内容占位符 2"/>
-          <p:cNvSpPr>
-            <a:spLocks noGrp="1"/>
-          </p:cNvSpPr>
+      <p:pic>
+        <p:nvPicPr>
+          <p:cNvPr id="4" name="Content Placeholder 3"/>
+          <p:cNvPicPr>
+            <a:picLocks noGrp="1" noChangeAspect="1"/>
+          </p:cNvPicPr>
           <p:nvPr>
             <p:ph idx="1"/>
           </p:nvPr>
-        </p:nvSpPr>
-        <p:spPr/>
-        <p:txBody>
-          <a:bodyPr/>
-          <a:lstStyle/>
-          <a:p>
-            <a:endParaRPr lang="zh-CN" altLang="en-US"/>
+        </p:nvPicPr>
+        <p:blipFill>
+          <a:blip r:embed="rId2">
+            <a:extLst>
+              <a:ext uri="{28A0092B-C50C-407E-A947-70E740481C1C}">
+                <a14:useLocalDpi xmlns:a14="http://schemas.microsoft.com/office/drawing/2010/main" val="0"/>
+              </a:ext>
+            </a:extLst>
+          </a:blip>
+          <a:stretch>
+            <a:fillRect/>
+          </a:stretch>
+        </p:blipFill>
+        <p:spPr>
+          <a:xfrm>
+            <a:off x="457200" y="1417638"/>
+            <a:ext cx="3281521" cy="4525963"/>
+          </a:xfrm>
+        </p:spPr>
+      </p:pic>
+      <p:sp>
+        <p:nvSpPr>
+          <p:cNvPr id="6" name="内容占位符 2"/>
+          <p:cNvSpPr txBox="1">
+            <a:spLocks/>
+          </p:cNvSpPr>
+          <p:nvPr/>
+        </p:nvSpPr>
+        <p:spPr>
+          <a:xfrm>
+            <a:off x="4067944" y="1417638"/>
+            <a:ext cx="4618856" cy="4525963"/>
+          </a:xfrm>
+          <a:prstGeom prst="rect">
+            <a:avLst/>
+          </a:prstGeom>
+        </p:spPr>
+        <p:txBody>
+          <a:bodyPr vert="horz" lIns="91440" tIns="45720" rIns="91440" bIns="45720" rtlCol="0">
+            <a:normAutofit/>
+          </a:bodyPr>
+          <a:lstStyle>
+            <a:lvl1pPr marL="342900" indent="-342900" algn="l" defTabSz="914400" rtl="0" eaLnBrk="1" latinLnBrk="0" hangingPunct="1">
+              <a:spcBef>
+                <a:spcPct val="20000"/>
+              </a:spcBef>
+              <a:buFont typeface="Arial" pitchFamily="34" charset="0"/>
+              <a:buChar char="•"/>
+              <a:defRPr sz="3200" kern="1200">
+                <a:solidFill>
+                  <a:schemeClr val="tx1"/>
+                </a:solidFill>
+                <a:latin typeface="+mn-lt"/>
+                <a:ea typeface="+mn-ea"/>
+                <a:cs typeface="+mn-cs"/>
+              </a:defRPr>
+            </a:lvl1pPr>
+            <a:lvl2pPr marL="742950" indent="-285750" algn="l" defTabSz="914400" rtl="0" eaLnBrk="1" latinLnBrk="0" hangingPunct="1">
+              <a:spcBef>
+                <a:spcPct val="20000"/>
+              </a:spcBef>
+              <a:buFont typeface="Arial" pitchFamily="34" charset="0"/>
+              <a:buChar char="–"/>
+              <a:defRPr sz="2800" kern="1200">
+                <a:solidFill>
+                  <a:schemeClr val="tx1"/>
+                </a:solidFill>
+                <a:latin typeface="+mn-lt"/>
+                <a:ea typeface="+mn-ea"/>
+                <a:cs typeface="+mn-cs"/>
+              </a:defRPr>
+            </a:lvl2pPr>
+            <a:lvl3pPr marL="1143000" indent="-228600" algn="l" defTabSz="914400" rtl="0" eaLnBrk="1" latinLnBrk="0" hangingPunct="1">
+              <a:spcBef>
+                <a:spcPct val="20000"/>
+              </a:spcBef>
+              <a:buFont typeface="Arial" pitchFamily="34" charset="0"/>
+              <a:buChar char="•"/>
+              <a:defRPr sz="2400" kern="1200">
+                <a:solidFill>
+                  <a:schemeClr val="tx1"/>
+                </a:solidFill>
+                <a:latin typeface="+mn-lt"/>
+                <a:ea typeface="+mn-ea"/>
+                <a:cs typeface="+mn-cs"/>
+              </a:defRPr>
+            </a:lvl3pPr>
+            <a:lvl4pPr marL="1600200" indent="-228600" algn="l" defTabSz="914400" rtl="0" eaLnBrk="1" latinLnBrk="0" hangingPunct="1">
+              <a:spcBef>
+                <a:spcPct val="20000"/>
+              </a:spcBef>
+              <a:buFont typeface="Arial" pitchFamily="34" charset="0"/>
+              <a:buChar char="–"/>
+              <a:defRPr sz="2000" kern="1200">
+                <a:solidFill>
+                  <a:schemeClr val="tx1"/>
+                </a:solidFill>
+                <a:latin typeface="+mn-lt"/>
+                <a:ea typeface="+mn-ea"/>
+                <a:cs typeface="+mn-cs"/>
+              </a:defRPr>
+            </a:lvl4pPr>
+            <a:lvl5pPr marL="2057400" indent="-228600" algn="l" defTabSz="914400" rtl="0" eaLnBrk="1" latinLnBrk="0" hangingPunct="1">
+              <a:spcBef>
+                <a:spcPct val="20000"/>
+              </a:spcBef>
+              <a:buFont typeface="Arial" pitchFamily="34" charset="0"/>
+              <a:buChar char="»"/>
+              <a:defRPr sz="2000" kern="1200">
+                <a:solidFill>
+                  <a:schemeClr val="tx1"/>
+                </a:solidFill>
+                <a:latin typeface="+mn-lt"/>
+                <a:ea typeface="+mn-ea"/>
+                <a:cs typeface="+mn-cs"/>
+              </a:defRPr>
+            </a:lvl5pPr>
+            <a:lvl6pPr marL="2514600" indent="-228600" algn="l" defTabSz="914400" rtl="0" eaLnBrk="1" latinLnBrk="0" hangingPunct="1">
+              <a:spcBef>
+                <a:spcPct val="20000"/>
+              </a:spcBef>
+              <a:buFont typeface="Arial" pitchFamily="34" charset="0"/>
+              <a:buChar char="•"/>
+              <a:defRPr sz="2000" kern="1200">
+                <a:solidFill>
+                  <a:schemeClr val="tx1"/>
+                </a:solidFill>
+                <a:latin typeface="+mn-lt"/>
+                <a:ea typeface="+mn-ea"/>
+                <a:cs typeface="+mn-cs"/>
+              </a:defRPr>
+            </a:lvl6pPr>
+            <a:lvl7pPr marL="2971800" indent="-228600" algn="l" defTabSz="914400" rtl="0" eaLnBrk="1" latinLnBrk="0" hangingPunct="1">
+              <a:spcBef>
+                <a:spcPct val="20000"/>
+              </a:spcBef>
+              <a:buFont typeface="Arial" pitchFamily="34" charset="0"/>
+              <a:buChar char="•"/>
+              <a:defRPr sz="2000" kern="1200">
+                <a:solidFill>
+                  <a:schemeClr val="tx1"/>
+                </a:solidFill>
+                <a:latin typeface="+mn-lt"/>
+                <a:ea typeface="+mn-ea"/>
+                <a:cs typeface="+mn-cs"/>
+              </a:defRPr>
+            </a:lvl7pPr>
+            <a:lvl8pPr marL="3429000" indent="-228600" algn="l" defTabSz="914400" rtl="0" eaLnBrk="1" latinLnBrk="0" hangingPunct="1">
+              <a:spcBef>
+                <a:spcPct val="20000"/>
+              </a:spcBef>
+              <a:buFont typeface="Arial" pitchFamily="34" charset="0"/>
+              <a:buChar char="•"/>
+              <a:defRPr sz="2000" kern="1200">
+                <a:solidFill>
+                  <a:schemeClr val="tx1"/>
+                </a:solidFill>
+                <a:latin typeface="+mn-lt"/>
+                <a:ea typeface="+mn-ea"/>
+                <a:cs typeface="+mn-cs"/>
+              </a:defRPr>
+            </a:lvl8pPr>
+            <a:lvl9pPr marL="3886200" indent="-228600" algn="l" defTabSz="914400" rtl="0" eaLnBrk="1" latinLnBrk="0" hangingPunct="1">
+              <a:spcBef>
+                <a:spcPct val="20000"/>
+              </a:spcBef>
+              <a:buFont typeface="Arial" pitchFamily="34" charset="0"/>
+              <a:buChar char="•"/>
+              <a:defRPr sz="2000" kern="1200">
+                <a:solidFill>
+                  <a:schemeClr val="tx1"/>
+                </a:solidFill>
+                <a:latin typeface="+mn-lt"/>
+                <a:ea typeface="+mn-ea"/>
+                <a:cs typeface="+mn-cs"/>
+              </a:defRPr>
+            </a:lvl9pPr>
+          </a:lstStyle>
+          <a:p>
+            <a:r>
+              <a:rPr lang="zh-CN" altLang="en-US" dirty="0" smtClean="0"/>
+              <a:t>使用技术：</a:t>
+            </a:r>
+            <a:r>
+              <a:rPr lang="en-US" altLang="zh-CN" dirty="0" smtClean="0"/>
+              <a:t>python</a:t>
+            </a:r>
+            <a:endParaRPr lang="zh-CN" altLang="en-US" dirty="0" smtClean="0"/>
+          </a:p>
+          <a:p>
+            <a:r>
+              <a:rPr lang="zh-CN" altLang="en-US" dirty="0" smtClean="0"/>
+              <a:t>模块设计：</a:t>
+            </a:r>
+          </a:p>
+          <a:p>
+            <a:pPr lvl="1"/>
+            <a:r>
+              <a:rPr lang="en-US" altLang="zh-CN" dirty="0" smtClean="0"/>
+              <a:t>UI</a:t>
+            </a:r>
+            <a:endParaRPr lang="zh-CN" altLang="en-US" dirty="0" smtClean="0"/>
+          </a:p>
+          <a:p>
+            <a:pPr lvl="1"/>
+            <a:r>
+              <a:rPr lang="zh-CN" altLang="en-US" dirty="0" smtClean="0"/>
+              <a:t>配置模块</a:t>
+            </a:r>
+          </a:p>
+          <a:p>
+            <a:pPr lvl="1"/>
+            <a:r>
+              <a:rPr lang="zh-CN" altLang="en-US" dirty="0" smtClean="0"/>
+              <a:t>控制监视模块</a:t>
+            </a:r>
+          </a:p>
+          <a:p>
+            <a:endParaRPr lang="zh-CN" altLang="en-US" dirty="0" smtClean="0"/>
           </a:p>
         </p:txBody>
       </p:sp>
     </p:spTree>
     <p:extLst>
       <p:ext uri="{BB962C8B-B14F-4D97-AF65-F5344CB8AC3E}">
-        <p14:creationId xmlns:p14="http://schemas.microsoft.com/office/powerpoint/2010/main" val="575079264"/>
+        <p14:creationId xmlns:p14="http://schemas.microsoft.com/office/powerpoint/2010/main" val="395247412"/>
       </p:ext>
     </p:extLst>
   </p:cSld>
@@ -4286,11 +5656,11 @@
             </a:r>
             <a:r>
               <a:rPr lang="en-US" altLang="zh-CN" dirty="0" smtClean="0"/>
-              <a:t>6</a:t>
+              <a:t>4-5</a:t>
             </a:r>
             <a:r>
               <a:rPr lang="zh-CN" altLang="en-US" dirty="0" smtClean="0"/>
-              <a:t>：软件进展和进度控制</a:t>
+              <a:t>：测试</a:t>
             </a:r>
             <a:endParaRPr lang="zh-CN" altLang="en-US" dirty="0"/>
           </a:p>
@@ -4306,19 +5676,157 @@
             <p:ph idx="1"/>
           </p:nvPr>
         </p:nvSpPr>
-        <p:spPr/>
-        <p:txBody>
-          <a:bodyPr/>
-          <a:lstStyle/>
-          <a:p>
-            <a:endParaRPr lang="zh-CN" altLang="en-US"/>
+        <p:spPr>
+          <a:xfrm>
+            <a:off x="457200" y="1600200"/>
+            <a:ext cx="8229600" cy="4997152"/>
+          </a:xfrm>
+        </p:spPr>
+        <p:txBody>
+          <a:bodyPr>
+            <a:normAutofit lnSpcReduction="10000"/>
+          </a:bodyPr>
+          <a:lstStyle/>
+          <a:p>
+            <a:r>
+              <a:rPr lang="zh-CN" altLang="en-US" dirty="0"/>
+              <a:t>安装测试</a:t>
+            </a:r>
+            <a:endParaRPr lang="en-US" altLang="zh-CN" dirty="0"/>
+          </a:p>
+          <a:p>
+            <a:pPr lvl="1"/>
+            <a:r>
+              <a:rPr lang="zh-CN" altLang="en-US" dirty="0"/>
+              <a:t>跨平台安装（</a:t>
+            </a:r>
+            <a:r>
+              <a:rPr lang="en-US" altLang="zh-CN" dirty="0"/>
+              <a:t>3</a:t>
+            </a:r>
+            <a:r>
+              <a:rPr lang="zh-CN" altLang="en-US" dirty="0"/>
+              <a:t>）</a:t>
+            </a:r>
+            <a:endParaRPr lang="en-US" altLang="zh-CN" dirty="0"/>
+          </a:p>
+          <a:p>
+            <a:r>
+              <a:rPr lang="zh-CN" altLang="en-US" dirty="0"/>
+              <a:t>功能测试</a:t>
+            </a:r>
+          </a:p>
+          <a:p>
+            <a:pPr lvl="1"/>
+            <a:r>
+              <a:rPr lang="zh-CN" altLang="en-US" dirty="0"/>
+              <a:t>静态文件测试（</a:t>
+            </a:r>
+            <a:r>
+              <a:rPr lang="en-US" altLang="zh-CN" dirty="0"/>
+              <a:t>4</a:t>
+            </a:r>
+            <a:r>
+              <a:rPr lang="zh-CN" altLang="en-US" dirty="0"/>
+              <a:t>）</a:t>
+            </a:r>
+            <a:endParaRPr lang="en-US" altLang="zh-CN" dirty="0"/>
+          </a:p>
+          <a:p>
+            <a:pPr lvl="1"/>
+            <a:r>
+              <a:rPr lang="zh-CN" altLang="en-US" dirty="0"/>
+              <a:t>动态网页测试（</a:t>
+            </a:r>
+            <a:r>
+              <a:rPr lang="en-US" altLang="zh-CN" dirty="0"/>
+              <a:t>3</a:t>
+            </a:r>
+            <a:r>
+              <a:rPr lang="zh-CN" altLang="en-US" dirty="0"/>
+              <a:t>）</a:t>
+            </a:r>
+            <a:endParaRPr lang="en-US" altLang="zh-CN" dirty="0"/>
+          </a:p>
+          <a:p>
+            <a:pPr lvl="1"/>
+            <a:r>
+              <a:rPr lang="zh-CN" altLang="en-US" dirty="0"/>
+              <a:t>配置测试（</a:t>
+            </a:r>
+            <a:r>
+              <a:rPr lang="en-US" altLang="zh-CN" dirty="0"/>
+              <a:t>9</a:t>
+            </a:r>
+            <a:r>
+              <a:rPr lang="zh-CN" altLang="en-US" dirty="0"/>
+              <a:t>）</a:t>
+            </a:r>
+            <a:endParaRPr lang="en-US" altLang="zh-CN" dirty="0"/>
+          </a:p>
+          <a:p>
+            <a:pPr lvl="1"/>
+            <a:r>
+              <a:rPr lang="zh-CN" altLang="en-US" dirty="0"/>
+              <a:t>可视化模块测试（</a:t>
+            </a:r>
+            <a:r>
+              <a:rPr lang="en-US" altLang="zh-CN" dirty="0"/>
+              <a:t>14</a:t>
+            </a:r>
+            <a:r>
+              <a:rPr lang="zh-CN" altLang="en-US" dirty="0"/>
+              <a:t>）</a:t>
+            </a:r>
+          </a:p>
+          <a:p>
+            <a:pPr marL="342900" lvl="1" indent="-342900">
+              <a:buFont typeface="Arial" pitchFamily="34" charset="0"/>
+              <a:buChar char="•"/>
+            </a:pPr>
+            <a:r>
+              <a:rPr lang="zh-CN" altLang="en-US" sz="3200" dirty="0"/>
+              <a:t>非功能测试</a:t>
+            </a:r>
+            <a:endParaRPr lang="en-US" altLang="zh-CN" sz="3200" dirty="0"/>
+          </a:p>
+          <a:p>
+            <a:pPr lvl="1"/>
+            <a:r>
+              <a:rPr lang="zh-CN" altLang="en-US" dirty="0"/>
+              <a:t>可靠性测试（</a:t>
+            </a:r>
+            <a:r>
+              <a:rPr lang="en-US" altLang="zh-CN" dirty="0"/>
+              <a:t>2</a:t>
+            </a:r>
+            <a:r>
+              <a:rPr lang="zh-CN" altLang="en-US" dirty="0"/>
+              <a:t>）</a:t>
+            </a:r>
+          </a:p>
+          <a:p>
+            <a:pPr lvl="1"/>
+            <a:r>
+              <a:rPr lang="zh-CN" altLang="en-US" dirty="0"/>
+              <a:t>性能测试（</a:t>
+            </a:r>
+            <a:r>
+              <a:rPr lang="en-US" altLang="zh-CN" dirty="0"/>
+              <a:t>4</a:t>
+            </a:r>
+            <a:r>
+              <a:rPr lang="zh-CN" altLang="en-US" dirty="0" smtClean="0"/>
+              <a:t>）</a:t>
+            </a:r>
+            <a:endParaRPr lang="en-US" altLang="zh-CN" dirty="0"/>
           </a:p>
         </p:txBody>
       </p:sp>
     </p:spTree>
     <p:extLst>
       <p:ext uri="{BB962C8B-B14F-4D97-AF65-F5344CB8AC3E}">
-        <p14:creationId xmlns:p14="http://schemas.microsoft.com/office/powerpoint/2010/main" val="3714293221"/>
+        <p14:creationId xmlns:p14="http://schemas.microsoft.com/office/powerpoint/2010/main" val="575079264"/>
       </p:ext>
     </p:extLst>
   </p:cSld>
@@ -4361,43 +5869,150 @@
           <a:lstStyle/>
           <a:p>
             <a:r>
+              <a:rPr lang="zh-CN" altLang="en-US" dirty="0" smtClean="0"/>
+              <a:t>实验</a:t>
+            </a:r>
+            <a:r>
+              <a:rPr lang="en-US" altLang="zh-CN" dirty="0" smtClean="0"/>
+              <a:t>6</a:t>
+            </a:r>
+            <a:r>
+              <a:rPr lang="zh-CN" altLang="en-US" dirty="0" smtClean="0"/>
+              <a:t>：软件进度计划与控制</a:t>
+            </a:r>
+            <a:endParaRPr lang="zh-CN" altLang="en-US" dirty="0"/>
+          </a:p>
+        </p:txBody>
+      </p:sp>
+      <p:sp>
+        <p:nvSpPr>
+          <p:cNvPr id="3" name="内容占位符 2"/>
+          <p:cNvSpPr>
+            <a:spLocks noGrp="1"/>
+          </p:cNvSpPr>
+          <p:nvPr>
+            <p:ph idx="1"/>
+          </p:nvPr>
+        </p:nvSpPr>
+        <p:spPr>
+          <a:xfrm>
+            <a:off x="457200" y="1600200"/>
+            <a:ext cx="8435280" cy="5257800"/>
+          </a:xfrm>
+        </p:spPr>
+        <p:txBody>
+          <a:bodyPr>
+            <a:normAutofit lnSpcReduction="10000"/>
+          </a:bodyPr>
+          <a:lstStyle/>
+          <a:p>
+            <a:r>
+              <a:rPr lang="zh-CN" altLang="en-US" dirty="0" smtClean="0"/>
+              <a:t>特点</a:t>
+            </a:r>
+            <a:endParaRPr lang="en-US" altLang="zh-CN" dirty="0" smtClean="0"/>
+          </a:p>
+          <a:p>
+            <a:pPr lvl="1"/>
+            <a:r>
+              <a:rPr lang="zh-CN" altLang="en-US" dirty="0" smtClean="0"/>
+              <a:t>随着实验的进行，计划不断细化</a:t>
+            </a:r>
+            <a:endParaRPr lang="en-US" altLang="zh-CN" dirty="0" smtClean="0"/>
+          </a:p>
+          <a:p>
+            <a:pPr lvl="1"/>
+            <a:r>
               <a:rPr lang="zh-CN" altLang="en-US" dirty="0"/>
-              <a:t>实验</a:t>
-            </a:r>
-            <a:r>
-              <a:rPr lang="en-US" altLang="zh-CN" dirty="0"/>
-              <a:t>7</a:t>
-            </a:r>
+              <a:t>按</a:t>
+            </a:r>
+            <a:r>
+              <a:rPr lang="zh-CN" altLang="en-US" dirty="0" smtClean="0"/>
+              <a:t>周为单位，每周评审</a:t>
+            </a:r>
+            <a:endParaRPr lang="en-US" altLang="zh-CN" dirty="0" smtClean="0"/>
+          </a:p>
+          <a:p>
+            <a:pPr lvl="1"/>
+            <a:r>
+              <a:rPr lang="zh-CN" altLang="en-US" dirty="0" smtClean="0"/>
+              <a:t>按周为单位，每周分配任务</a:t>
+            </a:r>
+            <a:endParaRPr lang="en-US" altLang="zh-CN" dirty="0" smtClean="0"/>
+          </a:p>
+          <a:p>
+            <a:r>
+              <a:rPr lang="zh-CN" altLang="en-US" dirty="0" smtClean="0"/>
+              <a:t>具体实施方法</a:t>
+            </a:r>
+            <a:endParaRPr lang="en-US" altLang="zh-CN" dirty="0" smtClean="0"/>
+          </a:p>
+          <a:p>
+            <a:pPr lvl="1"/>
+            <a:r>
+              <a:rPr lang="zh-CN" altLang="en-US" dirty="0" smtClean="0"/>
+              <a:t>分实验划分大任务</a:t>
+            </a:r>
+            <a:endParaRPr lang="en-US" altLang="zh-CN" dirty="0" smtClean="0"/>
+          </a:p>
+          <a:p>
+            <a:pPr lvl="1"/>
             <a:r>
               <a:rPr lang="zh-CN" altLang="en-US" dirty="0"/>
-              <a:t>：工作量估计与统计分析</a:t>
-            </a:r>
-          </a:p>
-        </p:txBody>
-      </p:sp>
-      <p:sp>
-        <p:nvSpPr>
-          <p:cNvPr id="3" name="内容占位符 2"/>
-          <p:cNvSpPr>
-            <a:spLocks noGrp="1"/>
-          </p:cNvSpPr>
-          <p:nvPr>
-            <p:ph idx="1"/>
-          </p:nvPr>
-        </p:nvSpPr>
-        <p:spPr/>
-        <p:txBody>
-          <a:bodyPr/>
-          <a:lstStyle/>
-          <a:p>
-            <a:endParaRPr lang="zh-CN" altLang="en-US"/>
+              <a:t>每</a:t>
+            </a:r>
+            <a:r>
+              <a:rPr lang="zh-CN" altLang="en-US" dirty="0" smtClean="0"/>
+              <a:t>周评审前开组会</a:t>
+            </a:r>
+            <a:endParaRPr lang="en-US" altLang="zh-CN" dirty="0" smtClean="0"/>
+          </a:p>
+          <a:p>
+            <a:pPr lvl="2"/>
+            <a:r>
+              <a:rPr lang="zh-CN" altLang="en-US" dirty="0" smtClean="0"/>
+              <a:t>确认上周分配任务完成情况，填写</a:t>
+            </a:r>
+            <a:r>
+              <a:rPr lang="zh-CN" altLang="en-US" dirty="0"/>
+              <a:t>进度</a:t>
+            </a:r>
+            <a:r>
+              <a:rPr lang="zh-CN" altLang="en-US" dirty="0" smtClean="0"/>
+              <a:t>跟踪信息</a:t>
+            </a:r>
+            <a:endParaRPr lang="en-US" altLang="zh-CN" dirty="0" smtClean="0"/>
+          </a:p>
+          <a:p>
+            <a:pPr lvl="2"/>
+            <a:r>
+              <a:rPr lang="zh-CN" altLang="en-US" dirty="0" smtClean="0"/>
+              <a:t>分析下周所需任务，对任务细化和分工</a:t>
+            </a:r>
+            <a:endParaRPr lang="en-US" altLang="zh-CN" dirty="0" smtClean="0"/>
+          </a:p>
+          <a:p>
+            <a:pPr lvl="2"/>
+            <a:r>
+              <a:rPr lang="zh-CN" altLang="en-US" dirty="0" smtClean="0"/>
+              <a:t>对于较难完成的工作或者突发情况，进行细微调整</a:t>
+            </a:r>
+            <a:endParaRPr lang="en-US" altLang="zh-CN" dirty="0" smtClean="0"/>
+          </a:p>
+          <a:p>
+            <a:pPr lvl="1"/>
+            <a:r>
+              <a:rPr lang="zh-CN" altLang="en-US" dirty="0" smtClean="0"/>
+              <a:t>评审后根据意见微调计划</a:t>
+            </a:r>
+            <a:endParaRPr lang="en-US" altLang="zh-CN" dirty="0"/>
           </a:p>
         </p:txBody>
       </p:sp>
     </p:spTree>
     <p:extLst>
       <p:ext uri="{BB962C8B-B14F-4D97-AF65-F5344CB8AC3E}">
-        <p14:creationId xmlns:p14="http://schemas.microsoft.com/office/powerpoint/2010/main" val="2852708133"/>
+        <p14:creationId xmlns:p14="http://schemas.microsoft.com/office/powerpoint/2010/main" val="3714293221"/>
       </p:ext>
     </p:extLst>
   </p:cSld>
@@ -4436,7 +6051,9 @@
         </p:nvSpPr>
         <p:spPr/>
         <p:txBody>
-          <a:bodyPr/>
+          <a:bodyPr>
+            <a:normAutofit fontScale="90000"/>
+          </a:bodyPr>
           <a:lstStyle/>
           <a:p>
             <a:r>
@@ -4445,12 +6062,17 @@
             </a:r>
             <a:r>
               <a:rPr lang="en-US" altLang="zh-CN" dirty="0"/>
-              <a:t>8</a:t>
+              <a:t>6</a:t>
             </a:r>
             <a:r>
               <a:rPr lang="zh-CN" altLang="en-US" dirty="0"/>
-              <a:t>：配置管理总结</a:t>
-            </a:r>
+              <a:t>：软件进度计划与</a:t>
+            </a:r>
+            <a:r>
+              <a:rPr lang="zh-CN" altLang="en-US" dirty="0" smtClean="0"/>
+              <a:t>控制（续）</a:t>
+            </a:r>
+            <a:endParaRPr lang="zh-CN" altLang="en-US" dirty="0"/>
           </a:p>
         </p:txBody>
       </p:sp>
@@ -4464,19 +6086,167 @@
             <p:ph idx="1"/>
           </p:nvPr>
         </p:nvSpPr>
-        <p:spPr/>
-        <p:txBody>
-          <a:bodyPr/>
-          <a:lstStyle/>
-          <a:p>
-            <a:endParaRPr lang="zh-CN" altLang="en-US"/>
+        <p:spPr>
+          <a:xfrm>
+            <a:off x="457200" y="1600200"/>
+            <a:ext cx="8229600" cy="5257800"/>
+          </a:xfrm>
+        </p:spPr>
+        <p:txBody>
+          <a:bodyPr>
+            <a:normAutofit lnSpcReduction="10000"/>
+          </a:bodyPr>
+          <a:lstStyle/>
+          <a:p>
+            <a:r>
+              <a:rPr lang="zh-CN" altLang="en-US" dirty="0" smtClean="0"/>
+              <a:t>存在的问题</a:t>
+            </a:r>
+            <a:endParaRPr lang="en-US" altLang="zh-CN" dirty="0" smtClean="0"/>
+          </a:p>
+          <a:p>
+            <a:pPr lvl="1"/>
+            <a:r>
+              <a:rPr lang="en-US" altLang="zh-CN" dirty="0" smtClean="0"/>
+              <a:t>MPP</a:t>
+            </a:r>
+            <a:r>
+              <a:rPr lang="zh-CN" altLang="en-US" dirty="0" smtClean="0"/>
+              <a:t>灵活性较为死板（耗时</a:t>
+            </a:r>
+            <a:r>
+              <a:rPr lang="en-US" altLang="zh-CN" dirty="0" smtClean="0"/>
+              <a:t>=</a:t>
+            </a:r>
+            <a:r>
+              <a:rPr lang="zh-CN" altLang="en-US" dirty="0" smtClean="0"/>
+              <a:t>每日工时</a:t>
+            </a:r>
+            <a:r>
+              <a:rPr lang="en-US" altLang="zh-CN" dirty="0" smtClean="0"/>
+              <a:t>*(</a:t>
+            </a:r>
+            <a:r>
+              <a:rPr lang="zh-CN" altLang="en-US" dirty="0" smtClean="0"/>
+              <a:t>结束</a:t>
+            </a:r>
+            <a:r>
+              <a:rPr lang="en-US" altLang="zh-CN" dirty="0" smtClean="0"/>
+              <a:t>-</a:t>
+            </a:r>
+            <a:r>
+              <a:rPr lang="zh-CN" altLang="en-US" dirty="0" smtClean="0"/>
+              <a:t>开始</a:t>
+            </a:r>
+            <a:r>
+              <a:rPr lang="en-US" altLang="zh-CN" dirty="0" smtClean="0"/>
+              <a:t>)</a:t>
+            </a:r>
+            <a:r>
+              <a:rPr lang="zh-CN" altLang="en-US" dirty="0" smtClean="0"/>
+              <a:t>）。</a:t>
+            </a:r>
+            <a:endParaRPr lang="en-US" altLang="zh-CN" dirty="0" smtClean="0"/>
+          </a:p>
+          <a:p>
+            <a:pPr lvl="1"/>
+            <a:r>
+              <a:rPr lang="zh-CN" altLang="en-US" dirty="0" smtClean="0"/>
+              <a:t>本实验中：</a:t>
+            </a:r>
+            <a:endParaRPr lang="en-US" altLang="zh-CN" dirty="0" smtClean="0"/>
+          </a:p>
+          <a:p>
+            <a:pPr lvl="2"/>
+            <a:r>
+              <a:rPr lang="zh-CN" altLang="en-US" dirty="0" smtClean="0"/>
+              <a:t>模式：每周分配任务</a:t>
+            </a:r>
+            <a:r>
+              <a:rPr lang="en-US" altLang="zh-CN" dirty="0" smtClean="0">
+                <a:sym typeface="Wingdings" pitchFamily="2" charset="2"/>
+              </a:rPr>
+              <a:t></a:t>
+            </a:r>
+            <a:r>
+              <a:rPr lang="zh-CN" altLang="en-US" dirty="0" smtClean="0">
+                <a:sym typeface="Wingdings" pitchFamily="2" charset="2"/>
+              </a:rPr>
+              <a:t>每周结算任务模式</a:t>
+            </a:r>
+            <a:endParaRPr lang="en-US" altLang="zh-CN" dirty="0" smtClean="0">
+              <a:sym typeface="Wingdings" pitchFamily="2" charset="2"/>
+            </a:endParaRPr>
+          </a:p>
+          <a:p>
+            <a:pPr lvl="2"/>
+            <a:r>
+              <a:rPr lang="zh-CN" altLang="en-US" dirty="0" smtClean="0">
+                <a:sym typeface="Wingdings" pitchFamily="2" charset="2"/>
+              </a:rPr>
+              <a:t>实际上并不关心你到底是在这周里的什么时候完成，只需要关心你完成任务了么，大概用了多久。</a:t>
+            </a:r>
+            <a:endParaRPr lang="en-US" altLang="zh-CN" dirty="0" smtClean="0">
+              <a:sym typeface="Wingdings" pitchFamily="2" charset="2"/>
+            </a:endParaRPr>
+          </a:p>
+          <a:p>
+            <a:pPr lvl="2"/>
+            <a:r>
+              <a:rPr lang="zh-CN" altLang="en-US" dirty="0" smtClean="0">
+                <a:sym typeface="Wingdings" pitchFamily="2" charset="2"/>
+              </a:rPr>
+              <a:t>跨整个课程的任务会出现计时问题。（最少分配每个人</a:t>
+            </a:r>
+            <a:r>
+              <a:rPr lang="en-US" altLang="zh-CN" dirty="0" smtClean="0">
+                <a:sym typeface="Wingdings" pitchFamily="2" charset="2"/>
+              </a:rPr>
+              <a:t>1%</a:t>
+            </a:r>
+            <a:r>
+              <a:rPr lang="zh-CN" altLang="en-US" dirty="0" smtClean="0">
+                <a:sym typeface="Wingdings" pitchFamily="2" charset="2"/>
+              </a:rPr>
+              <a:t>的资源）</a:t>
+            </a:r>
+            <a:endParaRPr lang="en-US" altLang="zh-CN" dirty="0" smtClean="0">
+              <a:sym typeface="Wingdings" pitchFamily="2" charset="2"/>
+            </a:endParaRPr>
+          </a:p>
+          <a:p>
+            <a:r>
+              <a:rPr lang="zh-CN" altLang="en-US" dirty="0"/>
+              <a:t>建议：</a:t>
+            </a:r>
+            <a:endParaRPr lang="en-US" altLang="zh-CN" dirty="0"/>
+          </a:p>
+          <a:p>
+            <a:pPr lvl="1"/>
+            <a:r>
+              <a:rPr lang="zh-CN" altLang="en-US" dirty="0"/>
+              <a:t>开课初给定各周要完成的任务、提交的文档、具体的</a:t>
+            </a:r>
+            <a:r>
+              <a:rPr lang="en-US" altLang="zh-CN" dirty="0"/>
+              <a:t>deadline</a:t>
+            </a:r>
+            <a:r>
+              <a:rPr lang="zh-CN" altLang="en-US" dirty="0"/>
+              <a:t>。好进行相应计划</a:t>
+            </a:r>
+            <a:r>
+              <a:rPr lang="zh-CN" altLang="en-US" dirty="0" smtClean="0"/>
+              <a:t>。</a:t>
+            </a:r>
+            <a:endParaRPr lang="en-US" altLang="zh-CN" dirty="0"/>
           </a:p>
         </p:txBody>
       </p:sp>
     </p:spTree>
     <p:extLst>
       <p:ext uri="{BB962C8B-B14F-4D97-AF65-F5344CB8AC3E}">
-        <p14:creationId xmlns:p14="http://schemas.microsoft.com/office/powerpoint/2010/main" val="745107369"/>
+        <p14:creationId xmlns:p14="http://schemas.microsoft.com/office/powerpoint/2010/main" val="4045059355"/>
       </p:ext>
     </p:extLst>
   </p:cSld>
@@ -4515,12 +6285,26 @@
         </p:nvSpPr>
         <p:spPr/>
         <p:txBody>
-          <a:bodyPr/>
-          <a:lstStyle/>
-          <a:p>
+          <a:bodyPr>
+            <a:normAutofit fontScale="90000"/>
+          </a:bodyPr>
+          <a:lstStyle/>
+          <a:p>
+            <a:r>
+              <a:rPr lang="zh-CN" altLang="en-US" dirty="0"/>
+              <a:t>实验</a:t>
+            </a:r>
+            <a:r>
+              <a:rPr lang="en-US" altLang="zh-CN" dirty="0"/>
+              <a:t>6</a:t>
+            </a:r>
+            <a:r>
+              <a:rPr lang="zh-CN" altLang="en-US" dirty="0"/>
+              <a:t>：软件进度计划与控制（</a:t>
+            </a:r>
             <a:r>
               <a:rPr lang="zh-CN" altLang="en-US" dirty="0" smtClean="0"/>
-              <a:t>总评提交问题清单</a:t>
+              <a:t>续）</a:t>
             </a:r>
             <a:endParaRPr lang="zh-CN" altLang="en-US" dirty="0"/>
           </a:p>
@@ -4541,14 +6325,78 @@
           <a:bodyPr/>
           <a:lstStyle/>
           <a:p>
-            <a:endParaRPr lang="zh-CN" altLang="en-US"/>
-          </a:p>
-        </p:txBody>
-      </p:sp>
+            <a:endParaRPr lang="zh-CN" altLang="en-US" b="1" dirty="0"/>
+          </a:p>
+        </p:txBody>
+      </p:sp>
+      <p:pic>
+        <p:nvPicPr>
+          <p:cNvPr id="1026" name="Picture 2"/>
+          <p:cNvPicPr>
+            <a:picLocks noChangeAspect="1" noChangeArrowheads="1"/>
+          </p:cNvPicPr>
+          <p:nvPr/>
+        </p:nvPicPr>
+        <p:blipFill>
+          <a:blip r:embed="rId2">
+            <a:extLst>
+              <a:ext uri="{28A0092B-C50C-407E-A947-70E740481C1C}">
+                <a14:useLocalDpi xmlns:a14="http://schemas.microsoft.com/office/drawing/2010/main" val="0"/>
+              </a:ext>
+            </a:extLst>
+          </a:blip>
+          <a:srcRect/>
+          <a:stretch>
+            <a:fillRect/>
+          </a:stretch>
+        </p:blipFill>
+        <p:spPr bwMode="auto">
+          <a:xfrm>
+            <a:off x="826673" y="1700808"/>
+            <a:ext cx="7085259" cy="4212509"/>
+          </a:xfrm>
+          <a:prstGeom prst="rect">
+            <a:avLst/>
+          </a:prstGeom>
+          <a:noFill/>
+          <a:ln>
+            <a:noFill/>
+          </a:ln>
+          <a:effectLst/>
+          <a:extLst>
+            <a:ext uri="{909E8E84-426E-40DD-AFC4-6F175D3DCCD1}">
+              <a14:hiddenFill xmlns:a14="http://schemas.microsoft.com/office/drawing/2010/main">
+                <a:solidFill>
+                  <a:schemeClr val="accent1"/>
+                </a:solidFill>
+              </a14:hiddenFill>
+            </a:ext>
+            <a:ext uri="{91240B29-F687-4F45-9708-019B960494DF}">
+              <a14:hiddenLine xmlns:a14="http://schemas.microsoft.com/office/drawing/2010/main" w="9525">
+                <a:solidFill>
+                  <a:schemeClr val="tx1"/>
+                </a:solidFill>
+                <a:miter lim="800000"/>
+                <a:headEnd/>
+                <a:tailEnd/>
+              </a14:hiddenLine>
+            </a:ext>
+            <a:ext uri="{AF507438-7753-43E0-B8FC-AC1667EBCBE1}">
+              <a14:hiddenEffects xmlns:a14="http://schemas.microsoft.com/office/drawing/2010/main">
+                <a:effectLst>
+                  <a:outerShdw dist="35921" dir="2700000" algn="ctr" rotWithShape="0">
+                    <a:schemeClr val="bg2"/>
+                  </a:outerShdw>
+                </a:effectLst>
+              </a14:hiddenEffects>
+            </a:ext>
+          </a:extLst>
+        </p:spPr>
+      </p:pic>
     </p:spTree>
     <p:extLst>
       <p:ext uri="{BB962C8B-B14F-4D97-AF65-F5344CB8AC3E}">
-        <p14:creationId xmlns:p14="http://schemas.microsoft.com/office/powerpoint/2010/main" val="3994174335"/>
+        <p14:creationId xmlns:p14="http://schemas.microsoft.com/office/powerpoint/2010/main" val="2195111828"/>
       </p:ext>
     </p:extLst>
   </p:cSld>

--- a/2.项目PPT/十七周-项目总结.pptx
+++ b/2.项目PPT/十七周-项目总结.pptx
@@ -136,7 +136,7 @@
   </p:defaultTextStyle>
   <p:extLst>
     <p:ext uri="{EFAFB233-063F-42B5-8137-9DF3F51BA10A}">
-      <p15:sldGuideLst xmlns:p15="http://schemas.microsoft.com/office/powerpoint/2012/main">
+      <p15:sldGuideLst xmlns:p15="http://schemas.microsoft.com/office/powerpoint/2012/main" xmlns="">
         <p15:guide id="1" orient="horz" pos="2160">
           <p15:clr>
             <a:srgbClr val="A4A3A4"/>
@@ -235,7 +235,7 @@
           <a:p>
             <a:fld id="{8F6F6E25-9D37-4D99-9DCD-164F752BFE5F}" type="datetimeFigureOut">
               <a:rPr lang="zh-CN" altLang="en-US" smtClean="0"/>
-              <a:t>16/6/24</a:t>
+              <a:t>2016/6/24</a:t>
             </a:fld>
             <a:endParaRPr lang="zh-CN" altLang="en-US"/>
           </a:p>
@@ -3209,7 +3209,7 @@
           <a:p>
             <a:fld id="{530820CF-B880-4189-942D-D702A7CBA730}" type="datetimeFigureOut">
               <a:rPr lang="zh-CN" altLang="en-US" smtClean="0"/>
-              <a:t>16/6/24</a:t>
+              <a:t>2016/6/24</a:t>
             </a:fld>
             <a:endParaRPr lang="zh-CN" altLang="en-US"/>
           </a:p>
@@ -3262,6 +3262,9 @@
   <p:clrMapOvr>
     <a:masterClrMapping/>
   </p:clrMapOvr>
+  <p:transition spd="slow">
+    <p:push dir="u"/>
+  </p:transition>
 </p:sldLayout>
 </file>
 
@@ -3374,7 +3377,7 @@
           <a:p>
             <a:fld id="{530820CF-B880-4189-942D-D702A7CBA730}" type="datetimeFigureOut">
               <a:rPr lang="zh-CN" altLang="en-US" smtClean="0"/>
-              <a:t>16/6/24</a:t>
+              <a:t>2016/6/24</a:t>
             </a:fld>
             <a:endParaRPr lang="zh-CN" altLang="en-US"/>
           </a:p>
@@ -3427,6 +3430,9 @@
   <p:clrMapOvr>
     <a:masterClrMapping/>
   </p:clrMapOvr>
+  <p:transition spd="slow">
+    <p:push dir="u"/>
+  </p:transition>
 </p:sldLayout>
 </file>
 
@@ -3549,7 +3555,7 @@
           <a:p>
             <a:fld id="{530820CF-B880-4189-942D-D702A7CBA730}" type="datetimeFigureOut">
               <a:rPr lang="zh-CN" altLang="en-US" smtClean="0"/>
-              <a:t>16/6/24</a:t>
+              <a:t>2016/6/24</a:t>
             </a:fld>
             <a:endParaRPr lang="zh-CN" altLang="en-US"/>
           </a:p>
@@ -3602,6 +3608,9 @@
   <p:clrMapOvr>
     <a:masterClrMapping/>
   </p:clrMapOvr>
+  <p:transition spd="slow">
+    <p:push dir="u"/>
+  </p:transition>
 </p:sldLayout>
 </file>
 
@@ -3714,7 +3723,7 @@
           <a:p>
             <a:fld id="{530820CF-B880-4189-942D-D702A7CBA730}" type="datetimeFigureOut">
               <a:rPr lang="zh-CN" altLang="en-US" smtClean="0"/>
-              <a:t>16/6/24</a:t>
+              <a:t>2016/6/24</a:t>
             </a:fld>
             <a:endParaRPr lang="zh-CN" altLang="en-US"/>
           </a:p>
@@ -3767,6 +3776,9 @@
   <p:clrMapOvr>
     <a:masterClrMapping/>
   </p:clrMapOvr>
+  <p:transition spd="slow">
+    <p:push dir="u"/>
+  </p:transition>
 </p:sldLayout>
 </file>
 
@@ -3955,7 +3967,7 @@
           <a:p>
             <a:fld id="{530820CF-B880-4189-942D-D702A7CBA730}" type="datetimeFigureOut">
               <a:rPr lang="zh-CN" altLang="en-US" smtClean="0"/>
-              <a:t>16/6/24</a:t>
+              <a:t>2016/6/24</a:t>
             </a:fld>
             <a:endParaRPr lang="zh-CN" altLang="en-US"/>
           </a:p>
@@ -4008,6 +4020,9 @@
   <p:clrMapOvr>
     <a:masterClrMapping/>
   </p:clrMapOvr>
+  <p:transition spd="slow">
+    <p:push dir="u"/>
+  </p:transition>
 </p:sldLayout>
 </file>
 
@@ -4238,7 +4253,7 @@
           <a:p>
             <a:fld id="{530820CF-B880-4189-942D-D702A7CBA730}" type="datetimeFigureOut">
               <a:rPr lang="zh-CN" altLang="en-US" smtClean="0"/>
-              <a:t>16/6/24</a:t>
+              <a:t>2016/6/24</a:t>
             </a:fld>
             <a:endParaRPr lang="zh-CN" altLang="en-US"/>
           </a:p>
@@ -4291,6 +4306,9 @@
   <p:clrMapOvr>
     <a:masterClrMapping/>
   </p:clrMapOvr>
+  <p:transition spd="slow">
+    <p:push dir="u"/>
+  </p:transition>
 </p:sldLayout>
 </file>
 
@@ -4655,7 +4673,7 @@
           <a:p>
             <a:fld id="{530820CF-B880-4189-942D-D702A7CBA730}" type="datetimeFigureOut">
               <a:rPr lang="zh-CN" altLang="en-US" smtClean="0"/>
-              <a:t>16/6/24</a:t>
+              <a:t>2016/6/24</a:t>
             </a:fld>
             <a:endParaRPr lang="zh-CN" altLang="en-US"/>
           </a:p>
@@ -4708,6 +4726,9 @@
   <p:clrMapOvr>
     <a:masterClrMapping/>
   </p:clrMapOvr>
+  <p:transition spd="slow">
+    <p:push dir="u"/>
+  </p:transition>
 </p:sldLayout>
 </file>
 
@@ -4768,7 +4789,7 @@
           <a:p>
             <a:fld id="{530820CF-B880-4189-942D-D702A7CBA730}" type="datetimeFigureOut">
               <a:rPr lang="zh-CN" altLang="en-US" smtClean="0"/>
-              <a:t>16/6/24</a:t>
+              <a:t>2016/6/24</a:t>
             </a:fld>
             <a:endParaRPr lang="zh-CN" altLang="en-US"/>
           </a:p>
@@ -4821,6 +4842,9 @@
   <p:clrMapOvr>
     <a:masterClrMapping/>
   </p:clrMapOvr>
+  <p:transition spd="slow">
+    <p:push dir="u"/>
+  </p:transition>
 </p:sldLayout>
 </file>
 
@@ -4858,7 +4882,7 @@
           <a:p>
             <a:fld id="{530820CF-B880-4189-942D-D702A7CBA730}" type="datetimeFigureOut">
               <a:rPr lang="zh-CN" altLang="en-US" smtClean="0"/>
-              <a:t>16/6/24</a:t>
+              <a:t>2016/6/24</a:t>
             </a:fld>
             <a:endParaRPr lang="zh-CN" altLang="en-US"/>
           </a:p>
@@ -4911,6 +4935,9 @@
   <p:clrMapOvr>
     <a:masterClrMapping/>
   </p:clrMapOvr>
+  <p:transition spd="slow">
+    <p:push dir="u"/>
+  </p:transition>
 </p:sldLayout>
 </file>
 
@@ -5130,7 +5157,7 @@
           <a:p>
             <a:fld id="{530820CF-B880-4189-942D-D702A7CBA730}" type="datetimeFigureOut">
               <a:rPr lang="zh-CN" altLang="en-US" smtClean="0"/>
-              <a:t>16/6/24</a:t>
+              <a:t>2016/6/24</a:t>
             </a:fld>
             <a:endParaRPr lang="zh-CN" altLang="en-US"/>
           </a:p>
@@ -5183,6 +5210,9 @@
   <p:clrMapOvr>
     <a:masterClrMapping/>
   </p:clrMapOvr>
+  <p:transition spd="slow">
+    <p:push dir="u"/>
+  </p:transition>
 </p:sldLayout>
 </file>
 
@@ -5378,7 +5408,7 @@
           <a:p>
             <a:fld id="{530820CF-B880-4189-942D-D702A7CBA730}" type="datetimeFigureOut">
               <a:rPr lang="zh-CN" altLang="en-US" smtClean="0"/>
-              <a:t>16/6/24</a:t>
+              <a:t>2016/6/24</a:t>
             </a:fld>
             <a:endParaRPr lang="zh-CN" altLang="en-US"/>
           </a:p>
@@ -5431,6 +5461,9 @@
   <p:clrMapOvr>
     <a:masterClrMapping/>
   </p:clrMapOvr>
+  <p:transition spd="slow">
+    <p:push dir="u"/>
+  </p:transition>
 </p:sldLayout>
 </file>
 
@@ -5586,7 +5619,7 @@
           <a:p>
             <a:fld id="{530820CF-B880-4189-942D-D702A7CBA730}" type="datetimeFigureOut">
               <a:rPr lang="zh-CN" altLang="en-US" smtClean="0"/>
-              <a:t>16/6/24</a:t>
+              <a:t>2016/6/24</a:t>
             </a:fld>
             <a:endParaRPr lang="zh-CN" altLang="en-US"/>
           </a:p>
@@ -5686,6 +5719,9 @@
     <p:sldLayoutId id="2147483658" r:id="rId10"/>
     <p:sldLayoutId id="2147483659" r:id="rId11"/>
   </p:sldLayoutIdLst>
+  <p:transition spd="slow">
+    <p:push dir="u"/>
+  </p:transition>
   <p:txStyles>
     <p:titleStyle>
       <a:lvl1pPr algn="ctr" defTabSz="914400" rtl="0" eaLnBrk="1" latinLnBrk="0" hangingPunct="1">
@@ -6051,6 +6087,16 @@
   <p:clrMapOvr>
     <a:masterClrMapping/>
   </p:clrMapOvr>
+  <p:transition spd="slow">
+    <p:push dir="u"/>
+  </p:transition>
+  <p:timing>
+    <p:tnLst>
+      <p:par>
+        <p:cTn id="1" dur="indefinite" restart="never" nodeType="tmRoot"/>
+      </p:par>
+    </p:tnLst>
+  </p:timing>
 </p:sld>
 </file>
 
@@ -6201,6 +6247,16 @@
   <p:clrMapOvr>
     <a:masterClrMapping/>
   </p:clrMapOvr>
+  <p:transition spd="slow">
+    <p:push dir="u"/>
+  </p:transition>
+  <p:timing>
+    <p:tnLst>
+      <p:par>
+        <p:cTn id="1" dur="indefinite" restart="never" nodeType="tmRoot"/>
+      </p:par>
+    </p:tnLst>
+  </p:timing>
 </p:sld>
 </file>
 
@@ -6246,11 +6302,7 @@
             </a:r>
             <a:r>
               <a:rPr lang="zh-CN" altLang="en-US" dirty="0" smtClean="0"/>
-              <a:t>：</a:t>
-            </a:r>
-            <a:r>
-              <a:rPr lang="zh-CN" altLang="en-US" dirty="0" smtClean="0"/>
-              <a:t>工作量统计与分析</a:t>
+              <a:t>：工作量统计与分析</a:t>
             </a:r>
             <a:endParaRPr lang="zh-CN" altLang="en-US" dirty="0"/>
           </a:p>
@@ -6275,11 +6327,7 @@
           <a:p>
             <a:r>
               <a:rPr lang="zh-CN" altLang="zh-CN" dirty="0"/>
-              <a:t>人员能力估计</a:t>
-            </a:r>
-            <a:r>
-              <a:rPr lang="zh-CN" altLang="zh-CN" dirty="0"/>
-              <a:t> </a:t>
+              <a:t>人员能力估计 </a:t>
             </a:r>
             <a:endParaRPr lang="zh-CN" altLang="en-US" dirty="0" smtClean="0"/>
           </a:p>
@@ -8021,6 +8069,9 @@
   <p:clrMapOvr>
     <a:masterClrMapping/>
   </p:clrMapOvr>
+  <p:transition spd="slow">
+    <p:push dir="u"/>
+  </p:transition>
   <p:timing>
     <p:tnLst>
       <p:par>
@@ -8197,15 +8248,7 @@
             </a:r>
             <a:r>
               <a:rPr lang="zh-CN" altLang="en-US" dirty="0" smtClean="0"/>
-              <a:t>分析（</a:t>
-            </a:r>
-            <a:r>
-              <a:rPr lang="zh-CN" altLang="en-US" dirty="0" smtClean="0"/>
-              <a:t>续</a:t>
-            </a:r>
-            <a:r>
-              <a:rPr lang="zh-CN" altLang="en-US" dirty="0" smtClean="0"/>
-              <a:t>）</a:t>
+              <a:t>分析（续）</a:t>
             </a:r>
             <a:endParaRPr kumimoji="1" lang="zh-CN" altLang="en-US" dirty="0"/>
           </a:p>
@@ -9645,6 +9688,9 @@
   <p:clrMapOvr>
     <a:masterClrMapping/>
   </p:clrMapOvr>
+  <p:transition spd="slow">
+    <p:push dir="u"/>
+  </p:transition>
   <p:timing>
     <p:tnLst>
       <p:par>
@@ -11064,6 +11110,9 @@
   <p:clrMapOvr>
     <a:masterClrMapping/>
   </p:clrMapOvr>
+  <p:transition spd="slow">
+    <p:push dir="u"/>
+  </p:transition>
   <p:timing>
     <p:tnLst>
       <p:par>
@@ -12498,6 +12547,9 @@
   <p:clrMapOvr>
     <a:masterClrMapping/>
   </p:clrMapOvr>
+  <p:transition spd="slow">
+    <p:push dir="u"/>
+  </p:transition>
   <p:timing>
     <p:tnLst>
       <p:par>
@@ -13872,6 +13924,9 @@
   <p:clrMapOvr>
     <a:masterClrMapping/>
   </p:clrMapOvr>
+  <p:transition spd="slow">
+    <p:push dir="u"/>
+  </p:transition>
   <p:timing>
     <p:tnLst>
       <p:par>
@@ -15273,6 +15328,9 @@
   <p:clrMapOvr>
     <a:masterClrMapping/>
   </p:clrMapOvr>
+  <p:transition spd="slow">
+    <p:push dir="u"/>
+  </p:transition>
   <p:timing>
     <p:tnLst>
       <p:par>
@@ -15537,6 +15595,9 @@
   <p:clrMapOvr>
     <a:masterClrMapping/>
   </p:clrMapOvr>
+  <p:transition spd="slow">
+    <p:push dir="u"/>
+  </p:transition>
   <p:timing>
     <p:tnLst>
       <p:par>
@@ -15871,6 +15932,9 @@
   <p:clrMapOvr>
     <a:masterClrMapping/>
   </p:clrMapOvr>
+  <p:transition spd="slow">
+    <p:push dir="u"/>
+  </p:transition>
   <p:timing>
     <p:tnLst>
       <p:par>
@@ -16200,6 +16264,9 @@
   <p:clrMapOvr>
     <a:masterClrMapping/>
   </p:clrMapOvr>
+  <p:transition spd="slow">
+    <p:push dir="u"/>
+  </p:transition>
   <p:timing>
     <p:tnLst>
       <p:par>
@@ -16528,23 +16595,20 @@
             </a:r>
             <a:r>
               <a:rPr lang="en-US" altLang="zh-CN" dirty="0" smtClean="0"/>
-              <a:t> commit 230+</a:t>
+              <a:t> commit </a:t>
+            </a:r>
+            <a:r>
+              <a:rPr lang="en-US" altLang="zh-CN" dirty="0" smtClean="0"/>
+              <a:t>240</a:t>
+            </a:r>
+            <a:r>
+              <a:rPr lang="en-US" altLang="zh-CN" dirty="0" smtClean="0"/>
+              <a:t>+</a:t>
             </a:r>
             <a:r>
               <a:rPr lang="zh-CN" altLang="en-US" dirty="0" smtClean="0"/>
               <a:t>次</a:t>
             </a:r>
-            <a:r>
-              <a:rPr lang="en-US" altLang="zh-CN" dirty="0" smtClean="0"/>
-              <a:t>/39</a:t>
-            </a:r>
-            <a:r>
-              <a:rPr lang="zh-CN" altLang="en-US" dirty="0" smtClean="0"/>
-              <a:t>测试用例</a:t>
-            </a:r>
-            <a:endParaRPr lang="en-US" altLang="zh-CN" dirty="0"/>
-          </a:p>
-          <a:p>
             <a:endParaRPr lang="zh-CN" altLang="en-US" dirty="0"/>
           </a:p>
         </p:txBody>
@@ -16559,6 +16623,286 @@
   <p:clrMapOvr>
     <a:masterClrMapping/>
   </p:clrMapOvr>
+  <p:transition spd="slow">
+    <p:push dir="u"/>
+  </p:transition>
+  <p:timing>
+    <p:tnLst>
+      <p:par>
+        <p:cTn id="1" dur="indefinite" restart="never" nodeType="tmRoot">
+          <p:childTnLst>
+            <p:seq concurrent="1" nextAc="seek">
+              <p:cTn id="2" dur="indefinite" nodeType="mainSeq">
+                <p:childTnLst>
+                  <p:par>
+                    <p:cTn id="3" fill="hold">
+                      <p:stCondLst>
+                        <p:cond delay="indefinite"/>
+                      </p:stCondLst>
+                      <p:childTnLst>
+                        <p:par>
+                          <p:cTn id="4" fill="hold">
+                            <p:stCondLst>
+                              <p:cond delay="0"/>
+                            </p:stCondLst>
+                            <p:childTnLst>
+                              <p:par>
+                                <p:cTn id="5" presetID="10" presetClass="entr" presetSubtype="0" fill="hold" grpId="0" nodeType="clickEffect">
+                                  <p:stCondLst>
+                                    <p:cond delay="0"/>
+                                  </p:stCondLst>
+                                  <p:childTnLst>
+                                    <p:set>
+                                      <p:cBhvr>
+                                        <p:cTn id="6" dur="1" fill="hold">
+                                          <p:stCondLst>
+                                            <p:cond delay="0"/>
+                                          </p:stCondLst>
+                                        </p:cTn>
+                                        <p:tgtEl>
+                                          <p:spTgt spid="3">
+                                            <p:txEl>
+                                              <p:pRg st="0" end="0"/>
+                                            </p:txEl>
+                                          </p:spTgt>
+                                        </p:tgtEl>
+                                        <p:attrNameLst>
+                                          <p:attrName>style.visibility</p:attrName>
+                                        </p:attrNameLst>
+                                      </p:cBhvr>
+                                      <p:to>
+                                        <p:strVal val="visible"/>
+                                      </p:to>
+                                    </p:set>
+                                    <p:animEffect transition="in" filter="fade">
+                                      <p:cBhvr>
+                                        <p:cTn id="7" dur="500"/>
+                                        <p:tgtEl>
+                                          <p:spTgt spid="3">
+                                            <p:txEl>
+                                              <p:pRg st="0" end="0"/>
+                                            </p:txEl>
+                                          </p:spTgt>
+                                        </p:tgtEl>
+                                      </p:cBhvr>
+                                    </p:animEffect>
+                                  </p:childTnLst>
+                                </p:cTn>
+                              </p:par>
+                            </p:childTnLst>
+                          </p:cTn>
+                        </p:par>
+                      </p:childTnLst>
+                    </p:cTn>
+                  </p:par>
+                  <p:par>
+                    <p:cTn id="8" fill="hold">
+                      <p:stCondLst>
+                        <p:cond delay="indefinite"/>
+                      </p:stCondLst>
+                      <p:childTnLst>
+                        <p:par>
+                          <p:cTn id="9" fill="hold">
+                            <p:stCondLst>
+                              <p:cond delay="0"/>
+                            </p:stCondLst>
+                            <p:childTnLst>
+                              <p:par>
+                                <p:cTn id="10" presetID="10" presetClass="entr" presetSubtype="0" fill="hold" grpId="0" nodeType="clickEffect">
+                                  <p:stCondLst>
+                                    <p:cond delay="0"/>
+                                  </p:stCondLst>
+                                  <p:childTnLst>
+                                    <p:set>
+                                      <p:cBhvr>
+                                        <p:cTn id="11" dur="1" fill="hold">
+                                          <p:stCondLst>
+                                            <p:cond delay="0"/>
+                                          </p:stCondLst>
+                                        </p:cTn>
+                                        <p:tgtEl>
+                                          <p:spTgt spid="3">
+                                            <p:txEl>
+                                              <p:pRg st="1" end="1"/>
+                                            </p:txEl>
+                                          </p:spTgt>
+                                        </p:tgtEl>
+                                        <p:attrNameLst>
+                                          <p:attrName>style.visibility</p:attrName>
+                                        </p:attrNameLst>
+                                      </p:cBhvr>
+                                      <p:to>
+                                        <p:strVal val="visible"/>
+                                      </p:to>
+                                    </p:set>
+                                    <p:animEffect transition="in" filter="fade">
+                                      <p:cBhvr>
+                                        <p:cTn id="12" dur="500"/>
+                                        <p:tgtEl>
+                                          <p:spTgt spid="3">
+                                            <p:txEl>
+                                              <p:pRg st="1" end="1"/>
+                                            </p:txEl>
+                                          </p:spTgt>
+                                        </p:tgtEl>
+                                      </p:cBhvr>
+                                    </p:animEffect>
+                                  </p:childTnLst>
+                                </p:cTn>
+                              </p:par>
+                            </p:childTnLst>
+                          </p:cTn>
+                        </p:par>
+                      </p:childTnLst>
+                    </p:cTn>
+                  </p:par>
+                  <p:par>
+                    <p:cTn id="13" fill="hold">
+                      <p:stCondLst>
+                        <p:cond delay="indefinite"/>
+                      </p:stCondLst>
+                      <p:childTnLst>
+                        <p:par>
+                          <p:cTn id="14" fill="hold">
+                            <p:stCondLst>
+                              <p:cond delay="0"/>
+                            </p:stCondLst>
+                            <p:childTnLst>
+                              <p:par>
+                                <p:cTn id="15" presetID="10" presetClass="entr" presetSubtype="0" fill="hold" grpId="0" nodeType="clickEffect">
+                                  <p:stCondLst>
+                                    <p:cond delay="0"/>
+                                  </p:stCondLst>
+                                  <p:childTnLst>
+                                    <p:set>
+                                      <p:cBhvr>
+                                        <p:cTn id="16" dur="1" fill="hold">
+                                          <p:stCondLst>
+                                            <p:cond delay="0"/>
+                                          </p:stCondLst>
+                                        </p:cTn>
+                                        <p:tgtEl>
+                                          <p:spTgt spid="3">
+                                            <p:txEl>
+                                              <p:pRg st="2" end="2"/>
+                                            </p:txEl>
+                                          </p:spTgt>
+                                        </p:tgtEl>
+                                        <p:attrNameLst>
+                                          <p:attrName>style.visibility</p:attrName>
+                                        </p:attrNameLst>
+                                      </p:cBhvr>
+                                      <p:to>
+                                        <p:strVal val="visible"/>
+                                      </p:to>
+                                    </p:set>
+                                    <p:animEffect transition="in" filter="fade">
+                                      <p:cBhvr>
+                                        <p:cTn id="17" dur="500"/>
+                                        <p:tgtEl>
+                                          <p:spTgt spid="3">
+                                            <p:txEl>
+                                              <p:pRg st="2" end="2"/>
+                                            </p:txEl>
+                                          </p:spTgt>
+                                        </p:tgtEl>
+                                      </p:cBhvr>
+                                    </p:animEffect>
+                                  </p:childTnLst>
+                                </p:cTn>
+                              </p:par>
+                            </p:childTnLst>
+                          </p:cTn>
+                        </p:par>
+                      </p:childTnLst>
+                    </p:cTn>
+                  </p:par>
+                  <p:par>
+                    <p:cTn id="18" fill="hold">
+                      <p:stCondLst>
+                        <p:cond delay="indefinite"/>
+                      </p:stCondLst>
+                      <p:childTnLst>
+                        <p:par>
+                          <p:cTn id="19" fill="hold">
+                            <p:stCondLst>
+                              <p:cond delay="0"/>
+                            </p:stCondLst>
+                            <p:childTnLst>
+                              <p:par>
+                                <p:cTn id="20" presetID="10" presetClass="entr" presetSubtype="0" fill="hold" grpId="0" nodeType="clickEffect">
+                                  <p:stCondLst>
+                                    <p:cond delay="0"/>
+                                  </p:stCondLst>
+                                  <p:childTnLst>
+                                    <p:set>
+                                      <p:cBhvr>
+                                        <p:cTn id="21" dur="1" fill="hold">
+                                          <p:stCondLst>
+                                            <p:cond delay="0"/>
+                                          </p:stCondLst>
+                                        </p:cTn>
+                                        <p:tgtEl>
+                                          <p:spTgt spid="3">
+                                            <p:txEl>
+                                              <p:pRg st="3" end="3"/>
+                                            </p:txEl>
+                                          </p:spTgt>
+                                        </p:tgtEl>
+                                        <p:attrNameLst>
+                                          <p:attrName>style.visibility</p:attrName>
+                                        </p:attrNameLst>
+                                      </p:cBhvr>
+                                      <p:to>
+                                        <p:strVal val="visible"/>
+                                      </p:to>
+                                    </p:set>
+                                    <p:animEffect transition="in" filter="fade">
+                                      <p:cBhvr>
+                                        <p:cTn id="22" dur="500"/>
+                                        <p:tgtEl>
+                                          <p:spTgt spid="3">
+                                            <p:txEl>
+                                              <p:pRg st="3" end="3"/>
+                                            </p:txEl>
+                                          </p:spTgt>
+                                        </p:tgtEl>
+                                      </p:cBhvr>
+                                    </p:animEffect>
+                                  </p:childTnLst>
+                                </p:cTn>
+                              </p:par>
+                            </p:childTnLst>
+                          </p:cTn>
+                        </p:par>
+                      </p:childTnLst>
+                    </p:cTn>
+                  </p:par>
+                </p:childTnLst>
+              </p:cTn>
+              <p:prevCondLst>
+                <p:cond evt="onPrev" delay="0">
+                  <p:tgtEl>
+                    <p:sldTgt/>
+                  </p:tgtEl>
+                </p:cond>
+              </p:prevCondLst>
+              <p:nextCondLst>
+                <p:cond evt="onNext" delay="0">
+                  <p:tgtEl>
+                    <p:sldTgt/>
+                  </p:tgtEl>
+                </p:cond>
+              </p:nextCondLst>
+            </p:seq>
+          </p:childTnLst>
+        </p:cTn>
+      </p:par>
+    </p:tnLst>
+    <p:bldLst>
+      <p:bldP spid="3" grpId="0" uiExpand="1" build="p"/>
+    </p:bldLst>
+  </p:timing>
 </p:sld>
 </file>
 
@@ -16680,6 +17024,9 @@
   <p:clrMapOvr>
     <a:masterClrMapping/>
   </p:clrMapOvr>
+  <p:transition spd="slow">
+    <p:push dir="u"/>
+  </p:transition>
   <p:timing>
     <p:tnLst>
       <p:par>
@@ -17102,6 +17449,9 @@
   <p:clrMapOvr>
     <a:masterClrMapping/>
   </p:clrMapOvr>
+  <p:transition spd="slow">
+    <p:push dir="u"/>
+  </p:transition>
   <p:timing>
     <p:tnLst>
       <p:par>
@@ -17519,6 +17869,9 @@
   <p:clrMapOvr>
     <a:masterClrMapping/>
   </p:clrMapOvr>
+  <p:transition spd="slow">
+    <p:push dir="u"/>
+  </p:transition>
   <p:timing>
     <p:tnLst>
       <p:par>
@@ -17779,6 +18132,9 @@
   <p:clrMapOvr>
     <a:masterClrMapping/>
   </p:clrMapOvr>
+  <p:transition spd="slow">
+    <p:push dir="u"/>
+  </p:transition>
   <p:timing>
     <p:tnLst>
       <p:par>
@@ -17845,56 +18201,32 @@
           <a:lstStyle/>
           <a:p>
             <a:r>
-              <a:rPr lang="en-US" altLang="zh-CN" dirty="0"/>
-              <a:t>RUCM</a:t>
-            </a:r>
-            <a:r>
               <a:rPr lang="zh-CN" altLang="en-US" dirty="0"/>
-              <a:t>和用例问题（</a:t>
-            </a:r>
-            <a:r>
-              <a:rPr lang="en-US" altLang="zh-CN" dirty="0"/>
-              <a:t>A</a:t>
-            </a:r>
-            <a:r>
-              <a:rPr lang="zh-CN" altLang="en-US" dirty="0"/>
-              <a:t>组，</a:t>
-            </a:r>
-            <a:r>
-              <a:rPr lang="en-US" altLang="zh-CN" dirty="0"/>
-              <a:t>E</a:t>
-            </a:r>
-            <a:r>
-              <a:rPr lang="zh-CN" altLang="en-US" dirty="0"/>
-              <a:t>组，</a:t>
-            </a:r>
-            <a:r>
-              <a:rPr lang="en-US" altLang="zh-CN" dirty="0"/>
-              <a:t>H</a:t>
-            </a:r>
-            <a:r>
-              <a:rPr lang="zh-CN" altLang="en-US" dirty="0"/>
-              <a:t>组）</a:t>
+              <a:t>总评评审意见</a:t>
+            </a:r>
+            <a:r>
+              <a:rPr lang="zh-CN" altLang="en-US" dirty="0" smtClean="0"/>
+              <a:t>单</a:t>
+            </a:r>
+            <a:r>
+              <a:rPr lang="en-US" altLang="zh-CN" dirty="0" smtClean="0"/>
+              <a:t>.</a:t>
+            </a:r>
+            <a:r>
+              <a:rPr lang="en-US" altLang="zh-CN" dirty="0" err="1" smtClean="0"/>
+              <a:t>docx</a:t>
+            </a:r>
+            <a:endParaRPr lang="en-US" altLang="zh-CN" dirty="0" smtClean="0"/>
+          </a:p>
+          <a:p>
+            <a:r>
+              <a:rPr lang="zh-CN" altLang="en-US" dirty="0" smtClean="0"/>
+              <a:t>已上传到论坛</a:t>
             </a:r>
             <a:endParaRPr lang="en-US" altLang="zh-CN" dirty="0"/>
           </a:p>
           <a:p>
-            <a:r>
-              <a:rPr lang="zh-CN" altLang="en-US" dirty="0"/>
-              <a:t>需求对应关系问题（</a:t>
-            </a:r>
-            <a:r>
-              <a:rPr lang="en-US" altLang="zh-CN" dirty="0"/>
-              <a:t>A</a:t>
-            </a:r>
-            <a:r>
-              <a:rPr lang="zh-CN" altLang="en-US" dirty="0"/>
-              <a:t>组）</a:t>
-            </a:r>
-            <a:endParaRPr lang="en-US" altLang="zh-CN"/>
-          </a:p>
-          <a:p>
-            <a:endParaRPr lang="zh-CN" altLang="en-US"/>
+            <a:endParaRPr lang="zh-CN" altLang="en-US" dirty="0"/>
           </a:p>
         </p:txBody>
       </p:sp>
@@ -17908,6 +18240,164 @@
   <p:clrMapOvr>
     <a:masterClrMapping/>
   </p:clrMapOvr>
+  <p:transition spd="slow">
+    <p:push dir="u"/>
+  </p:transition>
+  <p:timing>
+    <p:tnLst>
+      <p:par>
+        <p:cTn id="1" dur="indefinite" restart="never" nodeType="tmRoot">
+          <p:childTnLst>
+            <p:seq concurrent="1" nextAc="seek">
+              <p:cTn id="2" dur="indefinite" nodeType="mainSeq">
+                <p:childTnLst>
+                  <p:par>
+                    <p:cTn id="3" fill="hold">
+                      <p:stCondLst>
+                        <p:cond delay="indefinite"/>
+                      </p:stCondLst>
+                      <p:childTnLst>
+                        <p:par>
+                          <p:cTn id="4" fill="hold">
+                            <p:stCondLst>
+                              <p:cond delay="0"/>
+                            </p:stCondLst>
+                            <p:childTnLst>
+                              <p:par>
+                                <p:cTn id="5" presetID="10" presetClass="entr" presetSubtype="0" fill="hold" grpId="0" nodeType="clickEffect">
+                                  <p:stCondLst>
+                                    <p:cond delay="0"/>
+                                  </p:stCondLst>
+                                  <p:childTnLst>
+                                    <p:set>
+                                      <p:cBhvr>
+                                        <p:cTn id="6" dur="1" fill="hold">
+                                          <p:stCondLst>
+                                            <p:cond delay="0"/>
+                                          </p:stCondLst>
+                                        </p:cTn>
+                                        <p:tgtEl>
+                                          <p:spTgt spid="3">
+                                            <p:txEl>
+                                              <p:pRg st="0" end="0"/>
+                                            </p:txEl>
+                                          </p:spTgt>
+                                        </p:tgtEl>
+                                        <p:attrNameLst>
+                                          <p:attrName>style.visibility</p:attrName>
+                                        </p:attrNameLst>
+                                      </p:cBhvr>
+                                      <p:to>
+                                        <p:strVal val="visible"/>
+                                      </p:to>
+                                    </p:set>
+                                    <p:animEffect transition="in" filter="fade">
+                                      <p:cBhvr>
+                                        <p:cTn id="7" dur="500"/>
+                                        <p:tgtEl>
+                                          <p:spTgt spid="3">
+                                            <p:txEl>
+                                              <p:pRg st="0" end="0"/>
+                                            </p:txEl>
+                                          </p:spTgt>
+                                        </p:tgtEl>
+                                      </p:cBhvr>
+                                    </p:animEffect>
+                                  </p:childTnLst>
+                                </p:cTn>
+                              </p:par>
+                            </p:childTnLst>
+                          </p:cTn>
+                        </p:par>
+                      </p:childTnLst>
+                    </p:cTn>
+                  </p:par>
+                  <p:par>
+                    <p:cTn id="8" fill="hold">
+                      <p:stCondLst>
+                        <p:cond delay="indefinite"/>
+                      </p:stCondLst>
+                      <p:childTnLst>
+                        <p:par>
+                          <p:cTn id="9" fill="hold">
+                            <p:stCondLst>
+                              <p:cond delay="0"/>
+                            </p:stCondLst>
+                            <p:childTnLst>
+                              <p:par>
+                                <p:cTn id="10" presetID="10" presetClass="entr" presetSubtype="0" fill="hold" grpId="0" nodeType="clickEffect">
+                                  <p:stCondLst>
+                                    <p:cond delay="0"/>
+                                  </p:stCondLst>
+                                  <p:childTnLst>
+                                    <p:set>
+                                      <p:cBhvr>
+                                        <p:cTn id="11" dur="1" fill="hold">
+                                          <p:stCondLst>
+                                            <p:cond delay="0"/>
+                                          </p:stCondLst>
+                                        </p:cTn>
+                                        <p:tgtEl>
+                                          <p:spTgt spid="3">
+                                            <p:txEl>
+                                              <p:pRg st="1" end="1"/>
+                                            </p:txEl>
+                                          </p:spTgt>
+                                        </p:tgtEl>
+                                        <p:attrNameLst>
+                                          <p:attrName>style.visibility</p:attrName>
+                                        </p:attrNameLst>
+                                      </p:cBhvr>
+                                      <p:to>
+                                        <p:strVal val="visible"/>
+                                      </p:to>
+                                    </p:set>
+                                    <p:animEffect transition="in" filter="fade">
+                                      <p:cBhvr>
+                                        <p:cTn id="12" dur="500"/>
+                                        <p:tgtEl>
+                                          <p:spTgt spid="3">
+                                            <p:txEl>
+                                              <p:pRg st="1" end="1"/>
+                                            </p:txEl>
+                                          </p:spTgt>
+                                        </p:tgtEl>
+                                      </p:cBhvr>
+                                    </p:animEffect>
+                                  </p:childTnLst>
+                                </p:cTn>
+                              </p:par>
+                            </p:childTnLst>
+                          </p:cTn>
+                        </p:par>
+                      </p:childTnLst>
+                    </p:cTn>
+                  </p:par>
+                </p:childTnLst>
+              </p:cTn>
+              <p:prevCondLst>
+                <p:cond evt="onPrev" delay="0">
+                  <p:tgtEl>
+                    <p:sldTgt/>
+                  </p:tgtEl>
+                </p:cond>
+              </p:prevCondLst>
+              <p:nextCondLst>
+                <p:cond evt="onNext" delay="0">
+                  <p:tgtEl>
+                    <p:sldTgt/>
+                  </p:tgtEl>
+                </p:cond>
+              </p:nextCondLst>
+            </p:seq>
+          </p:childTnLst>
+        </p:cTn>
+      </p:par>
+    </p:tnLst>
+    <p:bldLst>
+      <p:bldP spid="3" grpId="0" build="p"/>
+    </p:bldLst>
+  </p:timing>
 </p:sld>
 </file>
 
@@ -18017,11 +18507,7 @@
             </a:r>
             <a:r>
               <a:rPr lang="zh-CN" altLang="zh-CN" dirty="0"/>
-              <a:t>解决方法。</a:t>
-            </a:r>
-            <a:r>
-              <a:rPr lang="zh-CN" altLang="zh-CN" dirty="0"/>
-              <a:t> </a:t>
+              <a:t>解决方法。 </a:t>
             </a:r>
             <a:endParaRPr kumimoji="1" lang="zh-CN" altLang="en-US" dirty="0" smtClean="0"/>
           </a:p>
@@ -18040,6 +18526,9 @@
   <p:clrMapOvr>
     <a:masterClrMapping/>
   </p:clrMapOvr>
+  <p:transition spd="slow">
+    <p:push dir="u"/>
+  </p:transition>
   <p:timing>
     <p:tnLst>
       <p:par>
@@ -18297,6 +18786,9 @@
   <p:clrMapOvr>
     <a:masterClrMapping/>
   </p:clrMapOvr>
+  <p:transition spd="slow">
+    <p:push dir="u"/>
+  </p:transition>
   <p:timing>
     <p:tnLst>
       <p:par>
@@ -18697,6 +19189,9 @@
   <p:clrMapOvr>
     <a:masterClrMapping/>
   </p:clrMapOvr>
+  <p:transition spd="slow">
+    <p:push dir="u"/>
+  </p:transition>
   <p:timing>
     <p:tnLst>
       <p:par>
@@ -19126,6 +19621,9 @@
   <p:clrMapOvr>
     <a:masterClrMapping/>
   </p:clrMapOvr>
+  <p:transition spd="slow">
+    <p:push dir="u"/>
+  </p:transition>
   <p:timing>
     <p:tnLst>
       <p:par>
@@ -19511,7 +20009,7 @@
           <a:lstStyle/>
           <a:p>
             <a:r>
-              <a:rPr lang="en-US" altLang="zh-CN" smtClean="0"/>
+              <a:rPr lang="en-US" altLang="zh-CN" dirty="0" err="1" smtClean="0"/>
               <a:t>Nginx</a:t>
             </a:r>
             <a:r>
@@ -19627,6 +20125,469 @@
   <p:clrMapOvr>
     <a:masterClrMapping/>
   </p:clrMapOvr>
+  <p:transition spd="slow">
+    <p:push dir="u"/>
+  </p:transition>
+  <p:timing>
+    <p:tnLst>
+      <p:par>
+        <p:cTn id="1" dur="indefinite" restart="never" nodeType="tmRoot">
+          <p:childTnLst>
+            <p:seq concurrent="1" nextAc="seek">
+              <p:cTn id="2" dur="indefinite" nodeType="mainSeq">
+                <p:childTnLst>
+                  <p:par>
+                    <p:cTn id="3" fill="hold">
+                      <p:stCondLst>
+                        <p:cond delay="indefinite"/>
+                      </p:stCondLst>
+                      <p:childTnLst>
+                        <p:par>
+                          <p:cTn id="4" fill="hold">
+                            <p:stCondLst>
+                              <p:cond delay="0"/>
+                            </p:stCondLst>
+                            <p:childTnLst>
+                              <p:par>
+                                <p:cTn id="5" presetID="10" presetClass="entr" presetSubtype="0" fill="hold" grpId="0" nodeType="clickEffect">
+                                  <p:stCondLst>
+                                    <p:cond delay="0"/>
+                                  </p:stCondLst>
+                                  <p:childTnLst>
+                                    <p:set>
+                                      <p:cBhvr>
+                                        <p:cTn id="6" dur="1" fill="hold">
+                                          <p:stCondLst>
+                                            <p:cond delay="0"/>
+                                          </p:stCondLst>
+                                        </p:cTn>
+                                        <p:tgtEl>
+                                          <p:spTgt spid="3">
+                                            <p:txEl>
+                                              <p:pRg st="0" end="0"/>
+                                            </p:txEl>
+                                          </p:spTgt>
+                                        </p:tgtEl>
+                                        <p:attrNameLst>
+                                          <p:attrName>style.visibility</p:attrName>
+                                        </p:attrNameLst>
+                                      </p:cBhvr>
+                                      <p:to>
+                                        <p:strVal val="visible"/>
+                                      </p:to>
+                                    </p:set>
+                                    <p:animEffect transition="in" filter="fade">
+                                      <p:cBhvr>
+                                        <p:cTn id="7" dur="500"/>
+                                        <p:tgtEl>
+                                          <p:spTgt spid="3">
+                                            <p:txEl>
+                                              <p:pRg st="0" end="0"/>
+                                            </p:txEl>
+                                          </p:spTgt>
+                                        </p:tgtEl>
+                                      </p:cBhvr>
+                                    </p:animEffect>
+                                  </p:childTnLst>
+                                </p:cTn>
+                              </p:par>
+                            </p:childTnLst>
+                          </p:cTn>
+                        </p:par>
+                      </p:childTnLst>
+                    </p:cTn>
+                  </p:par>
+                  <p:par>
+                    <p:cTn id="8" fill="hold">
+                      <p:stCondLst>
+                        <p:cond delay="indefinite"/>
+                      </p:stCondLst>
+                      <p:childTnLst>
+                        <p:par>
+                          <p:cTn id="9" fill="hold">
+                            <p:stCondLst>
+                              <p:cond delay="0"/>
+                            </p:stCondLst>
+                            <p:childTnLst>
+                              <p:par>
+                                <p:cTn id="10" presetID="10" presetClass="entr" presetSubtype="0" fill="hold" grpId="0" nodeType="clickEffect">
+                                  <p:stCondLst>
+                                    <p:cond delay="0"/>
+                                  </p:stCondLst>
+                                  <p:childTnLst>
+                                    <p:set>
+                                      <p:cBhvr>
+                                        <p:cTn id="11" dur="1" fill="hold">
+                                          <p:stCondLst>
+                                            <p:cond delay="0"/>
+                                          </p:stCondLst>
+                                        </p:cTn>
+                                        <p:tgtEl>
+                                          <p:spTgt spid="3">
+                                            <p:txEl>
+                                              <p:pRg st="1" end="1"/>
+                                            </p:txEl>
+                                          </p:spTgt>
+                                        </p:tgtEl>
+                                        <p:attrNameLst>
+                                          <p:attrName>style.visibility</p:attrName>
+                                        </p:attrNameLst>
+                                      </p:cBhvr>
+                                      <p:to>
+                                        <p:strVal val="visible"/>
+                                      </p:to>
+                                    </p:set>
+                                    <p:animEffect transition="in" filter="fade">
+                                      <p:cBhvr>
+                                        <p:cTn id="12" dur="500"/>
+                                        <p:tgtEl>
+                                          <p:spTgt spid="3">
+                                            <p:txEl>
+                                              <p:pRg st="1" end="1"/>
+                                            </p:txEl>
+                                          </p:spTgt>
+                                        </p:tgtEl>
+                                      </p:cBhvr>
+                                    </p:animEffect>
+                                  </p:childTnLst>
+                                </p:cTn>
+                              </p:par>
+                            </p:childTnLst>
+                          </p:cTn>
+                        </p:par>
+                      </p:childTnLst>
+                    </p:cTn>
+                  </p:par>
+                  <p:par>
+                    <p:cTn id="13" fill="hold">
+                      <p:stCondLst>
+                        <p:cond delay="indefinite"/>
+                      </p:stCondLst>
+                      <p:childTnLst>
+                        <p:par>
+                          <p:cTn id="14" fill="hold">
+                            <p:stCondLst>
+                              <p:cond delay="0"/>
+                            </p:stCondLst>
+                            <p:childTnLst>
+                              <p:par>
+                                <p:cTn id="15" presetID="10" presetClass="entr" presetSubtype="0" fill="hold" grpId="0" nodeType="clickEffect">
+                                  <p:stCondLst>
+                                    <p:cond delay="0"/>
+                                  </p:stCondLst>
+                                  <p:childTnLst>
+                                    <p:set>
+                                      <p:cBhvr>
+                                        <p:cTn id="16" dur="1" fill="hold">
+                                          <p:stCondLst>
+                                            <p:cond delay="0"/>
+                                          </p:stCondLst>
+                                        </p:cTn>
+                                        <p:tgtEl>
+                                          <p:spTgt spid="3">
+                                            <p:txEl>
+                                              <p:pRg st="2" end="2"/>
+                                            </p:txEl>
+                                          </p:spTgt>
+                                        </p:tgtEl>
+                                        <p:attrNameLst>
+                                          <p:attrName>style.visibility</p:attrName>
+                                        </p:attrNameLst>
+                                      </p:cBhvr>
+                                      <p:to>
+                                        <p:strVal val="visible"/>
+                                      </p:to>
+                                    </p:set>
+                                    <p:animEffect transition="in" filter="fade">
+                                      <p:cBhvr>
+                                        <p:cTn id="17" dur="500"/>
+                                        <p:tgtEl>
+                                          <p:spTgt spid="3">
+                                            <p:txEl>
+                                              <p:pRg st="2" end="2"/>
+                                            </p:txEl>
+                                          </p:spTgt>
+                                        </p:tgtEl>
+                                      </p:cBhvr>
+                                    </p:animEffect>
+                                  </p:childTnLst>
+                                </p:cTn>
+                              </p:par>
+                            </p:childTnLst>
+                          </p:cTn>
+                        </p:par>
+                      </p:childTnLst>
+                    </p:cTn>
+                  </p:par>
+                  <p:par>
+                    <p:cTn id="18" fill="hold">
+                      <p:stCondLst>
+                        <p:cond delay="indefinite"/>
+                      </p:stCondLst>
+                      <p:childTnLst>
+                        <p:par>
+                          <p:cTn id="19" fill="hold">
+                            <p:stCondLst>
+                              <p:cond delay="0"/>
+                            </p:stCondLst>
+                            <p:childTnLst>
+                              <p:par>
+                                <p:cTn id="20" presetID="10" presetClass="entr" presetSubtype="0" fill="hold" grpId="0" nodeType="clickEffect">
+                                  <p:stCondLst>
+                                    <p:cond delay="0"/>
+                                  </p:stCondLst>
+                                  <p:childTnLst>
+                                    <p:set>
+                                      <p:cBhvr>
+                                        <p:cTn id="21" dur="1" fill="hold">
+                                          <p:stCondLst>
+                                            <p:cond delay="0"/>
+                                          </p:stCondLst>
+                                        </p:cTn>
+                                        <p:tgtEl>
+                                          <p:spTgt spid="3">
+                                            <p:txEl>
+                                              <p:pRg st="3" end="3"/>
+                                            </p:txEl>
+                                          </p:spTgt>
+                                        </p:tgtEl>
+                                        <p:attrNameLst>
+                                          <p:attrName>style.visibility</p:attrName>
+                                        </p:attrNameLst>
+                                      </p:cBhvr>
+                                      <p:to>
+                                        <p:strVal val="visible"/>
+                                      </p:to>
+                                    </p:set>
+                                    <p:animEffect transition="in" filter="fade">
+                                      <p:cBhvr>
+                                        <p:cTn id="22" dur="500"/>
+                                        <p:tgtEl>
+                                          <p:spTgt spid="3">
+                                            <p:txEl>
+                                              <p:pRg st="3" end="3"/>
+                                            </p:txEl>
+                                          </p:spTgt>
+                                        </p:tgtEl>
+                                      </p:cBhvr>
+                                    </p:animEffect>
+                                  </p:childTnLst>
+                                </p:cTn>
+                              </p:par>
+                            </p:childTnLst>
+                          </p:cTn>
+                        </p:par>
+                      </p:childTnLst>
+                    </p:cTn>
+                  </p:par>
+                  <p:par>
+                    <p:cTn id="23" fill="hold">
+                      <p:stCondLst>
+                        <p:cond delay="indefinite"/>
+                      </p:stCondLst>
+                      <p:childTnLst>
+                        <p:par>
+                          <p:cTn id="24" fill="hold">
+                            <p:stCondLst>
+                              <p:cond delay="0"/>
+                            </p:stCondLst>
+                            <p:childTnLst>
+                              <p:par>
+                                <p:cTn id="25" presetID="10" presetClass="entr" presetSubtype="0" fill="hold" grpId="0" nodeType="clickEffect">
+                                  <p:stCondLst>
+                                    <p:cond delay="0"/>
+                                  </p:stCondLst>
+                                  <p:childTnLst>
+                                    <p:set>
+                                      <p:cBhvr>
+                                        <p:cTn id="26" dur="1" fill="hold">
+                                          <p:stCondLst>
+                                            <p:cond delay="0"/>
+                                          </p:stCondLst>
+                                        </p:cTn>
+                                        <p:tgtEl>
+                                          <p:spTgt spid="3">
+                                            <p:txEl>
+                                              <p:pRg st="4" end="4"/>
+                                            </p:txEl>
+                                          </p:spTgt>
+                                        </p:tgtEl>
+                                        <p:attrNameLst>
+                                          <p:attrName>style.visibility</p:attrName>
+                                        </p:attrNameLst>
+                                      </p:cBhvr>
+                                      <p:to>
+                                        <p:strVal val="visible"/>
+                                      </p:to>
+                                    </p:set>
+                                    <p:animEffect transition="in" filter="fade">
+                                      <p:cBhvr>
+                                        <p:cTn id="27" dur="500"/>
+                                        <p:tgtEl>
+                                          <p:spTgt spid="3">
+                                            <p:txEl>
+                                              <p:pRg st="4" end="4"/>
+                                            </p:txEl>
+                                          </p:spTgt>
+                                        </p:tgtEl>
+                                      </p:cBhvr>
+                                    </p:animEffect>
+                                  </p:childTnLst>
+                                </p:cTn>
+                              </p:par>
+                            </p:childTnLst>
+                          </p:cTn>
+                        </p:par>
+                      </p:childTnLst>
+                    </p:cTn>
+                  </p:par>
+                  <p:par>
+                    <p:cTn id="28" fill="hold">
+                      <p:stCondLst>
+                        <p:cond delay="indefinite"/>
+                      </p:stCondLst>
+                      <p:childTnLst>
+                        <p:par>
+                          <p:cTn id="29" fill="hold">
+                            <p:stCondLst>
+                              <p:cond delay="0"/>
+                            </p:stCondLst>
+                            <p:childTnLst>
+                              <p:par>
+                                <p:cTn id="30" presetID="10" presetClass="entr" presetSubtype="0" fill="hold" grpId="0" nodeType="clickEffect">
+                                  <p:stCondLst>
+                                    <p:cond delay="0"/>
+                                  </p:stCondLst>
+                                  <p:childTnLst>
+                                    <p:set>
+                                      <p:cBhvr>
+                                        <p:cTn id="31" dur="1" fill="hold">
+                                          <p:stCondLst>
+                                            <p:cond delay="0"/>
+                                          </p:stCondLst>
+                                        </p:cTn>
+                                        <p:tgtEl>
+                                          <p:spTgt spid="3">
+                                            <p:txEl>
+                                              <p:pRg st="5" end="5"/>
+                                            </p:txEl>
+                                          </p:spTgt>
+                                        </p:tgtEl>
+                                        <p:attrNameLst>
+                                          <p:attrName>style.visibility</p:attrName>
+                                        </p:attrNameLst>
+                                      </p:cBhvr>
+                                      <p:to>
+                                        <p:strVal val="visible"/>
+                                      </p:to>
+                                    </p:set>
+                                    <p:animEffect transition="in" filter="fade">
+                                      <p:cBhvr>
+                                        <p:cTn id="32" dur="500"/>
+                                        <p:tgtEl>
+                                          <p:spTgt spid="3">
+                                            <p:txEl>
+                                              <p:pRg st="5" end="5"/>
+                                            </p:txEl>
+                                          </p:spTgt>
+                                        </p:tgtEl>
+                                      </p:cBhvr>
+                                    </p:animEffect>
+                                  </p:childTnLst>
+                                </p:cTn>
+                              </p:par>
+                            </p:childTnLst>
+                          </p:cTn>
+                        </p:par>
+                      </p:childTnLst>
+                    </p:cTn>
+                  </p:par>
+                  <p:par>
+                    <p:cTn id="33" fill="hold">
+                      <p:stCondLst>
+                        <p:cond delay="indefinite"/>
+                      </p:stCondLst>
+                      <p:childTnLst>
+                        <p:par>
+                          <p:cTn id="34" fill="hold">
+                            <p:stCondLst>
+                              <p:cond delay="0"/>
+                            </p:stCondLst>
+                            <p:childTnLst>
+                              <p:par>
+                                <p:cTn id="35" presetID="10" presetClass="entr" presetSubtype="0" fill="hold" grpId="0" nodeType="clickEffect">
+                                  <p:stCondLst>
+                                    <p:cond delay="0"/>
+                                  </p:stCondLst>
+                                  <p:childTnLst>
+                                    <p:set>
+                                      <p:cBhvr>
+                                        <p:cTn id="36" dur="1" fill="hold">
+                                          <p:stCondLst>
+                                            <p:cond delay="0"/>
+                                          </p:stCondLst>
+                                        </p:cTn>
+                                        <p:tgtEl>
+                                          <p:spTgt spid="3">
+                                            <p:txEl>
+                                              <p:pRg st="6" end="6"/>
+                                            </p:txEl>
+                                          </p:spTgt>
+                                        </p:tgtEl>
+                                        <p:attrNameLst>
+                                          <p:attrName>style.visibility</p:attrName>
+                                        </p:attrNameLst>
+                                      </p:cBhvr>
+                                      <p:to>
+                                        <p:strVal val="visible"/>
+                                      </p:to>
+                                    </p:set>
+                                    <p:animEffect transition="in" filter="fade">
+                                      <p:cBhvr>
+                                        <p:cTn id="37" dur="500"/>
+                                        <p:tgtEl>
+                                          <p:spTgt spid="3">
+                                            <p:txEl>
+                                              <p:pRg st="6" end="6"/>
+                                            </p:txEl>
+                                          </p:spTgt>
+                                        </p:tgtEl>
+                                      </p:cBhvr>
+                                    </p:animEffect>
+                                  </p:childTnLst>
+                                </p:cTn>
+                              </p:par>
+                            </p:childTnLst>
+                          </p:cTn>
+                        </p:par>
+                      </p:childTnLst>
+                    </p:cTn>
+                  </p:par>
+                </p:childTnLst>
+              </p:cTn>
+              <p:prevCondLst>
+                <p:cond evt="onPrev" delay="0">
+                  <p:tgtEl>
+                    <p:sldTgt/>
+                  </p:tgtEl>
+                </p:cond>
+              </p:prevCondLst>
+              <p:nextCondLst>
+                <p:cond evt="onNext" delay="0">
+                  <p:tgtEl>
+                    <p:sldTgt/>
+                  </p:tgtEl>
+                </p:cond>
+              </p:nextCondLst>
+            </p:seq>
+          </p:childTnLst>
+        </p:cTn>
+      </p:par>
+    </p:tnLst>
+    <p:bldLst>
+      <p:bldP spid="3" grpId="0" uiExpand="1" build="p"/>
+    </p:bldLst>
+  </p:timing>
 </p:sld>
 </file>
 
@@ -19706,6 +20667,16 @@
   <p:clrMapOvr>
     <a:masterClrMapping/>
   </p:clrMapOvr>
+  <p:transition spd="slow">
+    <p:push dir="u"/>
+  </p:transition>
+  <p:timing>
+    <p:tnLst>
+      <p:par>
+        <p:cTn id="1" dur="indefinite" restart="never" nodeType="tmRoot"/>
+      </p:par>
+    </p:tnLst>
+  </p:timing>
 </p:sld>
 </file>
 
@@ -19998,6 +20969,16 @@
   <p:clrMapOvr>
     <a:masterClrMapping/>
   </p:clrMapOvr>
+  <p:transition spd="slow">
+    <p:push dir="u"/>
+  </p:transition>
+  <p:timing>
+    <p:tnLst>
+      <p:par>
+        <p:cTn id="1" dur="indefinite" restart="never" nodeType="tmRoot"/>
+      </p:par>
+    </p:tnLst>
+  </p:timing>
 </p:sld>
 </file>
 
@@ -20216,6 +21197,508 @@
   <p:clrMapOvr>
     <a:masterClrMapping/>
   </p:clrMapOvr>
+  <p:transition spd="slow">
+    <p:push dir="u"/>
+  </p:transition>
+  <p:timing>
+    <p:tnLst>
+      <p:par>
+        <p:cTn id="1" dur="indefinite" restart="never" nodeType="tmRoot">
+          <p:childTnLst>
+            <p:seq concurrent="1" nextAc="seek">
+              <p:cTn id="2" dur="indefinite" nodeType="mainSeq">
+                <p:childTnLst>
+                  <p:par>
+                    <p:cTn id="3" fill="hold">
+                      <p:stCondLst>
+                        <p:cond delay="indefinite"/>
+                      </p:stCondLst>
+                      <p:childTnLst>
+                        <p:par>
+                          <p:cTn id="4" fill="hold">
+                            <p:stCondLst>
+                              <p:cond delay="0"/>
+                            </p:stCondLst>
+                            <p:childTnLst>
+                              <p:par>
+                                <p:cTn id="5" presetID="10" presetClass="entr" presetSubtype="0" fill="hold" grpId="0" nodeType="clickEffect">
+                                  <p:stCondLst>
+                                    <p:cond delay="0"/>
+                                  </p:stCondLst>
+                                  <p:childTnLst>
+                                    <p:set>
+                                      <p:cBhvr>
+                                        <p:cTn id="6" dur="1" fill="hold">
+                                          <p:stCondLst>
+                                            <p:cond delay="0"/>
+                                          </p:stCondLst>
+                                        </p:cTn>
+                                        <p:tgtEl>
+                                          <p:spTgt spid="3">
+                                            <p:txEl>
+                                              <p:pRg st="0" end="0"/>
+                                            </p:txEl>
+                                          </p:spTgt>
+                                        </p:tgtEl>
+                                        <p:attrNameLst>
+                                          <p:attrName>style.visibility</p:attrName>
+                                        </p:attrNameLst>
+                                      </p:cBhvr>
+                                      <p:to>
+                                        <p:strVal val="visible"/>
+                                      </p:to>
+                                    </p:set>
+                                    <p:animEffect transition="in" filter="fade">
+                                      <p:cBhvr>
+                                        <p:cTn id="7" dur="500"/>
+                                        <p:tgtEl>
+                                          <p:spTgt spid="3">
+                                            <p:txEl>
+                                              <p:pRg st="0" end="0"/>
+                                            </p:txEl>
+                                          </p:spTgt>
+                                        </p:tgtEl>
+                                      </p:cBhvr>
+                                    </p:animEffect>
+                                  </p:childTnLst>
+                                </p:cTn>
+                              </p:par>
+                              <p:par>
+                                <p:cTn id="8" presetID="10" presetClass="entr" presetSubtype="0" fill="hold" grpId="0" nodeType="withEffect">
+                                  <p:stCondLst>
+                                    <p:cond delay="0"/>
+                                  </p:stCondLst>
+                                  <p:childTnLst>
+                                    <p:set>
+                                      <p:cBhvr>
+                                        <p:cTn id="9" dur="1" fill="hold">
+                                          <p:stCondLst>
+                                            <p:cond delay="0"/>
+                                          </p:stCondLst>
+                                        </p:cTn>
+                                        <p:tgtEl>
+                                          <p:spTgt spid="3">
+                                            <p:txEl>
+                                              <p:pRg st="1" end="1"/>
+                                            </p:txEl>
+                                          </p:spTgt>
+                                        </p:tgtEl>
+                                        <p:attrNameLst>
+                                          <p:attrName>style.visibility</p:attrName>
+                                        </p:attrNameLst>
+                                      </p:cBhvr>
+                                      <p:to>
+                                        <p:strVal val="visible"/>
+                                      </p:to>
+                                    </p:set>
+                                    <p:animEffect transition="in" filter="fade">
+                                      <p:cBhvr>
+                                        <p:cTn id="10" dur="500"/>
+                                        <p:tgtEl>
+                                          <p:spTgt spid="3">
+                                            <p:txEl>
+                                              <p:pRg st="1" end="1"/>
+                                            </p:txEl>
+                                          </p:spTgt>
+                                        </p:tgtEl>
+                                      </p:cBhvr>
+                                    </p:animEffect>
+                                  </p:childTnLst>
+                                </p:cTn>
+                              </p:par>
+                            </p:childTnLst>
+                          </p:cTn>
+                        </p:par>
+                      </p:childTnLst>
+                    </p:cTn>
+                  </p:par>
+                  <p:par>
+                    <p:cTn id="11" fill="hold">
+                      <p:stCondLst>
+                        <p:cond delay="indefinite"/>
+                      </p:stCondLst>
+                      <p:childTnLst>
+                        <p:par>
+                          <p:cTn id="12" fill="hold">
+                            <p:stCondLst>
+                              <p:cond delay="0"/>
+                            </p:stCondLst>
+                            <p:childTnLst>
+                              <p:par>
+                                <p:cTn id="13" presetID="10" presetClass="entr" presetSubtype="0" fill="hold" grpId="0" nodeType="clickEffect">
+                                  <p:stCondLst>
+                                    <p:cond delay="0"/>
+                                  </p:stCondLst>
+                                  <p:childTnLst>
+                                    <p:set>
+                                      <p:cBhvr>
+                                        <p:cTn id="14" dur="1" fill="hold">
+                                          <p:stCondLst>
+                                            <p:cond delay="0"/>
+                                          </p:stCondLst>
+                                        </p:cTn>
+                                        <p:tgtEl>
+                                          <p:spTgt spid="3">
+                                            <p:txEl>
+                                              <p:pRg st="2" end="2"/>
+                                            </p:txEl>
+                                          </p:spTgt>
+                                        </p:tgtEl>
+                                        <p:attrNameLst>
+                                          <p:attrName>style.visibility</p:attrName>
+                                        </p:attrNameLst>
+                                      </p:cBhvr>
+                                      <p:to>
+                                        <p:strVal val="visible"/>
+                                      </p:to>
+                                    </p:set>
+                                    <p:animEffect transition="in" filter="fade">
+                                      <p:cBhvr>
+                                        <p:cTn id="15" dur="500"/>
+                                        <p:tgtEl>
+                                          <p:spTgt spid="3">
+                                            <p:txEl>
+                                              <p:pRg st="2" end="2"/>
+                                            </p:txEl>
+                                          </p:spTgt>
+                                        </p:tgtEl>
+                                      </p:cBhvr>
+                                    </p:animEffect>
+                                  </p:childTnLst>
+                                </p:cTn>
+                              </p:par>
+                              <p:par>
+                                <p:cTn id="16" presetID="10" presetClass="entr" presetSubtype="0" fill="hold" grpId="0" nodeType="withEffect">
+                                  <p:stCondLst>
+                                    <p:cond delay="0"/>
+                                  </p:stCondLst>
+                                  <p:childTnLst>
+                                    <p:set>
+                                      <p:cBhvr>
+                                        <p:cTn id="17" dur="1" fill="hold">
+                                          <p:stCondLst>
+                                            <p:cond delay="0"/>
+                                          </p:stCondLst>
+                                        </p:cTn>
+                                        <p:tgtEl>
+                                          <p:spTgt spid="3">
+                                            <p:txEl>
+                                              <p:pRg st="3" end="3"/>
+                                            </p:txEl>
+                                          </p:spTgt>
+                                        </p:tgtEl>
+                                        <p:attrNameLst>
+                                          <p:attrName>style.visibility</p:attrName>
+                                        </p:attrNameLst>
+                                      </p:cBhvr>
+                                      <p:to>
+                                        <p:strVal val="visible"/>
+                                      </p:to>
+                                    </p:set>
+                                    <p:animEffect transition="in" filter="fade">
+                                      <p:cBhvr>
+                                        <p:cTn id="18" dur="500"/>
+                                        <p:tgtEl>
+                                          <p:spTgt spid="3">
+                                            <p:txEl>
+                                              <p:pRg st="3" end="3"/>
+                                            </p:txEl>
+                                          </p:spTgt>
+                                        </p:tgtEl>
+                                      </p:cBhvr>
+                                    </p:animEffect>
+                                  </p:childTnLst>
+                                </p:cTn>
+                              </p:par>
+                              <p:par>
+                                <p:cTn id="19" presetID="10" presetClass="entr" presetSubtype="0" fill="hold" grpId="0" nodeType="withEffect">
+                                  <p:stCondLst>
+                                    <p:cond delay="0"/>
+                                  </p:stCondLst>
+                                  <p:childTnLst>
+                                    <p:set>
+                                      <p:cBhvr>
+                                        <p:cTn id="20" dur="1" fill="hold">
+                                          <p:stCondLst>
+                                            <p:cond delay="0"/>
+                                          </p:stCondLst>
+                                        </p:cTn>
+                                        <p:tgtEl>
+                                          <p:spTgt spid="3">
+                                            <p:txEl>
+                                              <p:pRg st="4" end="4"/>
+                                            </p:txEl>
+                                          </p:spTgt>
+                                        </p:tgtEl>
+                                        <p:attrNameLst>
+                                          <p:attrName>style.visibility</p:attrName>
+                                        </p:attrNameLst>
+                                      </p:cBhvr>
+                                      <p:to>
+                                        <p:strVal val="visible"/>
+                                      </p:to>
+                                    </p:set>
+                                    <p:animEffect transition="in" filter="fade">
+                                      <p:cBhvr>
+                                        <p:cTn id="21" dur="500"/>
+                                        <p:tgtEl>
+                                          <p:spTgt spid="3">
+                                            <p:txEl>
+                                              <p:pRg st="4" end="4"/>
+                                            </p:txEl>
+                                          </p:spTgt>
+                                        </p:tgtEl>
+                                      </p:cBhvr>
+                                    </p:animEffect>
+                                  </p:childTnLst>
+                                </p:cTn>
+                              </p:par>
+                              <p:par>
+                                <p:cTn id="22" presetID="10" presetClass="entr" presetSubtype="0" fill="hold" grpId="0" nodeType="withEffect">
+                                  <p:stCondLst>
+                                    <p:cond delay="0"/>
+                                  </p:stCondLst>
+                                  <p:childTnLst>
+                                    <p:set>
+                                      <p:cBhvr>
+                                        <p:cTn id="23" dur="1" fill="hold">
+                                          <p:stCondLst>
+                                            <p:cond delay="0"/>
+                                          </p:stCondLst>
+                                        </p:cTn>
+                                        <p:tgtEl>
+                                          <p:spTgt spid="3">
+                                            <p:txEl>
+                                              <p:pRg st="5" end="5"/>
+                                            </p:txEl>
+                                          </p:spTgt>
+                                        </p:tgtEl>
+                                        <p:attrNameLst>
+                                          <p:attrName>style.visibility</p:attrName>
+                                        </p:attrNameLst>
+                                      </p:cBhvr>
+                                      <p:to>
+                                        <p:strVal val="visible"/>
+                                      </p:to>
+                                    </p:set>
+                                    <p:animEffect transition="in" filter="fade">
+                                      <p:cBhvr>
+                                        <p:cTn id="24" dur="500"/>
+                                        <p:tgtEl>
+                                          <p:spTgt spid="3">
+                                            <p:txEl>
+                                              <p:pRg st="5" end="5"/>
+                                            </p:txEl>
+                                          </p:spTgt>
+                                        </p:tgtEl>
+                                      </p:cBhvr>
+                                    </p:animEffect>
+                                  </p:childTnLst>
+                                </p:cTn>
+                              </p:par>
+                              <p:par>
+                                <p:cTn id="25" presetID="10" presetClass="entr" presetSubtype="0" fill="hold" grpId="0" nodeType="withEffect">
+                                  <p:stCondLst>
+                                    <p:cond delay="0"/>
+                                  </p:stCondLst>
+                                  <p:childTnLst>
+                                    <p:set>
+                                      <p:cBhvr>
+                                        <p:cTn id="26" dur="1" fill="hold">
+                                          <p:stCondLst>
+                                            <p:cond delay="0"/>
+                                          </p:stCondLst>
+                                        </p:cTn>
+                                        <p:tgtEl>
+                                          <p:spTgt spid="3">
+                                            <p:txEl>
+                                              <p:pRg st="6" end="6"/>
+                                            </p:txEl>
+                                          </p:spTgt>
+                                        </p:tgtEl>
+                                        <p:attrNameLst>
+                                          <p:attrName>style.visibility</p:attrName>
+                                        </p:attrNameLst>
+                                      </p:cBhvr>
+                                      <p:to>
+                                        <p:strVal val="visible"/>
+                                      </p:to>
+                                    </p:set>
+                                    <p:animEffect transition="in" filter="fade">
+                                      <p:cBhvr>
+                                        <p:cTn id="27" dur="500"/>
+                                        <p:tgtEl>
+                                          <p:spTgt spid="3">
+                                            <p:txEl>
+                                              <p:pRg st="6" end="6"/>
+                                            </p:txEl>
+                                          </p:spTgt>
+                                        </p:tgtEl>
+                                      </p:cBhvr>
+                                    </p:animEffect>
+                                  </p:childTnLst>
+                                </p:cTn>
+                              </p:par>
+                              <p:par>
+                                <p:cTn id="28" presetID="10" presetClass="entr" presetSubtype="0" fill="hold" grpId="0" nodeType="withEffect">
+                                  <p:stCondLst>
+                                    <p:cond delay="0"/>
+                                  </p:stCondLst>
+                                  <p:childTnLst>
+                                    <p:set>
+                                      <p:cBhvr>
+                                        <p:cTn id="29" dur="1" fill="hold">
+                                          <p:stCondLst>
+                                            <p:cond delay="0"/>
+                                          </p:stCondLst>
+                                        </p:cTn>
+                                        <p:tgtEl>
+                                          <p:spTgt spid="3">
+                                            <p:txEl>
+                                              <p:pRg st="7" end="7"/>
+                                            </p:txEl>
+                                          </p:spTgt>
+                                        </p:tgtEl>
+                                        <p:attrNameLst>
+                                          <p:attrName>style.visibility</p:attrName>
+                                        </p:attrNameLst>
+                                      </p:cBhvr>
+                                      <p:to>
+                                        <p:strVal val="visible"/>
+                                      </p:to>
+                                    </p:set>
+                                    <p:animEffect transition="in" filter="fade">
+                                      <p:cBhvr>
+                                        <p:cTn id="30" dur="500"/>
+                                        <p:tgtEl>
+                                          <p:spTgt spid="3">
+                                            <p:txEl>
+                                              <p:pRg st="7" end="7"/>
+                                            </p:txEl>
+                                          </p:spTgt>
+                                        </p:tgtEl>
+                                      </p:cBhvr>
+                                    </p:animEffect>
+                                  </p:childTnLst>
+                                </p:cTn>
+                              </p:par>
+                              <p:par>
+                                <p:cTn id="31" presetID="10" presetClass="entr" presetSubtype="0" fill="hold" grpId="0" nodeType="withEffect">
+                                  <p:stCondLst>
+                                    <p:cond delay="0"/>
+                                  </p:stCondLst>
+                                  <p:childTnLst>
+                                    <p:set>
+                                      <p:cBhvr>
+                                        <p:cTn id="32" dur="1" fill="hold">
+                                          <p:stCondLst>
+                                            <p:cond delay="0"/>
+                                          </p:stCondLst>
+                                        </p:cTn>
+                                        <p:tgtEl>
+                                          <p:spTgt spid="3">
+                                            <p:txEl>
+                                              <p:pRg st="8" end="8"/>
+                                            </p:txEl>
+                                          </p:spTgt>
+                                        </p:tgtEl>
+                                        <p:attrNameLst>
+                                          <p:attrName>style.visibility</p:attrName>
+                                        </p:attrNameLst>
+                                      </p:cBhvr>
+                                      <p:to>
+                                        <p:strVal val="visible"/>
+                                      </p:to>
+                                    </p:set>
+                                    <p:animEffect transition="in" filter="fade">
+                                      <p:cBhvr>
+                                        <p:cTn id="33" dur="500"/>
+                                        <p:tgtEl>
+                                          <p:spTgt spid="3">
+                                            <p:txEl>
+                                              <p:pRg st="8" end="8"/>
+                                            </p:txEl>
+                                          </p:spTgt>
+                                        </p:tgtEl>
+                                      </p:cBhvr>
+                                    </p:animEffect>
+                                  </p:childTnLst>
+                                </p:cTn>
+                              </p:par>
+                              <p:par>
+                                <p:cTn id="34" presetID="10" presetClass="entr" presetSubtype="0" fill="hold" grpId="0" nodeType="withEffect">
+                                  <p:stCondLst>
+                                    <p:cond delay="0"/>
+                                  </p:stCondLst>
+                                  <p:childTnLst>
+                                    <p:set>
+                                      <p:cBhvr>
+                                        <p:cTn id="35" dur="1" fill="hold">
+                                          <p:stCondLst>
+                                            <p:cond delay="0"/>
+                                          </p:stCondLst>
+                                        </p:cTn>
+                                        <p:tgtEl>
+                                          <p:spTgt spid="3">
+                                            <p:txEl>
+                                              <p:pRg st="9" end="9"/>
+                                            </p:txEl>
+                                          </p:spTgt>
+                                        </p:tgtEl>
+                                        <p:attrNameLst>
+                                          <p:attrName>style.visibility</p:attrName>
+                                        </p:attrNameLst>
+                                      </p:cBhvr>
+                                      <p:to>
+                                        <p:strVal val="visible"/>
+                                      </p:to>
+                                    </p:set>
+                                    <p:animEffect transition="in" filter="fade">
+                                      <p:cBhvr>
+                                        <p:cTn id="36" dur="500"/>
+                                        <p:tgtEl>
+                                          <p:spTgt spid="3">
+                                            <p:txEl>
+                                              <p:pRg st="9" end="9"/>
+                                            </p:txEl>
+                                          </p:spTgt>
+                                        </p:tgtEl>
+                                      </p:cBhvr>
+                                    </p:animEffect>
+                                  </p:childTnLst>
+                                </p:cTn>
+                              </p:par>
+                            </p:childTnLst>
+                          </p:cTn>
+                        </p:par>
+                      </p:childTnLst>
+                    </p:cTn>
+                  </p:par>
+                </p:childTnLst>
+              </p:cTn>
+              <p:prevCondLst>
+                <p:cond evt="onPrev" delay="0">
+                  <p:tgtEl>
+                    <p:sldTgt/>
+                  </p:tgtEl>
+                </p:cond>
+              </p:prevCondLst>
+              <p:nextCondLst>
+                <p:cond evt="onNext" delay="0">
+                  <p:tgtEl>
+                    <p:sldTgt/>
+                  </p:tgtEl>
+                </p:cond>
+              </p:nextCondLst>
+            </p:seq>
+          </p:childTnLst>
+        </p:cTn>
+      </p:par>
+    </p:tnLst>
+    <p:bldLst>
+      <p:bldP spid="3" grpId="0" uiExpand="1" build="p"/>
+    </p:bldLst>
+  </p:timing>
 </p:sld>
 </file>
 
@@ -20319,7 +21802,11 @@
             <a:pPr lvl="1"/>
             <a:r>
               <a:rPr lang="zh-CN" altLang="en-US" dirty="0" smtClean="0"/>
-              <a:t>按周为单位，每周分配任务</a:t>
+              <a:t>每</a:t>
+            </a:r>
+            <a:r>
+              <a:rPr lang="zh-CN" altLang="en-US" dirty="0" smtClean="0"/>
+              <a:t>周分配任务</a:t>
             </a:r>
             <a:endParaRPr lang="en-US" altLang="zh-CN" dirty="0" smtClean="0"/>
           </a:p>
@@ -20402,6 +21889,713 @@
   <p:clrMapOvr>
     <a:masterClrMapping/>
   </p:clrMapOvr>
+  <p:transition spd="slow">
+    <p:push dir="u"/>
+  </p:transition>
+  <p:timing>
+    <p:tnLst>
+      <p:par>
+        <p:cTn id="1" dur="indefinite" restart="never" nodeType="tmRoot">
+          <p:childTnLst>
+            <p:seq concurrent="1" nextAc="seek">
+              <p:cTn id="2" dur="indefinite" nodeType="mainSeq">
+                <p:childTnLst>
+                  <p:par>
+                    <p:cTn id="3" fill="hold">
+                      <p:stCondLst>
+                        <p:cond delay="indefinite"/>
+                      </p:stCondLst>
+                      <p:childTnLst>
+                        <p:par>
+                          <p:cTn id="4" fill="hold">
+                            <p:stCondLst>
+                              <p:cond delay="0"/>
+                            </p:stCondLst>
+                            <p:childTnLst>
+                              <p:par>
+                                <p:cTn id="5" presetID="10" presetClass="entr" presetSubtype="0" fill="hold" grpId="0" nodeType="clickEffect">
+                                  <p:stCondLst>
+                                    <p:cond delay="0"/>
+                                  </p:stCondLst>
+                                  <p:childTnLst>
+                                    <p:set>
+                                      <p:cBhvr>
+                                        <p:cTn id="6" dur="1" fill="hold">
+                                          <p:stCondLst>
+                                            <p:cond delay="0"/>
+                                          </p:stCondLst>
+                                        </p:cTn>
+                                        <p:tgtEl>
+                                          <p:spTgt spid="3">
+                                            <p:txEl>
+                                              <p:pRg st="0" end="0"/>
+                                            </p:txEl>
+                                          </p:spTgt>
+                                        </p:tgtEl>
+                                        <p:attrNameLst>
+                                          <p:attrName>style.visibility</p:attrName>
+                                        </p:attrNameLst>
+                                      </p:cBhvr>
+                                      <p:to>
+                                        <p:strVal val="visible"/>
+                                      </p:to>
+                                    </p:set>
+                                    <p:animEffect transition="in" filter="fade">
+                                      <p:cBhvr>
+                                        <p:cTn id="7" dur="500"/>
+                                        <p:tgtEl>
+                                          <p:spTgt spid="3">
+                                            <p:txEl>
+                                              <p:pRg st="0" end="0"/>
+                                            </p:txEl>
+                                          </p:spTgt>
+                                        </p:tgtEl>
+                                      </p:cBhvr>
+                                    </p:animEffect>
+                                  </p:childTnLst>
+                                </p:cTn>
+                              </p:par>
+                            </p:childTnLst>
+                          </p:cTn>
+                        </p:par>
+                      </p:childTnLst>
+                    </p:cTn>
+                  </p:par>
+                  <p:par>
+                    <p:cTn id="8" fill="hold">
+                      <p:stCondLst>
+                        <p:cond delay="indefinite"/>
+                      </p:stCondLst>
+                      <p:childTnLst>
+                        <p:par>
+                          <p:cTn id="9" fill="hold">
+                            <p:stCondLst>
+                              <p:cond delay="0"/>
+                            </p:stCondLst>
+                            <p:childTnLst>
+                              <p:par>
+                                <p:cTn id="10" presetID="10" presetClass="entr" presetSubtype="0" fill="hold" grpId="0" nodeType="clickEffect">
+                                  <p:stCondLst>
+                                    <p:cond delay="0"/>
+                                  </p:stCondLst>
+                                  <p:childTnLst>
+                                    <p:set>
+                                      <p:cBhvr>
+                                        <p:cTn id="11" dur="1" fill="hold">
+                                          <p:stCondLst>
+                                            <p:cond delay="0"/>
+                                          </p:stCondLst>
+                                        </p:cTn>
+                                        <p:tgtEl>
+                                          <p:spTgt spid="3">
+                                            <p:txEl>
+                                              <p:pRg st="1" end="1"/>
+                                            </p:txEl>
+                                          </p:spTgt>
+                                        </p:tgtEl>
+                                        <p:attrNameLst>
+                                          <p:attrName>style.visibility</p:attrName>
+                                        </p:attrNameLst>
+                                      </p:cBhvr>
+                                      <p:to>
+                                        <p:strVal val="visible"/>
+                                      </p:to>
+                                    </p:set>
+                                    <p:animEffect transition="in" filter="fade">
+                                      <p:cBhvr>
+                                        <p:cTn id="12" dur="500"/>
+                                        <p:tgtEl>
+                                          <p:spTgt spid="3">
+                                            <p:txEl>
+                                              <p:pRg st="1" end="1"/>
+                                            </p:txEl>
+                                          </p:spTgt>
+                                        </p:tgtEl>
+                                      </p:cBhvr>
+                                    </p:animEffect>
+                                  </p:childTnLst>
+                                </p:cTn>
+                              </p:par>
+                            </p:childTnLst>
+                          </p:cTn>
+                        </p:par>
+                      </p:childTnLst>
+                    </p:cTn>
+                  </p:par>
+                  <p:par>
+                    <p:cTn id="13" fill="hold">
+                      <p:stCondLst>
+                        <p:cond delay="indefinite"/>
+                      </p:stCondLst>
+                      <p:childTnLst>
+                        <p:par>
+                          <p:cTn id="14" fill="hold">
+                            <p:stCondLst>
+                              <p:cond delay="0"/>
+                            </p:stCondLst>
+                            <p:childTnLst>
+                              <p:par>
+                                <p:cTn id="15" presetID="10" presetClass="entr" presetSubtype="0" fill="hold" grpId="0" nodeType="clickEffect">
+                                  <p:stCondLst>
+                                    <p:cond delay="0"/>
+                                  </p:stCondLst>
+                                  <p:childTnLst>
+                                    <p:set>
+                                      <p:cBhvr>
+                                        <p:cTn id="16" dur="1" fill="hold">
+                                          <p:stCondLst>
+                                            <p:cond delay="0"/>
+                                          </p:stCondLst>
+                                        </p:cTn>
+                                        <p:tgtEl>
+                                          <p:spTgt spid="3">
+                                            <p:txEl>
+                                              <p:pRg st="2" end="2"/>
+                                            </p:txEl>
+                                          </p:spTgt>
+                                        </p:tgtEl>
+                                        <p:attrNameLst>
+                                          <p:attrName>style.visibility</p:attrName>
+                                        </p:attrNameLst>
+                                      </p:cBhvr>
+                                      <p:to>
+                                        <p:strVal val="visible"/>
+                                      </p:to>
+                                    </p:set>
+                                    <p:animEffect transition="in" filter="fade">
+                                      <p:cBhvr>
+                                        <p:cTn id="17" dur="500"/>
+                                        <p:tgtEl>
+                                          <p:spTgt spid="3">
+                                            <p:txEl>
+                                              <p:pRg st="2" end="2"/>
+                                            </p:txEl>
+                                          </p:spTgt>
+                                        </p:tgtEl>
+                                      </p:cBhvr>
+                                    </p:animEffect>
+                                  </p:childTnLst>
+                                </p:cTn>
+                              </p:par>
+                            </p:childTnLst>
+                          </p:cTn>
+                        </p:par>
+                      </p:childTnLst>
+                    </p:cTn>
+                  </p:par>
+                  <p:par>
+                    <p:cTn id="18" fill="hold">
+                      <p:stCondLst>
+                        <p:cond delay="indefinite"/>
+                      </p:stCondLst>
+                      <p:childTnLst>
+                        <p:par>
+                          <p:cTn id="19" fill="hold">
+                            <p:stCondLst>
+                              <p:cond delay="0"/>
+                            </p:stCondLst>
+                            <p:childTnLst>
+                              <p:par>
+                                <p:cTn id="20" presetID="10" presetClass="entr" presetSubtype="0" fill="hold" grpId="0" nodeType="clickEffect">
+                                  <p:stCondLst>
+                                    <p:cond delay="0"/>
+                                  </p:stCondLst>
+                                  <p:childTnLst>
+                                    <p:set>
+                                      <p:cBhvr>
+                                        <p:cTn id="21" dur="1" fill="hold">
+                                          <p:stCondLst>
+                                            <p:cond delay="0"/>
+                                          </p:stCondLst>
+                                        </p:cTn>
+                                        <p:tgtEl>
+                                          <p:spTgt spid="3">
+                                            <p:txEl>
+                                              <p:pRg st="3" end="3"/>
+                                            </p:txEl>
+                                          </p:spTgt>
+                                        </p:tgtEl>
+                                        <p:attrNameLst>
+                                          <p:attrName>style.visibility</p:attrName>
+                                        </p:attrNameLst>
+                                      </p:cBhvr>
+                                      <p:to>
+                                        <p:strVal val="visible"/>
+                                      </p:to>
+                                    </p:set>
+                                    <p:animEffect transition="in" filter="fade">
+                                      <p:cBhvr>
+                                        <p:cTn id="22" dur="500"/>
+                                        <p:tgtEl>
+                                          <p:spTgt spid="3">
+                                            <p:txEl>
+                                              <p:pRg st="3" end="3"/>
+                                            </p:txEl>
+                                          </p:spTgt>
+                                        </p:tgtEl>
+                                      </p:cBhvr>
+                                    </p:animEffect>
+                                  </p:childTnLst>
+                                </p:cTn>
+                              </p:par>
+                            </p:childTnLst>
+                          </p:cTn>
+                        </p:par>
+                      </p:childTnLst>
+                    </p:cTn>
+                  </p:par>
+                  <p:par>
+                    <p:cTn id="23" fill="hold">
+                      <p:stCondLst>
+                        <p:cond delay="indefinite"/>
+                      </p:stCondLst>
+                      <p:childTnLst>
+                        <p:par>
+                          <p:cTn id="24" fill="hold">
+                            <p:stCondLst>
+                              <p:cond delay="0"/>
+                            </p:stCondLst>
+                            <p:childTnLst>
+                              <p:par>
+                                <p:cTn id="25" presetID="10" presetClass="entr" presetSubtype="0" fill="hold" grpId="0" nodeType="clickEffect">
+                                  <p:stCondLst>
+                                    <p:cond delay="0"/>
+                                  </p:stCondLst>
+                                  <p:childTnLst>
+                                    <p:set>
+                                      <p:cBhvr>
+                                        <p:cTn id="26" dur="1" fill="hold">
+                                          <p:stCondLst>
+                                            <p:cond delay="0"/>
+                                          </p:stCondLst>
+                                        </p:cTn>
+                                        <p:tgtEl>
+                                          <p:spTgt spid="3">
+                                            <p:txEl>
+                                              <p:pRg st="4" end="4"/>
+                                            </p:txEl>
+                                          </p:spTgt>
+                                        </p:tgtEl>
+                                        <p:attrNameLst>
+                                          <p:attrName>style.visibility</p:attrName>
+                                        </p:attrNameLst>
+                                      </p:cBhvr>
+                                      <p:to>
+                                        <p:strVal val="visible"/>
+                                      </p:to>
+                                    </p:set>
+                                    <p:animEffect transition="in" filter="fade">
+                                      <p:cBhvr>
+                                        <p:cTn id="27" dur="500"/>
+                                        <p:tgtEl>
+                                          <p:spTgt spid="3">
+                                            <p:txEl>
+                                              <p:pRg st="4" end="4"/>
+                                            </p:txEl>
+                                          </p:spTgt>
+                                        </p:tgtEl>
+                                      </p:cBhvr>
+                                    </p:animEffect>
+                                  </p:childTnLst>
+                                </p:cTn>
+                              </p:par>
+                            </p:childTnLst>
+                          </p:cTn>
+                        </p:par>
+                      </p:childTnLst>
+                    </p:cTn>
+                  </p:par>
+                  <p:par>
+                    <p:cTn id="28" fill="hold">
+                      <p:stCondLst>
+                        <p:cond delay="indefinite"/>
+                      </p:stCondLst>
+                      <p:childTnLst>
+                        <p:par>
+                          <p:cTn id="29" fill="hold">
+                            <p:stCondLst>
+                              <p:cond delay="0"/>
+                            </p:stCondLst>
+                            <p:childTnLst>
+                              <p:par>
+                                <p:cTn id="30" presetID="10" presetClass="entr" presetSubtype="0" fill="hold" grpId="0" nodeType="clickEffect">
+                                  <p:stCondLst>
+                                    <p:cond delay="0"/>
+                                  </p:stCondLst>
+                                  <p:childTnLst>
+                                    <p:set>
+                                      <p:cBhvr>
+                                        <p:cTn id="31" dur="1" fill="hold">
+                                          <p:stCondLst>
+                                            <p:cond delay="0"/>
+                                          </p:stCondLst>
+                                        </p:cTn>
+                                        <p:tgtEl>
+                                          <p:spTgt spid="3">
+                                            <p:txEl>
+                                              <p:pRg st="5" end="5"/>
+                                            </p:txEl>
+                                          </p:spTgt>
+                                        </p:tgtEl>
+                                        <p:attrNameLst>
+                                          <p:attrName>style.visibility</p:attrName>
+                                        </p:attrNameLst>
+                                      </p:cBhvr>
+                                      <p:to>
+                                        <p:strVal val="visible"/>
+                                      </p:to>
+                                    </p:set>
+                                    <p:animEffect transition="in" filter="fade">
+                                      <p:cBhvr>
+                                        <p:cTn id="32" dur="500"/>
+                                        <p:tgtEl>
+                                          <p:spTgt spid="3">
+                                            <p:txEl>
+                                              <p:pRg st="5" end="5"/>
+                                            </p:txEl>
+                                          </p:spTgt>
+                                        </p:tgtEl>
+                                      </p:cBhvr>
+                                    </p:animEffect>
+                                  </p:childTnLst>
+                                </p:cTn>
+                              </p:par>
+                            </p:childTnLst>
+                          </p:cTn>
+                        </p:par>
+                      </p:childTnLst>
+                    </p:cTn>
+                  </p:par>
+                  <p:par>
+                    <p:cTn id="33" fill="hold">
+                      <p:stCondLst>
+                        <p:cond delay="indefinite"/>
+                      </p:stCondLst>
+                      <p:childTnLst>
+                        <p:par>
+                          <p:cTn id="34" fill="hold">
+                            <p:stCondLst>
+                              <p:cond delay="0"/>
+                            </p:stCondLst>
+                            <p:childTnLst>
+                              <p:par>
+                                <p:cTn id="35" presetID="10" presetClass="entr" presetSubtype="0" fill="hold" grpId="0" nodeType="clickEffect">
+                                  <p:stCondLst>
+                                    <p:cond delay="0"/>
+                                  </p:stCondLst>
+                                  <p:childTnLst>
+                                    <p:set>
+                                      <p:cBhvr>
+                                        <p:cTn id="36" dur="1" fill="hold">
+                                          <p:stCondLst>
+                                            <p:cond delay="0"/>
+                                          </p:stCondLst>
+                                        </p:cTn>
+                                        <p:tgtEl>
+                                          <p:spTgt spid="3">
+                                            <p:txEl>
+                                              <p:pRg st="6" end="6"/>
+                                            </p:txEl>
+                                          </p:spTgt>
+                                        </p:tgtEl>
+                                        <p:attrNameLst>
+                                          <p:attrName>style.visibility</p:attrName>
+                                        </p:attrNameLst>
+                                      </p:cBhvr>
+                                      <p:to>
+                                        <p:strVal val="visible"/>
+                                      </p:to>
+                                    </p:set>
+                                    <p:animEffect transition="in" filter="fade">
+                                      <p:cBhvr>
+                                        <p:cTn id="37" dur="500"/>
+                                        <p:tgtEl>
+                                          <p:spTgt spid="3">
+                                            <p:txEl>
+                                              <p:pRg st="6" end="6"/>
+                                            </p:txEl>
+                                          </p:spTgt>
+                                        </p:tgtEl>
+                                      </p:cBhvr>
+                                    </p:animEffect>
+                                  </p:childTnLst>
+                                </p:cTn>
+                              </p:par>
+                            </p:childTnLst>
+                          </p:cTn>
+                        </p:par>
+                      </p:childTnLst>
+                    </p:cTn>
+                  </p:par>
+                  <p:par>
+                    <p:cTn id="38" fill="hold">
+                      <p:stCondLst>
+                        <p:cond delay="indefinite"/>
+                      </p:stCondLst>
+                      <p:childTnLst>
+                        <p:par>
+                          <p:cTn id="39" fill="hold">
+                            <p:stCondLst>
+                              <p:cond delay="0"/>
+                            </p:stCondLst>
+                            <p:childTnLst>
+                              <p:par>
+                                <p:cTn id="40" presetID="10" presetClass="entr" presetSubtype="0" fill="hold" grpId="0" nodeType="clickEffect">
+                                  <p:stCondLst>
+                                    <p:cond delay="0"/>
+                                  </p:stCondLst>
+                                  <p:childTnLst>
+                                    <p:set>
+                                      <p:cBhvr>
+                                        <p:cTn id="41" dur="1" fill="hold">
+                                          <p:stCondLst>
+                                            <p:cond delay="0"/>
+                                          </p:stCondLst>
+                                        </p:cTn>
+                                        <p:tgtEl>
+                                          <p:spTgt spid="3">
+                                            <p:txEl>
+                                              <p:pRg st="7" end="7"/>
+                                            </p:txEl>
+                                          </p:spTgt>
+                                        </p:tgtEl>
+                                        <p:attrNameLst>
+                                          <p:attrName>style.visibility</p:attrName>
+                                        </p:attrNameLst>
+                                      </p:cBhvr>
+                                      <p:to>
+                                        <p:strVal val="visible"/>
+                                      </p:to>
+                                    </p:set>
+                                    <p:animEffect transition="in" filter="fade">
+                                      <p:cBhvr>
+                                        <p:cTn id="42" dur="500"/>
+                                        <p:tgtEl>
+                                          <p:spTgt spid="3">
+                                            <p:txEl>
+                                              <p:pRg st="7" end="7"/>
+                                            </p:txEl>
+                                          </p:spTgt>
+                                        </p:tgtEl>
+                                      </p:cBhvr>
+                                    </p:animEffect>
+                                  </p:childTnLst>
+                                </p:cTn>
+                              </p:par>
+                            </p:childTnLst>
+                          </p:cTn>
+                        </p:par>
+                      </p:childTnLst>
+                    </p:cTn>
+                  </p:par>
+                  <p:par>
+                    <p:cTn id="43" fill="hold">
+                      <p:stCondLst>
+                        <p:cond delay="indefinite"/>
+                      </p:stCondLst>
+                      <p:childTnLst>
+                        <p:par>
+                          <p:cTn id="44" fill="hold">
+                            <p:stCondLst>
+                              <p:cond delay="0"/>
+                            </p:stCondLst>
+                            <p:childTnLst>
+                              <p:par>
+                                <p:cTn id="45" presetID="10" presetClass="entr" presetSubtype="0" fill="hold" grpId="0" nodeType="clickEffect">
+                                  <p:stCondLst>
+                                    <p:cond delay="0"/>
+                                  </p:stCondLst>
+                                  <p:childTnLst>
+                                    <p:set>
+                                      <p:cBhvr>
+                                        <p:cTn id="46" dur="1" fill="hold">
+                                          <p:stCondLst>
+                                            <p:cond delay="0"/>
+                                          </p:stCondLst>
+                                        </p:cTn>
+                                        <p:tgtEl>
+                                          <p:spTgt spid="3">
+                                            <p:txEl>
+                                              <p:pRg st="8" end="8"/>
+                                            </p:txEl>
+                                          </p:spTgt>
+                                        </p:tgtEl>
+                                        <p:attrNameLst>
+                                          <p:attrName>style.visibility</p:attrName>
+                                        </p:attrNameLst>
+                                      </p:cBhvr>
+                                      <p:to>
+                                        <p:strVal val="visible"/>
+                                      </p:to>
+                                    </p:set>
+                                    <p:animEffect transition="in" filter="fade">
+                                      <p:cBhvr>
+                                        <p:cTn id="47" dur="500"/>
+                                        <p:tgtEl>
+                                          <p:spTgt spid="3">
+                                            <p:txEl>
+                                              <p:pRg st="8" end="8"/>
+                                            </p:txEl>
+                                          </p:spTgt>
+                                        </p:tgtEl>
+                                      </p:cBhvr>
+                                    </p:animEffect>
+                                  </p:childTnLst>
+                                </p:cTn>
+                              </p:par>
+                            </p:childTnLst>
+                          </p:cTn>
+                        </p:par>
+                      </p:childTnLst>
+                    </p:cTn>
+                  </p:par>
+                  <p:par>
+                    <p:cTn id="48" fill="hold">
+                      <p:stCondLst>
+                        <p:cond delay="indefinite"/>
+                      </p:stCondLst>
+                      <p:childTnLst>
+                        <p:par>
+                          <p:cTn id="49" fill="hold">
+                            <p:stCondLst>
+                              <p:cond delay="0"/>
+                            </p:stCondLst>
+                            <p:childTnLst>
+                              <p:par>
+                                <p:cTn id="50" presetID="10" presetClass="entr" presetSubtype="0" fill="hold" grpId="0" nodeType="clickEffect">
+                                  <p:stCondLst>
+                                    <p:cond delay="0"/>
+                                  </p:stCondLst>
+                                  <p:childTnLst>
+                                    <p:set>
+                                      <p:cBhvr>
+                                        <p:cTn id="51" dur="1" fill="hold">
+                                          <p:stCondLst>
+                                            <p:cond delay="0"/>
+                                          </p:stCondLst>
+                                        </p:cTn>
+                                        <p:tgtEl>
+                                          <p:spTgt spid="3">
+                                            <p:txEl>
+                                              <p:pRg st="9" end="9"/>
+                                            </p:txEl>
+                                          </p:spTgt>
+                                        </p:tgtEl>
+                                        <p:attrNameLst>
+                                          <p:attrName>style.visibility</p:attrName>
+                                        </p:attrNameLst>
+                                      </p:cBhvr>
+                                      <p:to>
+                                        <p:strVal val="visible"/>
+                                      </p:to>
+                                    </p:set>
+                                    <p:animEffect transition="in" filter="fade">
+                                      <p:cBhvr>
+                                        <p:cTn id="52" dur="500"/>
+                                        <p:tgtEl>
+                                          <p:spTgt spid="3">
+                                            <p:txEl>
+                                              <p:pRg st="9" end="9"/>
+                                            </p:txEl>
+                                          </p:spTgt>
+                                        </p:tgtEl>
+                                      </p:cBhvr>
+                                    </p:animEffect>
+                                  </p:childTnLst>
+                                </p:cTn>
+                              </p:par>
+                            </p:childTnLst>
+                          </p:cTn>
+                        </p:par>
+                      </p:childTnLst>
+                    </p:cTn>
+                  </p:par>
+                  <p:par>
+                    <p:cTn id="53" fill="hold">
+                      <p:stCondLst>
+                        <p:cond delay="indefinite"/>
+                      </p:stCondLst>
+                      <p:childTnLst>
+                        <p:par>
+                          <p:cTn id="54" fill="hold">
+                            <p:stCondLst>
+                              <p:cond delay="0"/>
+                            </p:stCondLst>
+                            <p:childTnLst>
+                              <p:par>
+                                <p:cTn id="55" presetID="10" presetClass="entr" presetSubtype="0" fill="hold" grpId="0" nodeType="clickEffect">
+                                  <p:stCondLst>
+                                    <p:cond delay="0"/>
+                                  </p:stCondLst>
+                                  <p:childTnLst>
+                                    <p:set>
+                                      <p:cBhvr>
+                                        <p:cTn id="56" dur="1" fill="hold">
+                                          <p:stCondLst>
+                                            <p:cond delay="0"/>
+                                          </p:stCondLst>
+                                        </p:cTn>
+                                        <p:tgtEl>
+                                          <p:spTgt spid="3">
+                                            <p:txEl>
+                                              <p:pRg st="10" end="10"/>
+                                            </p:txEl>
+                                          </p:spTgt>
+                                        </p:tgtEl>
+                                        <p:attrNameLst>
+                                          <p:attrName>style.visibility</p:attrName>
+                                        </p:attrNameLst>
+                                      </p:cBhvr>
+                                      <p:to>
+                                        <p:strVal val="visible"/>
+                                      </p:to>
+                                    </p:set>
+                                    <p:animEffect transition="in" filter="fade">
+                                      <p:cBhvr>
+                                        <p:cTn id="57" dur="500"/>
+                                        <p:tgtEl>
+                                          <p:spTgt spid="3">
+                                            <p:txEl>
+                                              <p:pRg st="10" end="10"/>
+                                            </p:txEl>
+                                          </p:spTgt>
+                                        </p:tgtEl>
+                                      </p:cBhvr>
+                                    </p:animEffect>
+                                  </p:childTnLst>
+                                </p:cTn>
+                              </p:par>
+                            </p:childTnLst>
+                          </p:cTn>
+                        </p:par>
+                      </p:childTnLst>
+                    </p:cTn>
+                  </p:par>
+                </p:childTnLst>
+              </p:cTn>
+              <p:prevCondLst>
+                <p:cond evt="onPrev" delay="0">
+                  <p:tgtEl>
+                    <p:sldTgt/>
+                  </p:tgtEl>
+                </p:cond>
+              </p:prevCondLst>
+              <p:nextCondLst>
+                <p:cond evt="onNext" delay="0">
+                  <p:tgtEl>
+                    <p:sldTgt/>
+                  </p:tgtEl>
+                </p:cond>
+              </p:nextCondLst>
+            </p:seq>
+          </p:childTnLst>
+        </p:cTn>
+      </p:par>
+    </p:tnLst>
+    <p:bldLst>
+      <p:bldP spid="3" grpId="0" uiExpand="1" build="p"/>
+    </p:bldLst>
+  </p:timing>
 </p:sld>
 </file>
 
@@ -20477,7 +22671,7 @@
         </p:spPr>
         <p:txBody>
           <a:bodyPr>
-            <a:normAutofit lnSpcReduction="10000"/>
+            <a:normAutofit/>
           </a:bodyPr>
           <a:lstStyle/>
           <a:p>
@@ -20527,7 +22721,11 @@
             </a:r>
             <a:r>
               <a:rPr lang="zh-CN" altLang="en-US" dirty="0" smtClean="0"/>
-              <a:t>）。</a:t>
+              <a:t>*资源利用率）</a:t>
+            </a:r>
+            <a:r>
+              <a:rPr lang="zh-CN" altLang="en-US" dirty="0" smtClean="0"/>
+              <a:t>。</a:t>
             </a:r>
             <a:endParaRPr lang="en-US" altLang="zh-CN" dirty="0" smtClean="0"/>
           </a:p>
@@ -20567,7 +22765,37 @@
               <a:rPr lang="zh-CN" altLang="en-US" dirty="0" smtClean="0">
                 <a:sym typeface="Wingdings" pitchFamily="2" charset="2"/>
               </a:rPr>
-              <a:t>实际上并不关心你到底是在这周里的什么时候完成，只需要关心你完成任务了么，大概用了多久。</a:t>
+              <a:t>实不关心</a:t>
+            </a:r>
+            <a:r>
+              <a:rPr lang="zh-CN" altLang="en-US" dirty="0" smtClean="0">
+                <a:sym typeface="Wingdings" pitchFamily="2" charset="2"/>
+              </a:rPr>
+              <a:t>你到底是在这周里的什么时候</a:t>
+            </a:r>
+            <a:r>
+              <a:rPr lang="zh-CN" altLang="en-US" dirty="0" smtClean="0">
+                <a:sym typeface="Wingdings" pitchFamily="2" charset="2"/>
+              </a:rPr>
+              <a:t>完成</a:t>
+            </a:r>
+            <a:endParaRPr lang="en-US" altLang="zh-CN" dirty="0" smtClean="0">
+              <a:sym typeface="Wingdings" pitchFamily="2" charset="2"/>
+            </a:endParaRPr>
+          </a:p>
+          <a:p>
+            <a:pPr lvl="2"/>
+            <a:r>
+              <a:rPr lang="zh-CN" altLang="en-US" dirty="0" smtClean="0">
+                <a:sym typeface="Wingdings" pitchFamily="2" charset="2"/>
+              </a:rPr>
+              <a:t>只需</a:t>
+            </a:r>
+            <a:r>
+              <a:rPr lang="zh-CN" altLang="en-US" dirty="0" smtClean="0">
+                <a:sym typeface="Wingdings" pitchFamily="2" charset="2"/>
+              </a:rPr>
+              <a:t>要关心你完成任务了么，大概用了多久。</a:t>
             </a:r>
             <a:endParaRPr lang="en-US" altLang="zh-CN" dirty="0" smtClean="0">
               <a:sym typeface="Wingdings" pitchFamily="2" charset="2"/>
@@ -20591,38 +22819,17 @@
               <a:rPr lang="zh-CN" altLang="en-US" dirty="0" smtClean="0">
                 <a:sym typeface="Wingdings" pitchFamily="2" charset="2"/>
               </a:rPr>
-              <a:t>的资源）</a:t>
+              <a:t>的资源</a:t>
+            </a:r>
+            <a:r>
+              <a:rPr lang="zh-CN" altLang="en-US" dirty="0" smtClean="0">
+                <a:sym typeface="Wingdings" pitchFamily="2" charset="2"/>
+              </a:rPr>
+              <a:t>）</a:t>
             </a:r>
             <a:endParaRPr lang="en-US" altLang="zh-CN" dirty="0" smtClean="0">
               <a:sym typeface="Wingdings" pitchFamily="2" charset="2"/>
             </a:endParaRPr>
-          </a:p>
-          <a:p>
-            <a:r>
-              <a:rPr lang="zh-CN" altLang="en-US" dirty="0"/>
-              <a:t>建议：</a:t>
-            </a:r>
-            <a:endParaRPr lang="en-US" altLang="zh-CN" dirty="0"/>
-          </a:p>
-          <a:p>
-            <a:pPr lvl="1"/>
-            <a:r>
-              <a:rPr lang="zh-CN" altLang="en-US" dirty="0"/>
-              <a:t>开课初给定各周要完成的任务、提交的文档、具体的</a:t>
-            </a:r>
-            <a:r>
-              <a:rPr lang="en-US" altLang="zh-CN" dirty="0"/>
-              <a:t>deadline</a:t>
-            </a:r>
-            <a:r>
-              <a:rPr lang="zh-CN" altLang="en-US" dirty="0"/>
-              <a:t>。好进行相应计划</a:t>
-            </a:r>
-            <a:r>
-              <a:rPr lang="zh-CN" altLang="en-US" dirty="0" smtClean="0"/>
-              <a:t>。</a:t>
-            </a:r>
-            <a:endParaRPr lang="en-US" altLang="zh-CN" dirty="0"/>
           </a:p>
         </p:txBody>
       </p:sp>
@@ -20636,6 +22843,469 @@
   <p:clrMapOvr>
     <a:masterClrMapping/>
   </p:clrMapOvr>
+  <p:transition spd="slow">
+    <p:push dir="u"/>
+  </p:transition>
+  <p:timing>
+    <p:tnLst>
+      <p:par>
+        <p:cTn id="1" dur="indefinite" restart="never" nodeType="tmRoot">
+          <p:childTnLst>
+            <p:seq concurrent="1" nextAc="seek">
+              <p:cTn id="2" dur="indefinite" nodeType="mainSeq">
+                <p:childTnLst>
+                  <p:par>
+                    <p:cTn id="3" fill="hold">
+                      <p:stCondLst>
+                        <p:cond delay="indefinite"/>
+                      </p:stCondLst>
+                      <p:childTnLst>
+                        <p:par>
+                          <p:cTn id="4" fill="hold">
+                            <p:stCondLst>
+                              <p:cond delay="0"/>
+                            </p:stCondLst>
+                            <p:childTnLst>
+                              <p:par>
+                                <p:cTn id="5" presetID="10" presetClass="entr" presetSubtype="0" fill="hold" grpId="0" nodeType="clickEffect">
+                                  <p:stCondLst>
+                                    <p:cond delay="0"/>
+                                  </p:stCondLst>
+                                  <p:childTnLst>
+                                    <p:set>
+                                      <p:cBhvr>
+                                        <p:cTn id="6" dur="1" fill="hold">
+                                          <p:stCondLst>
+                                            <p:cond delay="0"/>
+                                          </p:stCondLst>
+                                        </p:cTn>
+                                        <p:tgtEl>
+                                          <p:spTgt spid="3">
+                                            <p:txEl>
+                                              <p:pRg st="0" end="0"/>
+                                            </p:txEl>
+                                          </p:spTgt>
+                                        </p:tgtEl>
+                                        <p:attrNameLst>
+                                          <p:attrName>style.visibility</p:attrName>
+                                        </p:attrNameLst>
+                                      </p:cBhvr>
+                                      <p:to>
+                                        <p:strVal val="visible"/>
+                                      </p:to>
+                                    </p:set>
+                                    <p:animEffect transition="in" filter="fade">
+                                      <p:cBhvr>
+                                        <p:cTn id="7" dur="500"/>
+                                        <p:tgtEl>
+                                          <p:spTgt spid="3">
+                                            <p:txEl>
+                                              <p:pRg st="0" end="0"/>
+                                            </p:txEl>
+                                          </p:spTgt>
+                                        </p:tgtEl>
+                                      </p:cBhvr>
+                                    </p:animEffect>
+                                  </p:childTnLst>
+                                </p:cTn>
+                              </p:par>
+                            </p:childTnLst>
+                          </p:cTn>
+                        </p:par>
+                      </p:childTnLst>
+                    </p:cTn>
+                  </p:par>
+                  <p:par>
+                    <p:cTn id="8" fill="hold">
+                      <p:stCondLst>
+                        <p:cond delay="indefinite"/>
+                      </p:stCondLst>
+                      <p:childTnLst>
+                        <p:par>
+                          <p:cTn id="9" fill="hold">
+                            <p:stCondLst>
+                              <p:cond delay="0"/>
+                            </p:stCondLst>
+                            <p:childTnLst>
+                              <p:par>
+                                <p:cTn id="10" presetID="10" presetClass="entr" presetSubtype="0" fill="hold" grpId="0" nodeType="clickEffect">
+                                  <p:stCondLst>
+                                    <p:cond delay="0"/>
+                                  </p:stCondLst>
+                                  <p:childTnLst>
+                                    <p:set>
+                                      <p:cBhvr>
+                                        <p:cTn id="11" dur="1" fill="hold">
+                                          <p:stCondLst>
+                                            <p:cond delay="0"/>
+                                          </p:stCondLst>
+                                        </p:cTn>
+                                        <p:tgtEl>
+                                          <p:spTgt spid="3">
+                                            <p:txEl>
+                                              <p:pRg st="1" end="1"/>
+                                            </p:txEl>
+                                          </p:spTgt>
+                                        </p:tgtEl>
+                                        <p:attrNameLst>
+                                          <p:attrName>style.visibility</p:attrName>
+                                        </p:attrNameLst>
+                                      </p:cBhvr>
+                                      <p:to>
+                                        <p:strVal val="visible"/>
+                                      </p:to>
+                                    </p:set>
+                                    <p:animEffect transition="in" filter="fade">
+                                      <p:cBhvr>
+                                        <p:cTn id="12" dur="500"/>
+                                        <p:tgtEl>
+                                          <p:spTgt spid="3">
+                                            <p:txEl>
+                                              <p:pRg st="1" end="1"/>
+                                            </p:txEl>
+                                          </p:spTgt>
+                                        </p:tgtEl>
+                                      </p:cBhvr>
+                                    </p:animEffect>
+                                  </p:childTnLst>
+                                </p:cTn>
+                              </p:par>
+                            </p:childTnLst>
+                          </p:cTn>
+                        </p:par>
+                      </p:childTnLst>
+                    </p:cTn>
+                  </p:par>
+                  <p:par>
+                    <p:cTn id="13" fill="hold">
+                      <p:stCondLst>
+                        <p:cond delay="indefinite"/>
+                      </p:stCondLst>
+                      <p:childTnLst>
+                        <p:par>
+                          <p:cTn id="14" fill="hold">
+                            <p:stCondLst>
+                              <p:cond delay="0"/>
+                            </p:stCondLst>
+                            <p:childTnLst>
+                              <p:par>
+                                <p:cTn id="15" presetID="10" presetClass="entr" presetSubtype="0" fill="hold" grpId="0" nodeType="clickEffect">
+                                  <p:stCondLst>
+                                    <p:cond delay="0"/>
+                                  </p:stCondLst>
+                                  <p:childTnLst>
+                                    <p:set>
+                                      <p:cBhvr>
+                                        <p:cTn id="16" dur="1" fill="hold">
+                                          <p:stCondLst>
+                                            <p:cond delay="0"/>
+                                          </p:stCondLst>
+                                        </p:cTn>
+                                        <p:tgtEl>
+                                          <p:spTgt spid="3">
+                                            <p:txEl>
+                                              <p:pRg st="2" end="2"/>
+                                            </p:txEl>
+                                          </p:spTgt>
+                                        </p:tgtEl>
+                                        <p:attrNameLst>
+                                          <p:attrName>style.visibility</p:attrName>
+                                        </p:attrNameLst>
+                                      </p:cBhvr>
+                                      <p:to>
+                                        <p:strVal val="visible"/>
+                                      </p:to>
+                                    </p:set>
+                                    <p:animEffect transition="in" filter="fade">
+                                      <p:cBhvr>
+                                        <p:cTn id="17" dur="500"/>
+                                        <p:tgtEl>
+                                          <p:spTgt spid="3">
+                                            <p:txEl>
+                                              <p:pRg st="2" end="2"/>
+                                            </p:txEl>
+                                          </p:spTgt>
+                                        </p:tgtEl>
+                                      </p:cBhvr>
+                                    </p:animEffect>
+                                  </p:childTnLst>
+                                </p:cTn>
+                              </p:par>
+                            </p:childTnLst>
+                          </p:cTn>
+                        </p:par>
+                      </p:childTnLst>
+                    </p:cTn>
+                  </p:par>
+                  <p:par>
+                    <p:cTn id="18" fill="hold">
+                      <p:stCondLst>
+                        <p:cond delay="indefinite"/>
+                      </p:stCondLst>
+                      <p:childTnLst>
+                        <p:par>
+                          <p:cTn id="19" fill="hold">
+                            <p:stCondLst>
+                              <p:cond delay="0"/>
+                            </p:stCondLst>
+                            <p:childTnLst>
+                              <p:par>
+                                <p:cTn id="20" presetID="10" presetClass="entr" presetSubtype="0" fill="hold" grpId="0" nodeType="clickEffect">
+                                  <p:stCondLst>
+                                    <p:cond delay="0"/>
+                                  </p:stCondLst>
+                                  <p:childTnLst>
+                                    <p:set>
+                                      <p:cBhvr>
+                                        <p:cTn id="21" dur="1" fill="hold">
+                                          <p:stCondLst>
+                                            <p:cond delay="0"/>
+                                          </p:stCondLst>
+                                        </p:cTn>
+                                        <p:tgtEl>
+                                          <p:spTgt spid="3">
+                                            <p:txEl>
+                                              <p:pRg st="3" end="3"/>
+                                            </p:txEl>
+                                          </p:spTgt>
+                                        </p:tgtEl>
+                                        <p:attrNameLst>
+                                          <p:attrName>style.visibility</p:attrName>
+                                        </p:attrNameLst>
+                                      </p:cBhvr>
+                                      <p:to>
+                                        <p:strVal val="visible"/>
+                                      </p:to>
+                                    </p:set>
+                                    <p:animEffect transition="in" filter="fade">
+                                      <p:cBhvr>
+                                        <p:cTn id="22" dur="500"/>
+                                        <p:tgtEl>
+                                          <p:spTgt spid="3">
+                                            <p:txEl>
+                                              <p:pRg st="3" end="3"/>
+                                            </p:txEl>
+                                          </p:spTgt>
+                                        </p:tgtEl>
+                                      </p:cBhvr>
+                                    </p:animEffect>
+                                  </p:childTnLst>
+                                </p:cTn>
+                              </p:par>
+                            </p:childTnLst>
+                          </p:cTn>
+                        </p:par>
+                      </p:childTnLst>
+                    </p:cTn>
+                  </p:par>
+                  <p:par>
+                    <p:cTn id="23" fill="hold">
+                      <p:stCondLst>
+                        <p:cond delay="indefinite"/>
+                      </p:stCondLst>
+                      <p:childTnLst>
+                        <p:par>
+                          <p:cTn id="24" fill="hold">
+                            <p:stCondLst>
+                              <p:cond delay="0"/>
+                            </p:stCondLst>
+                            <p:childTnLst>
+                              <p:par>
+                                <p:cTn id="25" presetID="10" presetClass="entr" presetSubtype="0" fill="hold" grpId="0" nodeType="clickEffect">
+                                  <p:stCondLst>
+                                    <p:cond delay="0"/>
+                                  </p:stCondLst>
+                                  <p:childTnLst>
+                                    <p:set>
+                                      <p:cBhvr>
+                                        <p:cTn id="26" dur="1" fill="hold">
+                                          <p:stCondLst>
+                                            <p:cond delay="0"/>
+                                          </p:stCondLst>
+                                        </p:cTn>
+                                        <p:tgtEl>
+                                          <p:spTgt spid="3">
+                                            <p:txEl>
+                                              <p:pRg st="4" end="4"/>
+                                            </p:txEl>
+                                          </p:spTgt>
+                                        </p:tgtEl>
+                                        <p:attrNameLst>
+                                          <p:attrName>style.visibility</p:attrName>
+                                        </p:attrNameLst>
+                                      </p:cBhvr>
+                                      <p:to>
+                                        <p:strVal val="visible"/>
+                                      </p:to>
+                                    </p:set>
+                                    <p:animEffect transition="in" filter="fade">
+                                      <p:cBhvr>
+                                        <p:cTn id="27" dur="500"/>
+                                        <p:tgtEl>
+                                          <p:spTgt spid="3">
+                                            <p:txEl>
+                                              <p:pRg st="4" end="4"/>
+                                            </p:txEl>
+                                          </p:spTgt>
+                                        </p:tgtEl>
+                                      </p:cBhvr>
+                                    </p:animEffect>
+                                  </p:childTnLst>
+                                </p:cTn>
+                              </p:par>
+                            </p:childTnLst>
+                          </p:cTn>
+                        </p:par>
+                      </p:childTnLst>
+                    </p:cTn>
+                  </p:par>
+                  <p:par>
+                    <p:cTn id="28" fill="hold">
+                      <p:stCondLst>
+                        <p:cond delay="indefinite"/>
+                      </p:stCondLst>
+                      <p:childTnLst>
+                        <p:par>
+                          <p:cTn id="29" fill="hold">
+                            <p:stCondLst>
+                              <p:cond delay="0"/>
+                            </p:stCondLst>
+                            <p:childTnLst>
+                              <p:par>
+                                <p:cTn id="30" presetID="10" presetClass="entr" presetSubtype="0" fill="hold" grpId="0" nodeType="clickEffect">
+                                  <p:stCondLst>
+                                    <p:cond delay="0"/>
+                                  </p:stCondLst>
+                                  <p:childTnLst>
+                                    <p:set>
+                                      <p:cBhvr>
+                                        <p:cTn id="31" dur="1" fill="hold">
+                                          <p:stCondLst>
+                                            <p:cond delay="0"/>
+                                          </p:stCondLst>
+                                        </p:cTn>
+                                        <p:tgtEl>
+                                          <p:spTgt spid="3">
+                                            <p:txEl>
+                                              <p:pRg st="5" end="5"/>
+                                            </p:txEl>
+                                          </p:spTgt>
+                                        </p:tgtEl>
+                                        <p:attrNameLst>
+                                          <p:attrName>style.visibility</p:attrName>
+                                        </p:attrNameLst>
+                                      </p:cBhvr>
+                                      <p:to>
+                                        <p:strVal val="visible"/>
+                                      </p:to>
+                                    </p:set>
+                                    <p:animEffect transition="in" filter="fade">
+                                      <p:cBhvr>
+                                        <p:cTn id="32" dur="500"/>
+                                        <p:tgtEl>
+                                          <p:spTgt spid="3">
+                                            <p:txEl>
+                                              <p:pRg st="5" end="5"/>
+                                            </p:txEl>
+                                          </p:spTgt>
+                                        </p:tgtEl>
+                                      </p:cBhvr>
+                                    </p:animEffect>
+                                  </p:childTnLst>
+                                </p:cTn>
+                              </p:par>
+                            </p:childTnLst>
+                          </p:cTn>
+                        </p:par>
+                      </p:childTnLst>
+                    </p:cTn>
+                  </p:par>
+                  <p:par>
+                    <p:cTn id="33" fill="hold">
+                      <p:stCondLst>
+                        <p:cond delay="indefinite"/>
+                      </p:stCondLst>
+                      <p:childTnLst>
+                        <p:par>
+                          <p:cTn id="34" fill="hold">
+                            <p:stCondLst>
+                              <p:cond delay="0"/>
+                            </p:stCondLst>
+                            <p:childTnLst>
+                              <p:par>
+                                <p:cTn id="35" presetID="10" presetClass="entr" presetSubtype="0" fill="hold" grpId="0" nodeType="clickEffect">
+                                  <p:stCondLst>
+                                    <p:cond delay="0"/>
+                                  </p:stCondLst>
+                                  <p:childTnLst>
+                                    <p:set>
+                                      <p:cBhvr>
+                                        <p:cTn id="36" dur="1" fill="hold">
+                                          <p:stCondLst>
+                                            <p:cond delay="0"/>
+                                          </p:stCondLst>
+                                        </p:cTn>
+                                        <p:tgtEl>
+                                          <p:spTgt spid="3">
+                                            <p:txEl>
+                                              <p:pRg st="6" end="6"/>
+                                            </p:txEl>
+                                          </p:spTgt>
+                                        </p:tgtEl>
+                                        <p:attrNameLst>
+                                          <p:attrName>style.visibility</p:attrName>
+                                        </p:attrNameLst>
+                                      </p:cBhvr>
+                                      <p:to>
+                                        <p:strVal val="visible"/>
+                                      </p:to>
+                                    </p:set>
+                                    <p:animEffect transition="in" filter="fade">
+                                      <p:cBhvr>
+                                        <p:cTn id="37" dur="500"/>
+                                        <p:tgtEl>
+                                          <p:spTgt spid="3">
+                                            <p:txEl>
+                                              <p:pRg st="6" end="6"/>
+                                            </p:txEl>
+                                          </p:spTgt>
+                                        </p:tgtEl>
+                                      </p:cBhvr>
+                                    </p:animEffect>
+                                  </p:childTnLst>
+                                </p:cTn>
+                              </p:par>
+                            </p:childTnLst>
+                          </p:cTn>
+                        </p:par>
+                      </p:childTnLst>
+                    </p:cTn>
+                  </p:par>
+                </p:childTnLst>
+              </p:cTn>
+              <p:prevCondLst>
+                <p:cond evt="onPrev" delay="0">
+                  <p:tgtEl>
+                    <p:sldTgt/>
+                  </p:tgtEl>
+                </p:cond>
+              </p:prevCondLst>
+              <p:nextCondLst>
+                <p:cond evt="onNext" delay="0">
+                  <p:tgtEl>
+                    <p:sldTgt/>
+                  </p:tgtEl>
+                </p:cond>
+              </p:nextCondLst>
+            </p:seq>
+          </p:childTnLst>
+        </p:cTn>
+      </p:par>
+    </p:tnLst>
+    <p:bldLst>
+      <p:bldP spid="3" grpId="0" uiExpand="1" build="p"/>
+    </p:bldLst>
+  </p:timing>
 </p:sld>
 </file>
 
@@ -20786,6 +23456,16 @@
   <p:clrMapOvr>
     <a:masterClrMapping/>
   </p:clrMapOvr>
+  <p:transition spd="slow">
+    <p:push dir="u"/>
+  </p:transition>
+  <p:timing>
+    <p:tnLst>
+      <p:par>
+        <p:cTn id="1" dur="indefinite" restart="never" nodeType="tmRoot"/>
+      </p:par>
+    </p:tnLst>
+  </p:timing>
 </p:sld>
 </file>
 
@@ -21327,7 +24007,7 @@
   <a:extraClrSchemeLst/>
   <a:extLst>
     <a:ext uri="{05A4C25C-085E-4340-85A3-A5531E510DB2}">
-      <thm15:themeFamily xmlns:thm15="http://schemas.microsoft.com/office/thememl/2012/main" name="Office Theme" id="{62F939B6-93AF-4DB8-9C6B-D6C7DFDC589F}" vid="{4A3C46E8-61CC-4603-A589-7422A47A8E4A}"/>
+      <thm15:themeFamily xmlns:thm15="http://schemas.microsoft.com/office/thememl/2012/main" xmlns="" name="Office Theme" id="{62F939B6-93AF-4DB8-9C6B-D6C7DFDC589F}" vid="{4A3C46E8-61CC-4603-A589-7422A47A8E4A}"/>
     </a:ext>
   </a:extLst>
 </a:theme>
